--- a/trunk/Project 2/Part1/CS554_EuroTeam_Project2_OP4_quality.pptx
+++ b/trunk/Project 2/Part1/CS554_EuroTeam_Project2_OP4_quality.pptx
@@ -5,10 +5,10 @@
     <p:sldMasterId id="2147483660" r:id="rId2"/>
   </p:sldMasterIdLst>
   <p:notesMasterIdLst>
-    <p:notesMasterId r:id="rId12"/>
+    <p:notesMasterId r:id="rId13"/>
   </p:notesMasterIdLst>
   <p:handoutMasterIdLst>
-    <p:handoutMasterId r:id="rId13"/>
+    <p:handoutMasterId r:id="rId14"/>
   </p:handoutMasterIdLst>
   <p:sldIdLst>
     <p:sldId id="256" r:id="rId3"/>
@@ -18,8 +18,9 @@
     <p:sldId id="340" r:id="rId7"/>
     <p:sldId id="341" r:id="rId8"/>
     <p:sldId id="351" r:id="rId9"/>
-    <p:sldId id="350" r:id="rId10"/>
-    <p:sldId id="286" r:id="rId11"/>
+    <p:sldId id="352" r:id="rId10"/>
+    <p:sldId id="350" r:id="rId11"/>
+    <p:sldId id="286" r:id="rId12"/>
   </p:sldIdLst>
   <p:sldSz cx="9144000" cy="6858000" type="screen4x3"/>
   <p:notesSz cx="7099300" cy="10234613"/>
@@ -12350,6 +12351,170 @@
 </p:sld>
 </file>
 
+<file path=ppt/slides/slide10.xml><?xml version="1.0" encoding="utf-8"?>
+<p:sld xmlns:a="http://schemas.openxmlformats.org/drawingml/2006/main" xmlns:r="http://schemas.openxmlformats.org/officeDocument/2006/relationships" xmlns:mc="http://schemas.openxmlformats.org/markup-compatibility/2006" xmlns:mv="urn:schemas-microsoft-com:mac:vml" xmlns:p="http://schemas.openxmlformats.org/presentationml/2006/main" mc:Ignorable="mv" mc:PreserveAttributes="mv:*">
+  <p:cSld>
+    <p:spTree>
+      <p:nvGrpSpPr>
+        <p:cNvPr id="1" name=""/>
+        <p:cNvGrpSpPr/>
+        <p:nvPr/>
+      </p:nvGrpSpPr>
+      <p:grpSpPr>
+        <a:xfrm>
+          <a:off x="0" y="0"/>
+          <a:ext cx="0" cy="0"/>
+          <a:chOff x="0" y="0"/>
+          <a:chExt cx="0" cy="0"/>
+        </a:xfrm>
+      </p:grpSpPr>
+      <p:sp>
+        <p:nvSpPr>
+          <p:cNvPr id="2" name="Titre 1"/>
+          <p:cNvSpPr>
+            <a:spLocks noGrp="1"/>
+          </p:cNvSpPr>
+          <p:nvPr>
+            <p:ph type="ctrTitle"/>
+          </p:nvPr>
+        </p:nvSpPr>
+        <p:spPr>
+          <a:xfrm>
+            <a:off x="300038" y="466708"/>
+            <a:ext cx="8629680" cy="819152"/>
+          </a:xfrm>
+        </p:spPr>
+        <p:txBody>
+          <a:bodyPr/>
+          <a:lstStyle/>
+          <a:p>
+            <a:pPr>
+              <a:defRPr/>
+            </a:pPr>
+            <a:r>
+              <a:rPr lang="en-US" dirty="0" smtClean="0"/>
+              <a:t>references</a:t>
+            </a:r>
+            <a:endParaRPr lang="en-US" dirty="0"/>
+          </a:p>
+        </p:txBody>
+      </p:sp>
+      <p:sp>
+        <p:nvSpPr>
+          <p:cNvPr id="15363" name="Espace réservé du texte 2"/>
+          <p:cNvSpPr>
+            <a:spLocks noGrp="1"/>
+          </p:cNvSpPr>
+          <p:nvPr>
+            <p:ph type="body" sz="quarter" idx="10"/>
+          </p:nvPr>
+        </p:nvSpPr>
+        <p:spPr bwMode="auto">
+          <a:xfrm>
+            <a:off x="285750" y="1857375"/>
+            <a:ext cx="8501063" cy="4714875"/>
+          </a:xfrm>
+          <a:noFill/>
+          <a:ln>
+            <a:miter lim="800000"/>
+            <a:headEnd/>
+            <a:tailEnd/>
+          </a:ln>
+        </p:spPr>
+        <p:txBody>
+          <a:bodyPr vert="horz" wrap="square" lIns="91440" tIns="45720" rIns="91440" bIns="45720" numCol="1" anchor="t" anchorCtr="0" compatLnSpc="1">
+            <a:prstTxWarp prst="textNoShape">
+              <a:avLst/>
+            </a:prstTxWarp>
+          </a:bodyPr>
+          <a:lstStyle/>
+          <a:p>
+            <a:r>
+              <a:rPr sz="1600" b="1" smtClean="0"/>
+              <a:t>David S. Wile, </a:t>
+            </a:r>
+            <a:r>
+              <a:rPr sz="1600" i="1" smtClean="0"/>
+              <a:t>ACME: An Interchange Language for Architecture Representation</a:t>
+            </a:r>
+          </a:p>
+          <a:p>
+            <a:endParaRPr sz="1600" i="1" smtClean="0"/>
+          </a:p>
+          <a:p>
+            <a:r>
+              <a:rPr sz="1600" b="1" smtClean="0">
+                <a:hlinkClick r:id="rId2"/>
+              </a:rPr>
+              <a:t>http://www.cs.cmu.edu/~acme</a:t>
+            </a:r>
+            <a:r>
+              <a:rPr sz="1600" b="1" i="1" smtClean="0">
+                <a:hlinkClick r:id="rId2"/>
+              </a:rPr>
+              <a:t>/</a:t>
+            </a:r>
+            <a:r>
+              <a:rPr sz="1600" i="1" smtClean="0"/>
+              <a:t>, ACME websites</a:t>
+            </a:r>
+          </a:p>
+          <a:p>
+            <a:endParaRPr sz="1600" i="1" smtClean="0"/>
+          </a:p>
+          <a:p>
+            <a:r>
+              <a:rPr sz="1600" b="1" smtClean="0">
+                <a:hlinkClick r:id="rId3"/>
+              </a:rPr>
+              <a:t>http://en.wikipedia.org/wiki/Architecture_description_language</a:t>
+            </a:r>
+            <a:r>
+              <a:rPr sz="1600" i="1" smtClean="0"/>
+              <a:t>, ADL wikipedia page</a:t>
+            </a:r>
+          </a:p>
+          <a:p>
+            <a:endParaRPr sz="1600" i="1" smtClean="0"/>
+          </a:p>
+          <a:p>
+            <a:r>
+              <a:rPr lang="en-US" sz="1600" b="1" dirty="0" smtClean="0"/>
+              <a:t>[KKC00] R. </a:t>
+            </a:r>
+            <a:r>
+              <a:rPr lang="en-US" sz="1600" b="1" dirty="0" err="1" smtClean="0"/>
+              <a:t>Kazman</a:t>
+            </a:r>
+            <a:r>
+              <a:rPr lang="en-US" sz="1600" b="1" dirty="0" smtClean="0"/>
+              <a:t>, M. Klein, P. Clements</a:t>
+            </a:r>
+            <a:r>
+              <a:rPr lang="en-US" sz="1600" i="1" dirty="0" smtClean="0"/>
+              <a:t>, ATAM: A Method for Architecture Evaluation, CMU/SEI-2000-TR-004, Software Engineering Institute, Carnegie Mellon University, 2000. </a:t>
+            </a:r>
+            <a:endParaRPr lang="en-US" altLang="ko-KR" sz="1600" i="1" dirty="0" smtClean="0">
+              <a:ea typeface="굴림" charset="-127"/>
+            </a:endParaRPr>
+          </a:p>
+        </p:txBody>
+      </p:sp>
+    </p:spTree>
+  </p:cSld>
+  <p:clrMapOvr>
+    <a:masterClrMapping/>
+  </p:clrMapOvr>
+  <p:timing>
+    <p:tnLst>
+      <p:par>
+        <p:cTn id="1" dur="indefinite" restart="never" nodeType="tmRoot"/>
+      </p:par>
+    </p:tnLst>
+  </p:timing>
+</p:sld>
+</file>
+
 <file path=ppt/slides/slide2.xml><?xml version="1.0" encoding="utf-8"?>
 <p:sld xmlns:a="http://schemas.openxmlformats.org/drawingml/2006/main" xmlns:r="http://schemas.openxmlformats.org/officeDocument/2006/relationships" xmlns:mc="http://schemas.openxmlformats.org/markup-compatibility/2006" xmlns:mv="urn:schemas-microsoft-com:mac:vml" xmlns:p="http://schemas.openxmlformats.org/presentationml/2006/main" mc:Ignorable="mv" mc:PreserveAttributes="mv:*">
   <p:cSld>
@@ -14506,6 +14671,165 @@
 </file>
 
 <file path=ppt/slides/slide8.xml><?xml version="1.0" encoding="utf-8"?>
+<p:sld xmlns:a="http://schemas.openxmlformats.org/drawingml/2006/main" xmlns:r="http://schemas.openxmlformats.org/officeDocument/2006/relationships" xmlns:mc="http://schemas.openxmlformats.org/markup-compatibility/2006" xmlns:mv="urn:schemas-microsoft-com:mac:vml" xmlns:p="http://schemas.openxmlformats.org/presentationml/2006/main" mc:Ignorable="mv" mc:PreserveAttributes="mv:*">
+  <p:cSld>
+    <p:spTree>
+      <p:nvGrpSpPr>
+        <p:cNvPr id="1" name=""/>
+        <p:cNvGrpSpPr/>
+        <p:nvPr/>
+      </p:nvGrpSpPr>
+      <p:grpSpPr>
+        <a:xfrm>
+          <a:off x="0" y="0"/>
+          <a:ext cx="0" cy="0"/>
+          <a:chOff x="0" y="0"/>
+          <a:chExt cx="0" cy="0"/>
+        </a:xfrm>
+      </p:grpSpPr>
+      <p:sp>
+        <p:nvSpPr>
+          <p:cNvPr id="2" name="Title 1"/>
+          <p:cNvSpPr>
+            <a:spLocks noGrp="1"/>
+          </p:cNvSpPr>
+          <p:nvPr>
+            <p:ph type="ctrTitle"/>
+          </p:nvPr>
+        </p:nvSpPr>
+        <p:spPr/>
+        <p:txBody>
+          <a:bodyPr/>
+          <a:lstStyle/>
+          <a:p>
+            <a:r>
+              <a:rPr lang="en-US" dirty="0" smtClean="0"/>
+              <a:t>Utility Scenarios</a:t>
+            </a:r>
+            <a:endParaRPr lang="en-US" dirty="0"/>
+          </a:p>
+        </p:txBody>
+      </p:sp>
+      <p:sp>
+        <p:nvSpPr>
+          <p:cNvPr id="3" name="Text Placeholder 2"/>
+          <p:cNvSpPr>
+            <a:spLocks noGrp="1"/>
+          </p:cNvSpPr>
+          <p:nvPr>
+            <p:ph type="body" sz="quarter" idx="10"/>
+          </p:nvPr>
+        </p:nvSpPr>
+        <p:spPr/>
+        <p:txBody>
+          <a:bodyPr/>
+          <a:lstStyle/>
+          <a:p>
+            <a:r>
+              <a:rPr lang="en-US" dirty="0" smtClean="0"/>
+              <a:t>Use case scenarios</a:t>
+            </a:r>
+          </a:p>
+          <a:p>
+            <a:pPr lvl="1"/>
+            <a:r>
+              <a:rPr lang="en-US" dirty="0" smtClean="0"/>
+              <a:t>No operation should be irreversible, and confirmation should be asked to user each </a:t>
+            </a:r>
+            <a:r>
+              <a:rPr lang="en-US" dirty="0" smtClean="0"/>
+              <a:t>time</a:t>
+            </a:r>
+          </a:p>
+          <a:p>
+            <a:pPr lvl="1"/>
+            <a:r>
+              <a:rPr lang="en-US" dirty="0" smtClean="0"/>
+              <a:t>The </a:t>
+            </a:r>
+            <a:r>
+              <a:rPr lang="en-US" dirty="0" smtClean="0"/>
+              <a:t>FDIR interface should provide several views with consistent </a:t>
+            </a:r>
+            <a:r>
+              <a:rPr lang="en-US" dirty="0" smtClean="0"/>
+              <a:t>conventions</a:t>
+            </a:r>
+          </a:p>
+          <a:p>
+            <a:r>
+              <a:rPr lang="en-US" dirty="0" smtClean="0"/>
+              <a:t>Growth scenarios</a:t>
+            </a:r>
+          </a:p>
+          <a:p>
+            <a:pPr lvl="1"/>
+            <a:r>
+              <a:rPr lang="en-US" dirty="0" smtClean="0"/>
+              <a:t>A new sub-system must be able to be installed in to the </a:t>
+            </a:r>
+            <a:r>
+              <a:rPr lang="en-US" smtClean="0"/>
+              <a:t>FDIR in </a:t>
+            </a:r>
+            <a:r>
+              <a:rPr lang="en-US" dirty="0" smtClean="0"/>
+              <a:t>1 person day of work</a:t>
+            </a:r>
+          </a:p>
+          <a:p>
+            <a:r>
+              <a:rPr lang="en-US" dirty="0" smtClean="0"/>
+              <a:t>Exploratory scenarios</a:t>
+            </a:r>
+          </a:p>
+          <a:p>
+            <a:pPr lvl="1"/>
+            <a:r>
+              <a:rPr lang="en-US" dirty="0" smtClean="0"/>
+              <a:t>If </a:t>
+            </a:r>
+            <a:r>
+              <a:rPr lang="en-US" dirty="0" smtClean="0"/>
+              <a:t>the system load doubles from normal response time has to stay within 3 seconds</a:t>
+            </a:r>
+            <a:r>
+              <a:rPr lang="en-US" dirty="0" smtClean="0"/>
+              <a:t>.</a:t>
+            </a:r>
+          </a:p>
+          <a:p>
+            <a:pPr lvl="1"/>
+            <a:r>
+              <a:rPr lang="en-US" dirty="0" smtClean="0"/>
+              <a:t>The system has to be configurable to other spacecrafts in 1 person year of work</a:t>
+            </a:r>
+          </a:p>
+          <a:p>
+            <a:pPr lvl="1">
+              <a:buNone/>
+            </a:pPr>
+            <a:r>
+              <a:rPr lang="en-US" dirty="0" smtClean="0"/>
+              <a:t> </a:t>
+            </a:r>
+            <a:endParaRPr lang="en-US" dirty="0" smtClean="0"/>
+          </a:p>
+          <a:p>
+            <a:pPr lvl="1"/>
+            <a:endParaRPr lang="en-US" dirty="0" smtClean="0"/>
+          </a:p>
+        </p:txBody>
+      </p:sp>
+    </p:spTree>
+  </p:cSld>
+  <p:clrMapOvr>
+    <a:masterClrMapping/>
+  </p:clrMapOvr>
+</p:sld>
+</file>
+
+<file path=ppt/slides/slide9.xml><?xml version="1.0" encoding="utf-8"?>
 <p:sld xmlns:a="http://schemas.openxmlformats.org/drawingml/2006/main" xmlns:r="http://schemas.openxmlformats.org/officeDocument/2006/relationships" xmlns:mc="http://schemas.openxmlformats.org/markup-compatibility/2006" xmlns:mv="urn:schemas-microsoft-com:mac:vml" xmlns:p="http://schemas.openxmlformats.org/presentationml/2006/main" mc:Ignorable="mv" mc:PreserveAttributes="mv:*">
   <p:cSld>
     <p:spTree>
@@ -15096,170 +15420,6 @@
                   </a:srgbClr>
                 </a:outerShdw>
               </a:effectLst>
-            </a:endParaRPr>
-          </a:p>
-        </p:txBody>
-      </p:sp>
-    </p:spTree>
-  </p:cSld>
-  <p:clrMapOvr>
-    <a:masterClrMapping/>
-  </p:clrMapOvr>
-  <p:timing>
-    <p:tnLst>
-      <p:par>
-        <p:cTn id="1" dur="indefinite" restart="never" nodeType="tmRoot"/>
-      </p:par>
-    </p:tnLst>
-  </p:timing>
-</p:sld>
-</file>
-
-<file path=ppt/slides/slide9.xml><?xml version="1.0" encoding="utf-8"?>
-<p:sld xmlns:a="http://schemas.openxmlformats.org/drawingml/2006/main" xmlns:r="http://schemas.openxmlformats.org/officeDocument/2006/relationships" xmlns:mc="http://schemas.openxmlformats.org/markup-compatibility/2006" xmlns:mv="urn:schemas-microsoft-com:mac:vml" xmlns:p="http://schemas.openxmlformats.org/presentationml/2006/main" mc:Ignorable="mv" mc:PreserveAttributes="mv:*">
-  <p:cSld>
-    <p:spTree>
-      <p:nvGrpSpPr>
-        <p:cNvPr id="1" name=""/>
-        <p:cNvGrpSpPr/>
-        <p:nvPr/>
-      </p:nvGrpSpPr>
-      <p:grpSpPr>
-        <a:xfrm>
-          <a:off x="0" y="0"/>
-          <a:ext cx="0" cy="0"/>
-          <a:chOff x="0" y="0"/>
-          <a:chExt cx="0" cy="0"/>
-        </a:xfrm>
-      </p:grpSpPr>
-      <p:sp>
-        <p:nvSpPr>
-          <p:cNvPr id="2" name="Titre 1"/>
-          <p:cNvSpPr>
-            <a:spLocks noGrp="1"/>
-          </p:cNvSpPr>
-          <p:nvPr>
-            <p:ph type="ctrTitle"/>
-          </p:nvPr>
-        </p:nvSpPr>
-        <p:spPr>
-          <a:xfrm>
-            <a:off x="300038" y="466708"/>
-            <a:ext cx="8629680" cy="819152"/>
-          </a:xfrm>
-        </p:spPr>
-        <p:txBody>
-          <a:bodyPr/>
-          <a:lstStyle/>
-          <a:p>
-            <a:pPr>
-              <a:defRPr/>
-            </a:pPr>
-            <a:r>
-              <a:rPr lang="en-US" dirty="0" smtClean="0"/>
-              <a:t>references</a:t>
-            </a:r>
-            <a:endParaRPr lang="en-US" dirty="0"/>
-          </a:p>
-        </p:txBody>
-      </p:sp>
-      <p:sp>
-        <p:nvSpPr>
-          <p:cNvPr id="15363" name="Espace réservé du texte 2"/>
-          <p:cNvSpPr>
-            <a:spLocks noGrp="1"/>
-          </p:cNvSpPr>
-          <p:nvPr>
-            <p:ph type="body" sz="quarter" idx="10"/>
-          </p:nvPr>
-        </p:nvSpPr>
-        <p:spPr bwMode="auto">
-          <a:xfrm>
-            <a:off x="285750" y="1857375"/>
-            <a:ext cx="8501063" cy="4714875"/>
-          </a:xfrm>
-          <a:noFill/>
-          <a:ln>
-            <a:miter lim="800000"/>
-            <a:headEnd/>
-            <a:tailEnd/>
-          </a:ln>
-        </p:spPr>
-        <p:txBody>
-          <a:bodyPr vert="horz" wrap="square" lIns="91440" tIns="45720" rIns="91440" bIns="45720" numCol="1" anchor="t" anchorCtr="0" compatLnSpc="1">
-            <a:prstTxWarp prst="textNoShape">
-              <a:avLst/>
-            </a:prstTxWarp>
-          </a:bodyPr>
-          <a:lstStyle/>
-          <a:p>
-            <a:r>
-              <a:rPr sz="1600" b="1" smtClean="0"/>
-              <a:t>David S. Wile, </a:t>
-            </a:r>
-            <a:r>
-              <a:rPr sz="1600" i="1" smtClean="0"/>
-              <a:t>ACME: An Interchange Language for Architecture Representation</a:t>
-            </a:r>
-          </a:p>
-          <a:p>
-            <a:endParaRPr sz="1600" i="1" smtClean="0"/>
-          </a:p>
-          <a:p>
-            <a:r>
-              <a:rPr sz="1600" b="1" smtClean="0">
-                <a:hlinkClick r:id="rId2"/>
-              </a:rPr>
-              <a:t>http://www.cs.cmu.edu/~acme</a:t>
-            </a:r>
-            <a:r>
-              <a:rPr sz="1600" b="1" i="1" smtClean="0">
-                <a:hlinkClick r:id="rId2"/>
-              </a:rPr>
-              <a:t>/</a:t>
-            </a:r>
-            <a:r>
-              <a:rPr sz="1600" i="1" smtClean="0"/>
-              <a:t>, ACME websites</a:t>
-            </a:r>
-          </a:p>
-          <a:p>
-            <a:endParaRPr sz="1600" i="1" smtClean="0"/>
-          </a:p>
-          <a:p>
-            <a:r>
-              <a:rPr sz="1600" b="1" smtClean="0">
-                <a:hlinkClick r:id="rId3"/>
-              </a:rPr>
-              <a:t>http://en.wikipedia.org/wiki/Architecture_description_language</a:t>
-            </a:r>
-            <a:r>
-              <a:rPr sz="1600" i="1" smtClean="0"/>
-              <a:t>, ADL wikipedia page</a:t>
-            </a:r>
-          </a:p>
-          <a:p>
-            <a:endParaRPr sz="1600" i="1" smtClean="0"/>
-          </a:p>
-          <a:p>
-            <a:r>
-              <a:rPr lang="en-US" sz="1600" b="1" dirty="0" smtClean="0"/>
-              <a:t>[KKC00] R. </a:t>
-            </a:r>
-            <a:r>
-              <a:rPr lang="en-US" sz="1600" b="1" dirty="0" err="1" smtClean="0"/>
-              <a:t>Kazman</a:t>
-            </a:r>
-            <a:r>
-              <a:rPr lang="en-US" sz="1600" b="1" dirty="0" smtClean="0"/>
-              <a:t>, M. Klein, P. Clements</a:t>
-            </a:r>
-            <a:r>
-              <a:rPr lang="en-US" sz="1600" i="1" dirty="0" smtClean="0"/>
-              <a:t>, ATAM: A Method for Architecture Evaluation, CMU/SEI-2000-TR-004, Software Engineering Institute, Carnegie Mellon University, 2000. </a:t>
-            </a:r>
-            <a:endParaRPr lang="en-US" altLang="ko-KR" sz="1600" i="1" dirty="0" smtClean="0">
-              <a:ea typeface="굴림" charset="-127"/>
             </a:endParaRPr>
           </a:p>
         </p:txBody>

--- a/trunk/Project 2/Part1/CS554_EuroTeam_Project2_OP4_quality.pptx
+++ b/trunk/Project 2/Part1/CS554_EuroTeam_Project2_OP4_quality.pptx
@@ -5,10 +5,10 @@
     <p:sldMasterId id="2147483660" r:id="rId2"/>
   </p:sldMasterIdLst>
   <p:notesMasterIdLst>
-    <p:notesMasterId r:id="rId13"/>
+    <p:notesMasterId r:id="rId14"/>
   </p:notesMasterIdLst>
   <p:handoutMasterIdLst>
-    <p:handoutMasterId r:id="rId14"/>
+    <p:handoutMasterId r:id="rId15"/>
   </p:handoutMasterIdLst>
   <p:sldIdLst>
     <p:sldId id="256" r:id="rId3"/>
@@ -19,8 +19,9 @@
     <p:sldId id="341" r:id="rId8"/>
     <p:sldId id="351" r:id="rId9"/>
     <p:sldId id="352" r:id="rId10"/>
-    <p:sldId id="350" r:id="rId11"/>
-    <p:sldId id="286" r:id="rId12"/>
+    <p:sldId id="353" r:id="rId11"/>
+    <p:sldId id="350" r:id="rId12"/>
+    <p:sldId id="286" r:id="rId13"/>
   </p:sldIdLst>
   <p:sldSz cx="9144000" cy="6858000" type="screen4x3"/>
   <p:notesSz cx="7099300" cy="10234613"/>
@@ -12370,2484 +12371,6 @@
       </p:grpSpPr>
       <p:sp>
         <p:nvSpPr>
-          <p:cNvPr id="2" name="Titre 1"/>
-          <p:cNvSpPr>
-            <a:spLocks noGrp="1"/>
-          </p:cNvSpPr>
-          <p:nvPr>
-            <p:ph type="ctrTitle"/>
-          </p:nvPr>
-        </p:nvSpPr>
-        <p:spPr>
-          <a:xfrm>
-            <a:off x="300038" y="466708"/>
-            <a:ext cx="8629680" cy="819152"/>
-          </a:xfrm>
-        </p:spPr>
-        <p:txBody>
-          <a:bodyPr/>
-          <a:lstStyle/>
-          <a:p>
-            <a:pPr>
-              <a:defRPr/>
-            </a:pPr>
-            <a:r>
-              <a:rPr lang="en-US" dirty="0" smtClean="0"/>
-              <a:t>references</a:t>
-            </a:r>
-            <a:endParaRPr lang="en-US" dirty="0"/>
-          </a:p>
-        </p:txBody>
-      </p:sp>
-      <p:sp>
-        <p:nvSpPr>
-          <p:cNvPr id="15363" name="Espace réservé du texte 2"/>
-          <p:cNvSpPr>
-            <a:spLocks noGrp="1"/>
-          </p:cNvSpPr>
-          <p:nvPr>
-            <p:ph type="body" sz="quarter" idx="10"/>
-          </p:nvPr>
-        </p:nvSpPr>
-        <p:spPr bwMode="auto">
-          <a:xfrm>
-            <a:off x="285750" y="1857375"/>
-            <a:ext cx="8501063" cy="4714875"/>
-          </a:xfrm>
-          <a:noFill/>
-          <a:ln>
-            <a:miter lim="800000"/>
-            <a:headEnd/>
-            <a:tailEnd/>
-          </a:ln>
-        </p:spPr>
-        <p:txBody>
-          <a:bodyPr vert="horz" wrap="square" lIns="91440" tIns="45720" rIns="91440" bIns="45720" numCol="1" anchor="t" anchorCtr="0" compatLnSpc="1">
-            <a:prstTxWarp prst="textNoShape">
-              <a:avLst/>
-            </a:prstTxWarp>
-          </a:bodyPr>
-          <a:lstStyle/>
-          <a:p>
-            <a:r>
-              <a:rPr sz="1600" b="1" smtClean="0"/>
-              <a:t>David S. Wile, </a:t>
-            </a:r>
-            <a:r>
-              <a:rPr sz="1600" i="1" smtClean="0"/>
-              <a:t>ACME: An Interchange Language for Architecture Representation</a:t>
-            </a:r>
-          </a:p>
-          <a:p>
-            <a:endParaRPr sz="1600" i="1" smtClean="0"/>
-          </a:p>
-          <a:p>
-            <a:r>
-              <a:rPr sz="1600" b="1" smtClean="0">
-                <a:hlinkClick r:id="rId2"/>
-              </a:rPr>
-              <a:t>http://www.cs.cmu.edu/~acme</a:t>
-            </a:r>
-            <a:r>
-              <a:rPr sz="1600" b="1" i="1" smtClean="0">
-                <a:hlinkClick r:id="rId2"/>
-              </a:rPr>
-              <a:t>/</a:t>
-            </a:r>
-            <a:r>
-              <a:rPr sz="1600" i="1" smtClean="0"/>
-              <a:t>, ACME websites</a:t>
-            </a:r>
-          </a:p>
-          <a:p>
-            <a:endParaRPr sz="1600" i="1" smtClean="0"/>
-          </a:p>
-          <a:p>
-            <a:r>
-              <a:rPr sz="1600" b="1" smtClean="0">
-                <a:hlinkClick r:id="rId3"/>
-              </a:rPr>
-              <a:t>http://en.wikipedia.org/wiki/Architecture_description_language</a:t>
-            </a:r>
-            <a:r>
-              <a:rPr sz="1600" i="1" smtClean="0"/>
-              <a:t>, ADL wikipedia page</a:t>
-            </a:r>
-          </a:p>
-          <a:p>
-            <a:endParaRPr sz="1600" i="1" smtClean="0"/>
-          </a:p>
-          <a:p>
-            <a:r>
-              <a:rPr lang="en-US" sz="1600" b="1" dirty="0" smtClean="0"/>
-              <a:t>[KKC00] R. </a:t>
-            </a:r>
-            <a:r>
-              <a:rPr lang="en-US" sz="1600" b="1" dirty="0" err="1" smtClean="0"/>
-              <a:t>Kazman</a:t>
-            </a:r>
-            <a:r>
-              <a:rPr lang="en-US" sz="1600" b="1" dirty="0" smtClean="0"/>
-              <a:t>, M. Klein, P. Clements</a:t>
-            </a:r>
-            <a:r>
-              <a:rPr lang="en-US" sz="1600" i="1" dirty="0" smtClean="0"/>
-              <a:t>, ATAM: A Method for Architecture Evaluation, CMU/SEI-2000-TR-004, Software Engineering Institute, Carnegie Mellon University, 2000. </a:t>
-            </a:r>
-            <a:endParaRPr lang="en-US" altLang="ko-KR" sz="1600" i="1" dirty="0" smtClean="0">
-              <a:ea typeface="굴림" charset="-127"/>
-            </a:endParaRPr>
-          </a:p>
-        </p:txBody>
-      </p:sp>
-    </p:spTree>
-  </p:cSld>
-  <p:clrMapOvr>
-    <a:masterClrMapping/>
-  </p:clrMapOvr>
-  <p:timing>
-    <p:tnLst>
-      <p:par>
-        <p:cTn id="1" dur="indefinite" restart="never" nodeType="tmRoot"/>
-      </p:par>
-    </p:tnLst>
-  </p:timing>
-</p:sld>
-</file>
-
-<file path=ppt/slides/slide2.xml><?xml version="1.0" encoding="utf-8"?>
-<p:sld xmlns:a="http://schemas.openxmlformats.org/drawingml/2006/main" xmlns:r="http://schemas.openxmlformats.org/officeDocument/2006/relationships" xmlns:mc="http://schemas.openxmlformats.org/markup-compatibility/2006" xmlns:mv="urn:schemas-microsoft-com:mac:vml" xmlns:p="http://schemas.openxmlformats.org/presentationml/2006/main" mc:Ignorable="mv" mc:PreserveAttributes="mv:*">
-  <p:cSld>
-    <p:spTree>
-      <p:nvGrpSpPr>
-        <p:cNvPr id="1" name=""/>
-        <p:cNvGrpSpPr/>
-        <p:nvPr/>
-      </p:nvGrpSpPr>
-      <p:grpSpPr>
-        <a:xfrm>
-          <a:off x="0" y="0"/>
-          <a:ext cx="0" cy="0"/>
-          <a:chOff x="0" y="0"/>
-          <a:chExt cx="0" cy="0"/>
-        </a:xfrm>
-      </p:grpSpPr>
-      <p:sp>
-        <p:nvSpPr>
-          <p:cNvPr id="2" name="Titre 1"/>
-          <p:cNvSpPr>
-            <a:spLocks noGrp="1"/>
-          </p:cNvSpPr>
-          <p:nvPr>
-            <p:ph type="ctrTitle"/>
-          </p:nvPr>
-        </p:nvSpPr>
-        <p:spPr>
-          <a:xfrm>
-            <a:off x="300038" y="466708"/>
-            <a:ext cx="8629680" cy="819152"/>
-          </a:xfrm>
-        </p:spPr>
-        <p:txBody>
-          <a:bodyPr/>
-          <a:lstStyle/>
-          <a:p>
-            <a:pPr fontAlgn="auto">
-              <a:spcAft>
-                <a:spcPts val="0"/>
-              </a:spcAft>
-              <a:defRPr/>
-            </a:pPr>
-            <a:r>
-              <a:rPr dirty="0" smtClean="0"/>
-              <a:t>Table of Contents</a:t>
-            </a:r>
-            <a:endParaRPr dirty="0"/>
-          </a:p>
-        </p:txBody>
-      </p:sp>
-      <p:sp>
-        <p:nvSpPr>
-          <p:cNvPr id="6147" name="Espace réservé du texte 2"/>
-          <p:cNvSpPr>
-            <a:spLocks noGrp="1"/>
-          </p:cNvSpPr>
-          <p:nvPr>
-            <p:ph type="body" sz="quarter" idx="10"/>
-          </p:nvPr>
-        </p:nvSpPr>
-        <p:spPr bwMode="auto">
-          <a:xfrm>
-            <a:off x="285750" y="2000240"/>
-            <a:ext cx="8501063" cy="4500594"/>
-          </a:xfrm>
-          <a:noFill/>
-          <a:ln>
-            <a:miter lim="800000"/>
-            <a:headEnd/>
-            <a:tailEnd/>
-          </a:ln>
-        </p:spPr>
-        <p:txBody>
-          <a:bodyPr vert="horz" wrap="square" lIns="91440" tIns="45720" rIns="91440" bIns="45720" numCol="1" anchor="t" anchorCtr="0" compatLnSpc="1">
-            <a:prstTxWarp prst="textNoShape">
-              <a:avLst/>
-            </a:prstTxWarp>
-          </a:bodyPr>
-          <a:lstStyle/>
-          <a:p>
-            <a:pPr eaLnBrk="1" hangingPunct="1">
-              <a:buFont typeface="Calibri" pitchFamily="34" charset="0"/>
-              <a:buAutoNum type="arabicPeriod"/>
-            </a:pPr>
-            <a:r>
-              <a:rPr altLang="ko-KR" smtClean="0">
-                <a:ea typeface="굴림" charset="-127"/>
-              </a:rPr>
-              <a:t>ATAM</a:t>
-            </a:r>
-          </a:p>
-          <a:p>
-            <a:pPr eaLnBrk="1" hangingPunct="1">
-              <a:buFont typeface="Calibri" pitchFamily="34" charset="0"/>
-              <a:buAutoNum type="arabicPeriod"/>
-            </a:pPr>
-            <a:endParaRPr altLang="ko-KR" smtClean="0">
-              <a:ea typeface="굴림" charset="-127"/>
-            </a:endParaRPr>
-          </a:p>
-          <a:p>
-            <a:pPr eaLnBrk="1" hangingPunct="1">
-              <a:buFont typeface="Calibri" pitchFamily="34" charset="0"/>
-              <a:buAutoNum type="arabicPeriod"/>
-            </a:pPr>
-            <a:r>
-              <a:rPr altLang="ko-KR" smtClean="0">
-                <a:ea typeface="굴림" charset="-127"/>
-              </a:rPr>
-              <a:t>Utility tree</a:t>
-            </a:r>
-          </a:p>
-          <a:p>
-            <a:pPr eaLnBrk="1" hangingPunct="1">
-              <a:buFont typeface="Calibri" pitchFamily="34" charset="0"/>
-              <a:buAutoNum type="arabicPeriod"/>
-            </a:pPr>
-            <a:endParaRPr altLang="ko-KR" smtClean="0">
-              <a:ea typeface="굴림" charset="-127"/>
-            </a:endParaRPr>
-          </a:p>
-          <a:p>
-            <a:pPr eaLnBrk="1" hangingPunct="1">
-              <a:buFont typeface="Calibri" pitchFamily="34" charset="0"/>
-              <a:buAutoNum type="arabicPeriod"/>
-            </a:pPr>
-            <a:r>
-              <a:rPr altLang="ko-KR" smtClean="0">
-                <a:ea typeface="굴림" charset="-127"/>
-              </a:rPr>
-              <a:t>Scenario</a:t>
-            </a:r>
-          </a:p>
-          <a:p>
-            <a:pPr eaLnBrk="1" hangingPunct="1">
-              <a:buFont typeface="Calibri" pitchFamily="34" charset="0"/>
-              <a:buAutoNum type="arabicPeriod"/>
-            </a:pPr>
-            <a:endParaRPr altLang="ko-KR" dirty="0" smtClean="0">
-              <a:ea typeface="굴림" charset="-127"/>
-            </a:endParaRPr>
-          </a:p>
-          <a:p>
-            <a:pPr eaLnBrk="1" hangingPunct="1">
-              <a:buFont typeface="Calibri" pitchFamily="34" charset="0"/>
-              <a:buAutoNum type="arabicPeriod"/>
-            </a:pPr>
-            <a:endParaRPr altLang="ko-KR" dirty="0" smtClean="0">
-              <a:ea typeface="굴림" charset="-127"/>
-            </a:endParaRPr>
-          </a:p>
-          <a:p>
-            <a:pPr eaLnBrk="1" hangingPunct="1">
-              <a:buNone/>
-            </a:pPr>
-            <a:endParaRPr altLang="ko-KR" dirty="0" smtClean="0">
-              <a:ea typeface="굴림" charset="-127"/>
-            </a:endParaRPr>
-          </a:p>
-          <a:p>
-            <a:pPr lvl="1" eaLnBrk="1" hangingPunct="1">
-              <a:buNone/>
-            </a:pPr>
-            <a:endParaRPr altLang="ko-KR" dirty="0" smtClean="0">
-              <a:ea typeface="굴림" charset="-127"/>
-            </a:endParaRPr>
-          </a:p>
-        </p:txBody>
-      </p:sp>
-    </p:spTree>
-  </p:cSld>
-  <p:clrMapOvr>
-    <a:masterClrMapping/>
-  </p:clrMapOvr>
-  <p:timing>
-    <p:tnLst>
-      <p:par>
-        <p:cTn id="1" dur="indefinite" restart="never" nodeType="tmRoot"/>
-      </p:par>
-    </p:tnLst>
-  </p:timing>
-</p:sld>
-</file>
-
-<file path=ppt/slides/slide3.xml><?xml version="1.0" encoding="utf-8"?>
-<p:sld xmlns:a="http://schemas.openxmlformats.org/drawingml/2006/main" xmlns:r="http://schemas.openxmlformats.org/officeDocument/2006/relationships" xmlns:mc="http://schemas.openxmlformats.org/markup-compatibility/2006" xmlns:mv="urn:schemas-microsoft-com:mac:vml" xmlns:p="http://schemas.openxmlformats.org/presentationml/2006/main" mc:Ignorable="mv" mc:PreserveAttributes="mv:*">
-  <p:cSld>
-    <p:spTree>
-      <p:nvGrpSpPr>
-        <p:cNvPr id="1" name=""/>
-        <p:cNvGrpSpPr/>
-        <p:nvPr/>
-      </p:nvGrpSpPr>
-      <p:grpSpPr>
-        <a:xfrm>
-          <a:off x="0" y="0"/>
-          <a:ext cx="0" cy="0"/>
-          <a:chOff x="0" y="0"/>
-          <a:chExt cx="0" cy="0"/>
-        </a:xfrm>
-      </p:grpSpPr>
-      <p:sp>
-        <p:nvSpPr>
-          <p:cNvPr id="2" name="Titre 1"/>
-          <p:cNvSpPr>
-            <a:spLocks noGrp="1"/>
-          </p:cNvSpPr>
-          <p:nvPr>
-            <p:ph type="ctrTitle"/>
-          </p:nvPr>
-        </p:nvSpPr>
-        <p:spPr/>
-        <p:txBody>
-          <a:bodyPr/>
-          <a:lstStyle/>
-          <a:p>
-            <a:r>
-              <a:rPr lang="en-US" dirty="0" smtClean="0"/>
-              <a:t>1. ATAM introduction</a:t>
-            </a:r>
-            <a:endParaRPr lang="en-US" dirty="0"/>
-          </a:p>
-        </p:txBody>
-      </p:sp>
-      <p:sp>
-        <p:nvSpPr>
-          <p:cNvPr id="3" name="Espace réservé du texte 2"/>
-          <p:cNvSpPr>
-            <a:spLocks noGrp="1"/>
-          </p:cNvSpPr>
-          <p:nvPr>
-            <p:ph type="body" sz="quarter" idx="10"/>
-          </p:nvPr>
-        </p:nvSpPr>
-        <p:spPr/>
-        <p:txBody>
-          <a:bodyPr/>
-          <a:lstStyle/>
-          <a:p>
-            <a:r>
-              <a:rPr b="1" i="1" smtClean="0"/>
-              <a:t>Architecture Tradeoff Analysis Method</a:t>
-            </a:r>
-          </a:p>
-          <a:p>
-            <a:pPr>
-              <a:buNone/>
-            </a:pPr>
-            <a:endParaRPr b="1" smtClean="0"/>
-          </a:p>
-          <a:p>
-            <a:r>
-              <a:rPr lang="en-US" dirty="0" smtClean="0"/>
-              <a:t>Risk identification method to assess the consequences of architectural decisions in light of quality attribute requirements.</a:t>
-            </a:r>
-            <a:endParaRPr lang="en-US" b="1" dirty="0" smtClean="0"/>
-          </a:p>
-          <a:p>
-            <a:r>
-              <a:rPr lang="en-US" dirty="0" smtClean="0"/>
-              <a:t>The ATAM can be done early in the software development life cycle.</a:t>
-            </a:r>
-            <a:endParaRPr smtClean="0"/>
-          </a:p>
-          <a:p>
-            <a:r>
-              <a:rPr lang="en-US" dirty="0" smtClean="0"/>
-              <a:t>It can be done relatively inexpensively and quickly (because it is assessing architectural design artifacts).</a:t>
-            </a:r>
-            <a:endParaRPr smtClean="0"/>
-          </a:p>
-          <a:p>
-            <a:r>
-              <a:rPr lang="en-US" dirty="0" smtClean="0"/>
-              <a:t>The ATAM will produce analyses commensurate with the level of detail of the architectural specification.</a:t>
-            </a:r>
-            <a:endParaRPr smtClean="0"/>
-          </a:p>
-          <a:p>
-            <a:endParaRPr smtClean="0"/>
-          </a:p>
-          <a:p>
-            <a:endParaRPr lang="en-US" dirty="0"/>
-          </a:p>
-        </p:txBody>
-      </p:sp>
-      <p:sp>
-        <p:nvSpPr>
-          <p:cNvPr id="4" name="ZoneTexte 3"/>
-          <p:cNvSpPr txBox="1"/>
-          <p:nvPr/>
-        </p:nvSpPr>
-        <p:spPr>
-          <a:xfrm>
-            <a:off x="500034" y="0"/>
-            <a:ext cx="1558440" cy="276999"/>
-          </a:xfrm>
-          <a:prstGeom prst="rect">
-            <a:avLst/>
-          </a:prstGeom>
-          <a:noFill/>
-          <a:ln>
-            <a:noFill/>
-          </a:ln>
-        </p:spPr>
-        <p:txBody>
-          <a:bodyPr wrap="none" rtlCol="0">
-            <a:spAutoFit/>
-          </a:bodyPr>
-          <a:lstStyle/>
-          <a:p>
-            <a:pPr marL="0" marR="0" indent="0" algn="l" defTabSz="914400" rtl="0" eaLnBrk="1" fontAlgn="auto" latinLnBrk="0" hangingPunct="1">
-              <a:lnSpc>
-                <a:spcPct val="100000"/>
-              </a:lnSpc>
-              <a:spcBef>
-                <a:spcPct val="20000"/>
-              </a:spcBef>
-              <a:spcAft>
-                <a:spcPts val="0"/>
-              </a:spcAft>
-              <a:buClrTx/>
-              <a:buSzTx/>
-              <a:buFontTx/>
-              <a:buNone/>
-              <a:tabLst/>
-            </a:pPr>
-            <a:r>
-              <a:rPr lang="fr-FR" sz="1200" kern="0" dirty="0" err="1" smtClean="0">
-                <a:solidFill>
-                  <a:schemeClr val="tx1">
-                    <a:lumMod val="50000"/>
-                    <a:lumOff val="50000"/>
-                  </a:schemeClr>
-                </a:solidFill>
-                <a:latin typeface="+mn-lt"/>
-                <a:cs typeface="+mn-cs"/>
-              </a:rPr>
-              <a:t>Why</a:t>
-            </a:r>
-            <a:r>
-              <a:rPr lang="fr-FR" sz="1200" kern="0" dirty="0" smtClean="0">
-                <a:solidFill>
-                  <a:schemeClr val="tx1">
-                    <a:lumMod val="50000"/>
-                    <a:lumOff val="50000"/>
-                  </a:schemeClr>
-                </a:solidFill>
-                <a:latin typeface="+mn-lt"/>
-                <a:cs typeface="+mn-cs"/>
-              </a:rPr>
-              <a:t> do </a:t>
-            </a:r>
-            <a:r>
-              <a:rPr lang="fr-FR" sz="1200" kern="0" dirty="0" err="1" smtClean="0">
-                <a:solidFill>
-                  <a:schemeClr val="tx1">
-                    <a:lumMod val="50000"/>
-                    <a:lumOff val="50000"/>
-                  </a:schemeClr>
-                </a:solidFill>
-                <a:latin typeface="+mn-lt"/>
-                <a:cs typeface="+mn-cs"/>
-              </a:rPr>
-              <a:t>we</a:t>
-            </a:r>
-            <a:r>
-              <a:rPr lang="fr-FR" sz="1200" kern="0" dirty="0" smtClean="0">
-                <a:solidFill>
-                  <a:schemeClr val="tx1">
-                    <a:lumMod val="50000"/>
-                    <a:lumOff val="50000"/>
-                  </a:schemeClr>
-                </a:solidFill>
-                <a:latin typeface="+mn-lt"/>
-                <a:cs typeface="+mn-cs"/>
-              </a:rPr>
-              <a:t> use </a:t>
-            </a:r>
-            <a:r>
-              <a:rPr lang="fr-FR" sz="1200" kern="0" dirty="0" err="1" smtClean="0">
-                <a:solidFill>
-                  <a:schemeClr val="tx1">
-                    <a:lumMod val="50000"/>
-                    <a:lumOff val="50000"/>
-                  </a:schemeClr>
-                </a:solidFill>
-                <a:latin typeface="+mn-lt"/>
-                <a:cs typeface="+mn-cs"/>
-              </a:rPr>
-              <a:t>ADLs</a:t>
-            </a:r>
-            <a:r>
-              <a:rPr lang="fr-FR" sz="1200" kern="0" dirty="0" smtClean="0">
-                <a:solidFill>
-                  <a:schemeClr val="tx1">
-                    <a:lumMod val="50000"/>
-                    <a:lumOff val="50000"/>
-                  </a:schemeClr>
-                </a:solidFill>
-                <a:latin typeface="+mn-lt"/>
-                <a:cs typeface="+mn-cs"/>
-              </a:rPr>
-              <a:t>?</a:t>
-            </a:r>
-            <a:endParaRPr kumimoji="0" lang="fr-FR" sz="1200" b="1" i="0" u="sng" strike="noStrike" kern="0" cap="none" spc="0" normalizeH="0" baseline="0" noProof="0" dirty="0" smtClean="0">
-              <a:ln>
-                <a:noFill/>
-              </a:ln>
-              <a:effectLst/>
-              <a:uLnTx/>
-              <a:uFillTx/>
-              <a:latin typeface="+mn-lt"/>
-              <a:ea typeface="+mn-ea"/>
-              <a:cs typeface="+mn-cs"/>
-            </a:endParaRPr>
-          </a:p>
-        </p:txBody>
-      </p:sp>
-      <p:sp>
-        <p:nvSpPr>
-          <p:cNvPr id="5" name="ZoneTexte 4"/>
-          <p:cNvSpPr txBox="1"/>
-          <p:nvPr/>
-        </p:nvSpPr>
-        <p:spPr>
-          <a:xfrm>
-            <a:off x="2786050" y="0"/>
-            <a:ext cx="861133" cy="276999"/>
-          </a:xfrm>
-          <a:prstGeom prst="rect">
-            <a:avLst/>
-          </a:prstGeom>
-          <a:noFill/>
-          <a:ln>
-            <a:noFill/>
-          </a:ln>
-        </p:spPr>
-        <p:txBody>
-          <a:bodyPr wrap="none" rtlCol="0">
-            <a:spAutoFit/>
-          </a:bodyPr>
-          <a:lstStyle/>
-          <a:p>
-            <a:pPr fontAlgn="auto">
-              <a:spcBef>
-                <a:spcPct val="20000"/>
-              </a:spcBef>
-              <a:spcAft>
-                <a:spcPts val="0"/>
-              </a:spcAft>
-            </a:pPr>
-            <a:r>
-              <a:rPr lang="fr-FR" sz="1200" kern="0" dirty="0" err="1" smtClean="0">
-                <a:solidFill>
-                  <a:schemeClr val="tx1">
-                    <a:lumMod val="50000"/>
-                    <a:lumOff val="50000"/>
-                  </a:schemeClr>
-                </a:solidFill>
-                <a:latin typeface="+mn-lt"/>
-                <a:cs typeface="+mn-cs"/>
-              </a:rPr>
-              <a:t>ADLChoice</a:t>
-            </a:r>
-            <a:endParaRPr lang="fr-FR" sz="1200" kern="0" dirty="0" smtClean="0">
-              <a:solidFill>
-                <a:schemeClr val="tx1">
-                  <a:lumMod val="50000"/>
-                  <a:lumOff val="50000"/>
-                </a:schemeClr>
-              </a:solidFill>
-              <a:latin typeface="+mn-lt"/>
-              <a:cs typeface="+mn-cs"/>
-            </a:endParaRPr>
-          </a:p>
-        </p:txBody>
-      </p:sp>
-      <p:sp>
-        <p:nvSpPr>
-          <p:cNvPr id="6" name="ZoneTexte 5"/>
-          <p:cNvSpPr txBox="1"/>
-          <p:nvPr/>
-        </p:nvSpPr>
-        <p:spPr>
-          <a:xfrm>
-            <a:off x="4572000" y="0"/>
-            <a:ext cx="1418978" cy="276999"/>
-          </a:xfrm>
-          <a:prstGeom prst="rect">
-            <a:avLst/>
-          </a:prstGeom>
-          <a:noFill/>
-          <a:ln>
-            <a:noFill/>
-          </a:ln>
-        </p:spPr>
-        <p:txBody>
-          <a:bodyPr wrap="none" rtlCol="0">
-            <a:spAutoFit/>
-          </a:bodyPr>
-          <a:lstStyle/>
-          <a:p>
-            <a:pPr marL="0" marR="0" indent="0" algn="l" defTabSz="914400" rtl="0" eaLnBrk="1" fontAlgn="auto" latinLnBrk="0" hangingPunct="1">
-              <a:lnSpc>
-                <a:spcPct val="100000"/>
-              </a:lnSpc>
-              <a:spcBef>
-                <a:spcPct val="20000"/>
-              </a:spcBef>
-              <a:spcAft>
-                <a:spcPts val="0"/>
-              </a:spcAft>
-              <a:buClrTx/>
-              <a:buSzTx/>
-              <a:buFontTx/>
-              <a:buNone/>
-              <a:tabLst/>
-            </a:pPr>
-            <a:r>
-              <a:rPr lang="fr-FR" sz="1200" kern="0" dirty="0" err="1" smtClean="0">
-                <a:solidFill>
-                  <a:schemeClr val="tx1">
-                    <a:lumMod val="50000"/>
-                    <a:lumOff val="50000"/>
-                  </a:schemeClr>
-                </a:solidFill>
-                <a:latin typeface="+mn-lt"/>
-                <a:cs typeface="+mn-cs"/>
-              </a:rPr>
-              <a:t>ACME</a:t>
-            </a:r>
-            <a:r>
-              <a:rPr kumimoji="0" lang="fr-FR" sz="1200" i="0" u="none" strike="noStrike" kern="0" cap="none" spc="0" normalizeH="0" baseline="0" noProof="0" dirty="0" smtClean="0">
-                <a:ln>
-                  <a:noFill/>
-                </a:ln>
-                <a:solidFill>
-                  <a:schemeClr val="tx1">
-                    <a:lumMod val="50000"/>
-                    <a:lumOff val="50000"/>
-                  </a:schemeClr>
-                </a:solidFill>
-                <a:effectLst/>
-                <a:uLnTx/>
-                <a:uFillTx/>
-                <a:latin typeface="+mn-lt"/>
-                <a:ea typeface="+mn-ea"/>
-                <a:cs typeface="+mn-cs"/>
-              </a:rPr>
-              <a:t> </a:t>
-            </a:r>
-            <a:r>
-              <a:rPr lang="fr-FR" sz="1200" kern="0" dirty="0" err="1" smtClean="0">
-                <a:solidFill>
-                  <a:schemeClr val="tx1">
-                    <a:lumMod val="50000"/>
-                    <a:lumOff val="50000"/>
-                  </a:schemeClr>
-                </a:solidFill>
-                <a:latin typeface="+mn-lt"/>
-                <a:cs typeface="+mn-cs"/>
-              </a:rPr>
-              <a:t>Presentation</a:t>
-            </a:r>
-          </a:p>
-        </p:txBody>
-      </p:sp>
-      <p:sp>
-        <p:nvSpPr>
-          <p:cNvPr id="7" name="ZoneTexte 6"/>
-          <p:cNvSpPr txBox="1"/>
-          <p:nvPr/>
-        </p:nvSpPr>
-        <p:spPr>
-          <a:xfrm>
-            <a:off x="6786578" y="0"/>
-            <a:ext cx="1407758" cy="276999"/>
-          </a:xfrm>
-          <a:prstGeom prst="rect">
-            <a:avLst/>
-          </a:prstGeom>
-          <a:noFill/>
-          <a:ln>
-            <a:noFill/>
-          </a:ln>
-        </p:spPr>
-        <p:txBody>
-          <a:bodyPr wrap="none" rtlCol="0">
-            <a:spAutoFit/>
-          </a:bodyPr>
-          <a:lstStyle/>
-          <a:p>
-            <a:pPr marL="0" marR="0" indent="0" algn="l" defTabSz="914400" rtl="0" eaLnBrk="1" fontAlgn="auto" latinLnBrk="0" hangingPunct="1">
-              <a:lnSpc>
-                <a:spcPct val="100000"/>
-              </a:lnSpc>
-              <a:spcBef>
-                <a:spcPct val="20000"/>
-              </a:spcBef>
-              <a:spcAft>
-                <a:spcPts val="0"/>
-              </a:spcAft>
-              <a:buClrTx/>
-              <a:buSzTx/>
-              <a:buFontTx/>
-              <a:buNone/>
-              <a:tabLst/>
-            </a:pPr>
-            <a:r>
-              <a:rPr lang="fr-FR" sz="1200" b="1" u="sng" kern="0" dirty="0" smtClean="0">
-                <a:latin typeface="+mn-lt"/>
-                <a:cs typeface="+mn-cs"/>
-              </a:rPr>
-              <a:t>ATAM</a:t>
-            </a:r>
-            <a:r>
-              <a:rPr kumimoji="0" lang="fr-FR" sz="1200" i="0" u="none" strike="noStrike" kern="0" cap="none" spc="0" normalizeH="0" baseline="0" noProof="0" dirty="0" smtClean="0">
-                <a:ln>
-                  <a:noFill/>
-                </a:ln>
-                <a:solidFill>
-                  <a:schemeClr val="tx1">
-                    <a:lumMod val="50000"/>
-                    <a:lumOff val="50000"/>
-                  </a:schemeClr>
-                </a:solidFill>
-                <a:effectLst/>
-                <a:uLnTx/>
-                <a:uFillTx/>
-                <a:latin typeface="+mn-lt"/>
-                <a:ea typeface="+mn-ea"/>
-                <a:cs typeface="+mn-cs"/>
-              </a:rPr>
-              <a:t> </a:t>
-            </a:r>
-            <a:r>
-              <a:rPr lang="fr-FR" sz="1200" b="1" u="sng" kern="0" dirty="0" smtClean="0">
-                <a:latin typeface="+mn-lt"/>
-                <a:cs typeface="+mn-cs"/>
-              </a:rPr>
-              <a:t>introduction</a:t>
-            </a:r>
-          </a:p>
-        </p:txBody>
-      </p:sp>
-    </p:spTree>
-  </p:cSld>
-  <p:clrMapOvr>
-    <a:masterClrMapping/>
-  </p:clrMapOvr>
-  <p:timing>
-    <p:tnLst>
-      <p:par>
-        <p:cTn id="1" dur="indefinite" restart="never" nodeType="tmRoot"/>
-      </p:par>
-    </p:tnLst>
-  </p:timing>
-</p:sld>
-</file>
-
-<file path=ppt/slides/slide4.xml><?xml version="1.0" encoding="utf-8"?>
-<p:sld xmlns:a="http://schemas.openxmlformats.org/drawingml/2006/main" xmlns:r="http://schemas.openxmlformats.org/officeDocument/2006/relationships" xmlns:mc="http://schemas.openxmlformats.org/markup-compatibility/2006" xmlns:mv="urn:schemas-microsoft-com:mac:vml" xmlns:p="http://schemas.openxmlformats.org/presentationml/2006/main" mc:Ignorable="mv" mc:PreserveAttributes="mv:*">
-  <p:cSld>
-    <p:spTree>
-      <p:nvGrpSpPr>
-        <p:cNvPr id="1" name=""/>
-        <p:cNvGrpSpPr/>
-        <p:nvPr/>
-      </p:nvGrpSpPr>
-      <p:grpSpPr>
-        <a:xfrm>
-          <a:off x="0" y="0"/>
-          <a:ext cx="0" cy="0"/>
-          <a:chOff x="0" y="0"/>
-          <a:chExt cx="0" cy="0"/>
-        </a:xfrm>
-      </p:grpSpPr>
-      <p:sp>
-        <p:nvSpPr>
-          <p:cNvPr id="2" name="Titre 1"/>
-          <p:cNvSpPr>
-            <a:spLocks noGrp="1"/>
-          </p:cNvSpPr>
-          <p:nvPr>
-            <p:ph type="ctrTitle"/>
-          </p:nvPr>
-        </p:nvSpPr>
-        <p:spPr/>
-        <p:txBody>
-          <a:bodyPr/>
-          <a:lstStyle/>
-          <a:p>
-            <a:r>
-              <a:rPr lang="en-US" dirty="0" smtClean="0"/>
-              <a:t>1. ATAM goals</a:t>
-            </a:r>
-            <a:endParaRPr lang="en-US" dirty="0"/>
-          </a:p>
-        </p:txBody>
-      </p:sp>
-      <p:sp>
-        <p:nvSpPr>
-          <p:cNvPr id="3" name="Espace réservé du texte 2"/>
-          <p:cNvSpPr>
-            <a:spLocks noGrp="1"/>
-          </p:cNvSpPr>
-          <p:nvPr>
-            <p:ph type="body" sz="quarter" idx="10"/>
-          </p:nvPr>
-        </p:nvSpPr>
-        <p:spPr/>
-        <p:txBody>
-          <a:bodyPr/>
-          <a:lstStyle/>
-          <a:p>
-            <a:r>
-              <a:rPr lang="en-US" sz="2800" dirty="0" smtClean="0"/>
-              <a:t>Three of the major goals of ATAM are to:</a:t>
-            </a:r>
-            <a:endParaRPr sz="2800" smtClean="0"/>
-          </a:p>
-          <a:p>
-            <a:pPr lvl="1"/>
-            <a:r>
-              <a:rPr lang="en-US" sz="2400" dirty="0" smtClean="0"/>
-              <a:t>elicit and refine a precise statement of the architecture’s driving quality attribute requirements</a:t>
-            </a:r>
-            <a:endParaRPr sz="2400" smtClean="0"/>
-          </a:p>
-          <a:p>
-            <a:pPr lvl="1"/>
-            <a:r>
-              <a:rPr lang="en-US" sz="2400" dirty="0" smtClean="0"/>
-              <a:t>elicit and refine a precise statement of the architectural design decisions</a:t>
-            </a:r>
-            <a:endParaRPr sz="2400" smtClean="0"/>
-          </a:p>
-          <a:p>
-            <a:pPr lvl="1"/>
-            <a:r>
-              <a:rPr lang="en-US" sz="2400" dirty="0" smtClean="0"/>
-              <a:t>evaluate the architectural design decisions to determine if they satisfactorily address the quality requirements</a:t>
-            </a:r>
-            <a:endParaRPr sz="2400" smtClean="0"/>
-          </a:p>
-          <a:p>
-            <a:endParaRPr lang="en-US" sz="2800" dirty="0" smtClean="0"/>
-          </a:p>
-          <a:p>
-            <a:endParaRPr lang="en-US" sz="2800" dirty="0"/>
-          </a:p>
-        </p:txBody>
-      </p:sp>
-      <p:sp>
-        <p:nvSpPr>
-          <p:cNvPr id="4" name="ZoneTexte 3"/>
-          <p:cNvSpPr txBox="1"/>
-          <p:nvPr/>
-        </p:nvSpPr>
-        <p:spPr>
-          <a:xfrm>
-            <a:off x="500034" y="0"/>
-            <a:ext cx="1558440" cy="276999"/>
-          </a:xfrm>
-          <a:prstGeom prst="rect">
-            <a:avLst/>
-          </a:prstGeom>
-          <a:noFill/>
-          <a:ln>
-            <a:noFill/>
-          </a:ln>
-        </p:spPr>
-        <p:txBody>
-          <a:bodyPr wrap="none" rtlCol="0">
-            <a:spAutoFit/>
-          </a:bodyPr>
-          <a:lstStyle/>
-          <a:p>
-            <a:pPr marL="0" marR="0" indent="0" algn="l" defTabSz="914400" rtl="0" eaLnBrk="1" fontAlgn="auto" latinLnBrk="0" hangingPunct="1">
-              <a:lnSpc>
-                <a:spcPct val="100000"/>
-              </a:lnSpc>
-              <a:spcBef>
-                <a:spcPct val="20000"/>
-              </a:spcBef>
-              <a:spcAft>
-                <a:spcPts val="0"/>
-              </a:spcAft>
-              <a:buClrTx/>
-              <a:buSzTx/>
-              <a:buFontTx/>
-              <a:buNone/>
-              <a:tabLst/>
-            </a:pPr>
-            <a:r>
-              <a:rPr lang="fr-FR" sz="1200" kern="0" dirty="0" err="1" smtClean="0">
-                <a:solidFill>
-                  <a:schemeClr val="tx1">
-                    <a:lumMod val="50000"/>
-                    <a:lumOff val="50000"/>
-                  </a:schemeClr>
-                </a:solidFill>
-                <a:latin typeface="+mn-lt"/>
-                <a:cs typeface="+mn-cs"/>
-              </a:rPr>
-              <a:t>Why</a:t>
-            </a:r>
-            <a:r>
-              <a:rPr lang="fr-FR" sz="1200" kern="0" dirty="0" smtClean="0">
-                <a:solidFill>
-                  <a:schemeClr val="tx1">
-                    <a:lumMod val="50000"/>
-                    <a:lumOff val="50000"/>
-                  </a:schemeClr>
-                </a:solidFill>
-                <a:latin typeface="+mn-lt"/>
-                <a:cs typeface="+mn-cs"/>
-              </a:rPr>
-              <a:t> do </a:t>
-            </a:r>
-            <a:r>
-              <a:rPr lang="fr-FR" sz="1200" kern="0" dirty="0" err="1" smtClean="0">
-                <a:solidFill>
-                  <a:schemeClr val="tx1">
-                    <a:lumMod val="50000"/>
-                    <a:lumOff val="50000"/>
-                  </a:schemeClr>
-                </a:solidFill>
-                <a:latin typeface="+mn-lt"/>
-                <a:cs typeface="+mn-cs"/>
-              </a:rPr>
-              <a:t>we</a:t>
-            </a:r>
-            <a:r>
-              <a:rPr lang="fr-FR" sz="1200" kern="0" dirty="0" smtClean="0">
-                <a:solidFill>
-                  <a:schemeClr val="tx1">
-                    <a:lumMod val="50000"/>
-                    <a:lumOff val="50000"/>
-                  </a:schemeClr>
-                </a:solidFill>
-                <a:latin typeface="+mn-lt"/>
-                <a:cs typeface="+mn-cs"/>
-              </a:rPr>
-              <a:t> use </a:t>
-            </a:r>
-            <a:r>
-              <a:rPr lang="fr-FR" sz="1200" kern="0" dirty="0" err="1" smtClean="0">
-                <a:solidFill>
-                  <a:schemeClr val="tx1">
-                    <a:lumMod val="50000"/>
-                    <a:lumOff val="50000"/>
-                  </a:schemeClr>
-                </a:solidFill>
-                <a:latin typeface="+mn-lt"/>
-                <a:cs typeface="+mn-cs"/>
-              </a:rPr>
-              <a:t>ADLs</a:t>
-            </a:r>
-            <a:r>
-              <a:rPr lang="fr-FR" sz="1200" kern="0" dirty="0" smtClean="0">
-                <a:solidFill>
-                  <a:schemeClr val="tx1">
-                    <a:lumMod val="50000"/>
-                    <a:lumOff val="50000"/>
-                  </a:schemeClr>
-                </a:solidFill>
-                <a:latin typeface="+mn-lt"/>
-                <a:cs typeface="+mn-cs"/>
-              </a:rPr>
-              <a:t>?</a:t>
-            </a:r>
-            <a:endParaRPr kumimoji="0" lang="fr-FR" sz="1200" b="1" i="0" u="sng" strike="noStrike" kern="0" cap="none" spc="0" normalizeH="0" baseline="0" noProof="0" dirty="0" smtClean="0">
-              <a:ln>
-                <a:noFill/>
-              </a:ln>
-              <a:effectLst/>
-              <a:uLnTx/>
-              <a:uFillTx/>
-              <a:latin typeface="+mn-lt"/>
-              <a:ea typeface="+mn-ea"/>
-              <a:cs typeface="+mn-cs"/>
-            </a:endParaRPr>
-          </a:p>
-        </p:txBody>
-      </p:sp>
-      <p:sp>
-        <p:nvSpPr>
-          <p:cNvPr id="5" name="ZoneTexte 4"/>
-          <p:cNvSpPr txBox="1"/>
-          <p:nvPr/>
-        </p:nvSpPr>
-        <p:spPr>
-          <a:xfrm>
-            <a:off x="2786050" y="0"/>
-            <a:ext cx="861133" cy="276999"/>
-          </a:xfrm>
-          <a:prstGeom prst="rect">
-            <a:avLst/>
-          </a:prstGeom>
-          <a:noFill/>
-          <a:ln>
-            <a:noFill/>
-          </a:ln>
-        </p:spPr>
-        <p:txBody>
-          <a:bodyPr wrap="none" rtlCol="0">
-            <a:spAutoFit/>
-          </a:bodyPr>
-          <a:lstStyle/>
-          <a:p>
-            <a:pPr fontAlgn="auto">
-              <a:spcBef>
-                <a:spcPct val="20000"/>
-              </a:spcBef>
-              <a:spcAft>
-                <a:spcPts val="0"/>
-              </a:spcAft>
-            </a:pPr>
-            <a:r>
-              <a:rPr lang="fr-FR" sz="1200" kern="0" dirty="0" err="1" smtClean="0">
-                <a:solidFill>
-                  <a:schemeClr val="tx1">
-                    <a:lumMod val="50000"/>
-                    <a:lumOff val="50000"/>
-                  </a:schemeClr>
-                </a:solidFill>
-                <a:latin typeface="+mn-lt"/>
-                <a:cs typeface="+mn-cs"/>
-              </a:rPr>
-              <a:t>ADLChoice</a:t>
-            </a:r>
-            <a:endParaRPr lang="fr-FR" sz="1200" kern="0" dirty="0" smtClean="0">
-              <a:solidFill>
-                <a:schemeClr val="tx1">
-                  <a:lumMod val="50000"/>
-                  <a:lumOff val="50000"/>
-                </a:schemeClr>
-              </a:solidFill>
-              <a:latin typeface="+mn-lt"/>
-              <a:cs typeface="+mn-cs"/>
-            </a:endParaRPr>
-          </a:p>
-        </p:txBody>
-      </p:sp>
-      <p:sp>
-        <p:nvSpPr>
-          <p:cNvPr id="6" name="ZoneTexte 5"/>
-          <p:cNvSpPr txBox="1"/>
-          <p:nvPr/>
-        </p:nvSpPr>
-        <p:spPr>
-          <a:xfrm>
-            <a:off x="4572000" y="0"/>
-            <a:ext cx="1418978" cy="276999"/>
-          </a:xfrm>
-          <a:prstGeom prst="rect">
-            <a:avLst/>
-          </a:prstGeom>
-          <a:noFill/>
-          <a:ln>
-            <a:noFill/>
-          </a:ln>
-        </p:spPr>
-        <p:txBody>
-          <a:bodyPr wrap="none" rtlCol="0">
-            <a:spAutoFit/>
-          </a:bodyPr>
-          <a:lstStyle/>
-          <a:p>
-            <a:pPr marL="0" marR="0" indent="0" algn="l" defTabSz="914400" rtl="0" eaLnBrk="1" fontAlgn="auto" latinLnBrk="0" hangingPunct="1">
-              <a:lnSpc>
-                <a:spcPct val="100000"/>
-              </a:lnSpc>
-              <a:spcBef>
-                <a:spcPct val="20000"/>
-              </a:spcBef>
-              <a:spcAft>
-                <a:spcPts val="0"/>
-              </a:spcAft>
-              <a:buClrTx/>
-              <a:buSzTx/>
-              <a:buFontTx/>
-              <a:buNone/>
-              <a:tabLst/>
-            </a:pPr>
-            <a:r>
-              <a:rPr lang="fr-FR" sz="1200" kern="0" dirty="0" err="1" smtClean="0">
-                <a:solidFill>
-                  <a:schemeClr val="tx1">
-                    <a:lumMod val="50000"/>
-                    <a:lumOff val="50000"/>
-                  </a:schemeClr>
-                </a:solidFill>
-                <a:latin typeface="+mn-lt"/>
-                <a:cs typeface="+mn-cs"/>
-              </a:rPr>
-              <a:t>ACME</a:t>
-            </a:r>
-            <a:r>
-              <a:rPr kumimoji="0" lang="fr-FR" sz="1200" i="0" u="none" strike="noStrike" kern="0" cap="none" spc="0" normalizeH="0" baseline="0" noProof="0" dirty="0" smtClean="0">
-                <a:ln>
-                  <a:noFill/>
-                </a:ln>
-                <a:solidFill>
-                  <a:schemeClr val="tx1">
-                    <a:lumMod val="50000"/>
-                    <a:lumOff val="50000"/>
-                  </a:schemeClr>
-                </a:solidFill>
-                <a:effectLst/>
-                <a:uLnTx/>
-                <a:uFillTx/>
-                <a:latin typeface="+mn-lt"/>
-                <a:ea typeface="+mn-ea"/>
-                <a:cs typeface="+mn-cs"/>
-              </a:rPr>
-              <a:t> </a:t>
-            </a:r>
-            <a:r>
-              <a:rPr lang="fr-FR" sz="1200" kern="0" dirty="0" err="1" smtClean="0">
-                <a:solidFill>
-                  <a:schemeClr val="tx1">
-                    <a:lumMod val="50000"/>
-                    <a:lumOff val="50000"/>
-                  </a:schemeClr>
-                </a:solidFill>
-                <a:latin typeface="+mn-lt"/>
-                <a:cs typeface="+mn-cs"/>
-              </a:rPr>
-              <a:t>Presentation</a:t>
-            </a:r>
-          </a:p>
-        </p:txBody>
-      </p:sp>
-      <p:sp>
-        <p:nvSpPr>
-          <p:cNvPr id="7" name="ZoneTexte 6"/>
-          <p:cNvSpPr txBox="1"/>
-          <p:nvPr/>
-        </p:nvSpPr>
-        <p:spPr>
-          <a:xfrm>
-            <a:off x="6786578" y="0"/>
-            <a:ext cx="1407758" cy="276999"/>
-          </a:xfrm>
-          <a:prstGeom prst="rect">
-            <a:avLst/>
-          </a:prstGeom>
-          <a:noFill/>
-          <a:ln>
-            <a:noFill/>
-          </a:ln>
-        </p:spPr>
-        <p:txBody>
-          <a:bodyPr wrap="none" rtlCol="0">
-            <a:spAutoFit/>
-          </a:bodyPr>
-          <a:lstStyle/>
-          <a:p>
-            <a:pPr marL="0" marR="0" indent="0" algn="l" defTabSz="914400" rtl="0" eaLnBrk="1" fontAlgn="auto" latinLnBrk="0" hangingPunct="1">
-              <a:lnSpc>
-                <a:spcPct val="100000"/>
-              </a:lnSpc>
-              <a:spcBef>
-                <a:spcPct val="20000"/>
-              </a:spcBef>
-              <a:spcAft>
-                <a:spcPts val="0"/>
-              </a:spcAft>
-              <a:buClrTx/>
-              <a:buSzTx/>
-              <a:buFontTx/>
-              <a:buNone/>
-              <a:tabLst/>
-            </a:pPr>
-            <a:r>
-              <a:rPr lang="fr-FR" sz="1200" b="1" u="sng" kern="0" dirty="0" smtClean="0">
-                <a:latin typeface="+mn-lt"/>
-                <a:cs typeface="+mn-cs"/>
-              </a:rPr>
-              <a:t>ATAM</a:t>
-            </a:r>
-            <a:r>
-              <a:rPr kumimoji="0" lang="fr-FR" sz="1200" i="0" u="none" strike="noStrike" kern="0" cap="none" spc="0" normalizeH="0" baseline="0" noProof="0" dirty="0" smtClean="0">
-                <a:ln>
-                  <a:noFill/>
-                </a:ln>
-                <a:solidFill>
-                  <a:schemeClr val="tx1">
-                    <a:lumMod val="50000"/>
-                    <a:lumOff val="50000"/>
-                  </a:schemeClr>
-                </a:solidFill>
-                <a:effectLst/>
-                <a:uLnTx/>
-                <a:uFillTx/>
-                <a:latin typeface="+mn-lt"/>
-                <a:ea typeface="+mn-ea"/>
-                <a:cs typeface="+mn-cs"/>
-              </a:rPr>
-              <a:t> </a:t>
-            </a:r>
-            <a:r>
-              <a:rPr lang="fr-FR" sz="1200" b="1" u="sng" kern="0" dirty="0" smtClean="0">
-                <a:latin typeface="+mn-lt"/>
-                <a:cs typeface="+mn-cs"/>
-              </a:rPr>
-              <a:t>introduction</a:t>
-            </a:r>
-          </a:p>
-        </p:txBody>
-      </p:sp>
-    </p:spTree>
-  </p:cSld>
-  <p:clrMapOvr>
-    <a:masterClrMapping/>
-  </p:clrMapOvr>
-</p:sld>
-</file>
-
-<file path=ppt/slides/slide5.xml><?xml version="1.0" encoding="utf-8"?>
-<p:sld xmlns:a="http://schemas.openxmlformats.org/drawingml/2006/main" xmlns:r="http://schemas.openxmlformats.org/officeDocument/2006/relationships" xmlns:mc="http://schemas.openxmlformats.org/markup-compatibility/2006" xmlns:mv="urn:schemas-microsoft-com:mac:vml" xmlns:p="http://schemas.openxmlformats.org/presentationml/2006/main" mc:Ignorable="mv" mc:PreserveAttributes="mv:*">
-  <p:cSld>
-    <p:spTree>
-      <p:nvGrpSpPr>
-        <p:cNvPr id="1" name=""/>
-        <p:cNvGrpSpPr/>
-        <p:nvPr/>
-      </p:nvGrpSpPr>
-      <p:grpSpPr>
-        <a:xfrm>
-          <a:off x="0" y="0"/>
-          <a:ext cx="0" cy="0"/>
-          <a:chOff x="0" y="0"/>
-          <a:chExt cx="0" cy="0"/>
-        </a:xfrm>
-      </p:grpSpPr>
-      <p:sp>
-        <p:nvSpPr>
-          <p:cNvPr id="2" name="Titre 1"/>
-          <p:cNvSpPr>
-            <a:spLocks noGrp="1"/>
-          </p:cNvSpPr>
-          <p:nvPr>
-            <p:ph type="ctrTitle"/>
-          </p:nvPr>
-        </p:nvSpPr>
-        <p:spPr/>
-        <p:txBody>
-          <a:bodyPr/>
-          <a:lstStyle/>
-          <a:p>
-            <a:r>
-              <a:rPr lang="en-US" dirty="0" smtClean="0"/>
-              <a:t>1. ATAM evaluation</a:t>
-            </a:r>
-            <a:endParaRPr lang="en-US" dirty="0"/>
-          </a:p>
-        </p:txBody>
-      </p:sp>
-      <p:sp>
-        <p:nvSpPr>
-          <p:cNvPr id="3" name="Espace réservé du texte 2"/>
-          <p:cNvSpPr>
-            <a:spLocks noGrp="1"/>
-          </p:cNvSpPr>
-          <p:nvPr>
-            <p:ph type="body" sz="quarter" idx="10"/>
-          </p:nvPr>
-        </p:nvSpPr>
-        <p:spPr/>
-        <p:txBody>
-          <a:bodyPr/>
-          <a:lstStyle/>
-          <a:p>
-            <a:r>
-              <a:rPr lang="en-US" dirty="0" smtClean="0"/>
-              <a:t>The output of an ATAM is an out-brief presentation and/or a written report that includes the major findings of the evaluation. </a:t>
-            </a:r>
-          </a:p>
-          <a:p>
-            <a:endParaRPr lang="en-US" dirty="0" smtClean="0"/>
-          </a:p>
-          <a:p>
-            <a:r>
-              <a:rPr lang="en-US" dirty="0" smtClean="0"/>
-              <a:t>These are typically</a:t>
-            </a:r>
-          </a:p>
-          <a:p>
-            <a:pPr lvl="1"/>
-            <a:r>
-              <a:rPr lang="en-US" sz="2400" dirty="0" smtClean="0"/>
-              <a:t>the architectural styles identified</a:t>
-            </a:r>
-          </a:p>
-          <a:p>
-            <a:pPr lvl="1"/>
-            <a:r>
-              <a:rPr lang="en-US" sz="2400" dirty="0" smtClean="0"/>
-              <a:t>a "utility tree" — a hierarchic model of the driving architectural requirements</a:t>
-            </a:r>
-          </a:p>
-          <a:p>
-            <a:pPr lvl="1"/>
-            <a:r>
-              <a:rPr lang="en-US" sz="2400" dirty="0" smtClean="0"/>
-              <a:t>the tradeoff points</a:t>
-            </a:r>
-          </a:p>
-          <a:p>
-            <a:pPr lvl="1"/>
-            <a:r>
-              <a:rPr lang="en-US" sz="2400" dirty="0" smtClean="0"/>
-              <a:t>the sensitivity points</a:t>
-            </a:r>
-          </a:p>
-          <a:p>
-            <a:pPr lvl="1"/>
-            <a:r>
-              <a:rPr lang="en-US" sz="2400" dirty="0" smtClean="0"/>
-              <a:t>a set of identified risks</a:t>
-            </a:r>
-          </a:p>
-          <a:p>
-            <a:pPr lvl="1"/>
-            <a:r>
-              <a:rPr lang="en-US" sz="2400" dirty="0" smtClean="0"/>
-              <a:t>a set of identified non-risks</a:t>
-            </a:r>
-          </a:p>
-          <a:p>
-            <a:endParaRPr lang="en-US" dirty="0"/>
-          </a:p>
-        </p:txBody>
-      </p:sp>
-      <p:sp>
-        <p:nvSpPr>
-          <p:cNvPr id="4" name="ZoneTexte 3"/>
-          <p:cNvSpPr txBox="1"/>
-          <p:nvPr/>
-        </p:nvSpPr>
-        <p:spPr>
-          <a:xfrm>
-            <a:off x="500034" y="0"/>
-            <a:ext cx="1558440" cy="276999"/>
-          </a:xfrm>
-          <a:prstGeom prst="rect">
-            <a:avLst/>
-          </a:prstGeom>
-          <a:noFill/>
-          <a:ln>
-            <a:noFill/>
-          </a:ln>
-        </p:spPr>
-        <p:txBody>
-          <a:bodyPr wrap="none" rtlCol="0">
-            <a:spAutoFit/>
-          </a:bodyPr>
-          <a:lstStyle/>
-          <a:p>
-            <a:pPr marL="0" marR="0" indent="0" algn="l" defTabSz="914400" rtl="0" eaLnBrk="1" fontAlgn="auto" latinLnBrk="0" hangingPunct="1">
-              <a:lnSpc>
-                <a:spcPct val="100000"/>
-              </a:lnSpc>
-              <a:spcBef>
-                <a:spcPct val="20000"/>
-              </a:spcBef>
-              <a:spcAft>
-                <a:spcPts val="0"/>
-              </a:spcAft>
-              <a:buClrTx/>
-              <a:buSzTx/>
-              <a:buFontTx/>
-              <a:buNone/>
-              <a:tabLst/>
-            </a:pPr>
-            <a:r>
-              <a:rPr lang="fr-FR" sz="1200" kern="0" dirty="0" err="1" smtClean="0">
-                <a:solidFill>
-                  <a:schemeClr val="tx1">
-                    <a:lumMod val="50000"/>
-                    <a:lumOff val="50000"/>
-                  </a:schemeClr>
-                </a:solidFill>
-                <a:latin typeface="+mn-lt"/>
-                <a:cs typeface="+mn-cs"/>
-              </a:rPr>
-              <a:t>Why</a:t>
-            </a:r>
-            <a:r>
-              <a:rPr lang="fr-FR" sz="1200" kern="0" dirty="0" smtClean="0">
-                <a:solidFill>
-                  <a:schemeClr val="tx1">
-                    <a:lumMod val="50000"/>
-                    <a:lumOff val="50000"/>
-                  </a:schemeClr>
-                </a:solidFill>
-                <a:latin typeface="+mn-lt"/>
-                <a:cs typeface="+mn-cs"/>
-              </a:rPr>
-              <a:t> do </a:t>
-            </a:r>
-            <a:r>
-              <a:rPr lang="fr-FR" sz="1200" kern="0" dirty="0" err="1" smtClean="0">
-                <a:solidFill>
-                  <a:schemeClr val="tx1">
-                    <a:lumMod val="50000"/>
-                    <a:lumOff val="50000"/>
-                  </a:schemeClr>
-                </a:solidFill>
-                <a:latin typeface="+mn-lt"/>
-                <a:cs typeface="+mn-cs"/>
-              </a:rPr>
-              <a:t>we</a:t>
-            </a:r>
-            <a:r>
-              <a:rPr lang="fr-FR" sz="1200" kern="0" dirty="0" smtClean="0">
-                <a:solidFill>
-                  <a:schemeClr val="tx1">
-                    <a:lumMod val="50000"/>
-                    <a:lumOff val="50000"/>
-                  </a:schemeClr>
-                </a:solidFill>
-                <a:latin typeface="+mn-lt"/>
-                <a:cs typeface="+mn-cs"/>
-              </a:rPr>
-              <a:t> use </a:t>
-            </a:r>
-            <a:r>
-              <a:rPr lang="fr-FR" sz="1200" kern="0" dirty="0" err="1" smtClean="0">
-                <a:solidFill>
-                  <a:schemeClr val="tx1">
-                    <a:lumMod val="50000"/>
-                    <a:lumOff val="50000"/>
-                  </a:schemeClr>
-                </a:solidFill>
-                <a:latin typeface="+mn-lt"/>
-                <a:cs typeface="+mn-cs"/>
-              </a:rPr>
-              <a:t>ADLs</a:t>
-            </a:r>
-            <a:r>
-              <a:rPr lang="fr-FR" sz="1200" kern="0" dirty="0" smtClean="0">
-                <a:solidFill>
-                  <a:schemeClr val="tx1">
-                    <a:lumMod val="50000"/>
-                    <a:lumOff val="50000"/>
-                  </a:schemeClr>
-                </a:solidFill>
-                <a:latin typeface="+mn-lt"/>
-                <a:cs typeface="+mn-cs"/>
-              </a:rPr>
-              <a:t>?</a:t>
-            </a:r>
-            <a:endParaRPr kumimoji="0" lang="fr-FR" sz="1200" b="1" i="0" u="sng" strike="noStrike" kern="0" cap="none" spc="0" normalizeH="0" baseline="0" noProof="0" dirty="0" smtClean="0">
-              <a:ln>
-                <a:noFill/>
-              </a:ln>
-              <a:effectLst/>
-              <a:uLnTx/>
-              <a:uFillTx/>
-              <a:latin typeface="+mn-lt"/>
-              <a:ea typeface="+mn-ea"/>
-              <a:cs typeface="+mn-cs"/>
-            </a:endParaRPr>
-          </a:p>
-        </p:txBody>
-      </p:sp>
-      <p:sp>
-        <p:nvSpPr>
-          <p:cNvPr id="5" name="ZoneTexte 4"/>
-          <p:cNvSpPr txBox="1"/>
-          <p:nvPr/>
-        </p:nvSpPr>
-        <p:spPr>
-          <a:xfrm>
-            <a:off x="2786050" y="0"/>
-            <a:ext cx="861133" cy="276999"/>
-          </a:xfrm>
-          <a:prstGeom prst="rect">
-            <a:avLst/>
-          </a:prstGeom>
-          <a:noFill/>
-          <a:ln>
-            <a:noFill/>
-          </a:ln>
-        </p:spPr>
-        <p:txBody>
-          <a:bodyPr wrap="none" rtlCol="0">
-            <a:spAutoFit/>
-          </a:bodyPr>
-          <a:lstStyle/>
-          <a:p>
-            <a:pPr fontAlgn="auto">
-              <a:spcBef>
-                <a:spcPct val="20000"/>
-              </a:spcBef>
-              <a:spcAft>
-                <a:spcPts val="0"/>
-              </a:spcAft>
-            </a:pPr>
-            <a:r>
-              <a:rPr lang="fr-FR" sz="1200" kern="0" dirty="0" err="1" smtClean="0">
-                <a:solidFill>
-                  <a:schemeClr val="tx1">
-                    <a:lumMod val="50000"/>
-                    <a:lumOff val="50000"/>
-                  </a:schemeClr>
-                </a:solidFill>
-                <a:latin typeface="+mn-lt"/>
-                <a:cs typeface="+mn-cs"/>
-              </a:rPr>
-              <a:t>ADLChoice</a:t>
-            </a:r>
-            <a:endParaRPr lang="fr-FR" sz="1200" kern="0" dirty="0" smtClean="0">
-              <a:solidFill>
-                <a:schemeClr val="tx1">
-                  <a:lumMod val="50000"/>
-                  <a:lumOff val="50000"/>
-                </a:schemeClr>
-              </a:solidFill>
-              <a:latin typeface="+mn-lt"/>
-              <a:cs typeface="+mn-cs"/>
-            </a:endParaRPr>
-          </a:p>
-        </p:txBody>
-      </p:sp>
-      <p:sp>
-        <p:nvSpPr>
-          <p:cNvPr id="6" name="ZoneTexte 5"/>
-          <p:cNvSpPr txBox="1"/>
-          <p:nvPr/>
-        </p:nvSpPr>
-        <p:spPr>
-          <a:xfrm>
-            <a:off x="4572000" y="0"/>
-            <a:ext cx="1418978" cy="276999"/>
-          </a:xfrm>
-          <a:prstGeom prst="rect">
-            <a:avLst/>
-          </a:prstGeom>
-          <a:noFill/>
-          <a:ln>
-            <a:noFill/>
-          </a:ln>
-        </p:spPr>
-        <p:txBody>
-          <a:bodyPr wrap="none" rtlCol="0">
-            <a:spAutoFit/>
-          </a:bodyPr>
-          <a:lstStyle/>
-          <a:p>
-            <a:pPr marL="0" marR="0" indent="0" algn="l" defTabSz="914400" rtl="0" eaLnBrk="1" fontAlgn="auto" latinLnBrk="0" hangingPunct="1">
-              <a:lnSpc>
-                <a:spcPct val="100000"/>
-              </a:lnSpc>
-              <a:spcBef>
-                <a:spcPct val="20000"/>
-              </a:spcBef>
-              <a:spcAft>
-                <a:spcPts val="0"/>
-              </a:spcAft>
-              <a:buClrTx/>
-              <a:buSzTx/>
-              <a:buFontTx/>
-              <a:buNone/>
-              <a:tabLst/>
-            </a:pPr>
-            <a:r>
-              <a:rPr lang="fr-FR" sz="1200" kern="0" dirty="0" err="1" smtClean="0">
-                <a:solidFill>
-                  <a:schemeClr val="tx1">
-                    <a:lumMod val="50000"/>
-                    <a:lumOff val="50000"/>
-                  </a:schemeClr>
-                </a:solidFill>
-                <a:latin typeface="+mn-lt"/>
-                <a:cs typeface="+mn-cs"/>
-              </a:rPr>
-              <a:t>ACME</a:t>
-            </a:r>
-            <a:r>
-              <a:rPr kumimoji="0" lang="fr-FR" sz="1200" i="0" u="none" strike="noStrike" kern="0" cap="none" spc="0" normalizeH="0" baseline="0" noProof="0" dirty="0" smtClean="0">
-                <a:ln>
-                  <a:noFill/>
-                </a:ln>
-                <a:solidFill>
-                  <a:schemeClr val="tx1">
-                    <a:lumMod val="50000"/>
-                    <a:lumOff val="50000"/>
-                  </a:schemeClr>
-                </a:solidFill>
-                <a:effectLst/>
-                <a:uLnTx/>
-                <a:uFillTx/>
-                <a:latin typeface="+mn-lt"/>
-                <a:ea typeface="+mn-ea"/>
-                <a:cs typeface="+mn-cs"/>
-              </a:rPr>
-              <a:t> </a:t>
-            </a:r>
-            <a:r>
-              <a:rPr lang="fr-FR" sz="1200" kern="0" dirty="0" err="1" smtClean="0">
-                <a:solidFill>
-                  <a:schemeClr val="tx1">
-                    <a:lumMod val="50000"/>
-                    <a:lumOff val="50000"/>
-                  </a:schemeClr>
-                </a:solidFill>
-                <a:latin typeface="+mn-lt"/>
-                <a:cs typeface="+mn-cs"/>
-              </a:rPr>
-              <a:t>Presentation</a:t>
-            </a:r>
-          </a:p>
-        </p:txBody>
-      </p:sp>
-      <p:sp>
-        <p:nvSpPr>
-          <p:cNvPr id="7" name="ZoneTexte 6"/>
-          <p:cNvSpPr txBox="1"/>
-          <p:nvPr/>
-        </p:nvSpPr>
-        <p:spPr>
-          <a:xfrm>
-            <a:off x="6786578" y="0"/>
-            <a:ext cx="1407758" cy="276999"/>
-          </a:xfrm>
-          <a:prstGeom prst="rect">
-            <a:avLst/>
-          </a:prstGeom>
-          <a:noFill/>
-          <a:ln>
-            <a:noFill/>
-          </a:ln>
-        </p:spPr>
-        <p:txBody>
-          <a:bodyPr wrap="none" rtlCol="0">
-            <a:spAutoFit/>
-          </a:bodyPr>
-          <a:lstStyle/>
-          <a:p>
-            <a:pPr marL="0" marR="0" indent="0" algn="l" defTabSz="914400" rtl="0" eaLnBrk="1" fontAlgn="auto" latinLnBrk="0" hangingPunct="1">
-              <a:lnSpc>
-                <a:spcPct val="100000"/>
-              </a:lnSpc>
-              <a:spcBef>
-                <a:spcPct val="20000"/>
-              </a:spcBef>
-              <a:spcAft>
-                <a:spcPts val="0"/>
-              </a:spcAft>
-              <a:buClrTx/>
-              <a:buSzTx/>
-              <a:buFontTx/>
-              <a:buNone/>
-              <a:tabLst/>
-            </a:pPr>
-            <a:r>
-              <a:rPr lang="fr-FR" sz="1200" b="1" u="sng" kern="0" dirty="0" smtClean="0">
-                <a:latin typeface="+mn-lt"/>
-                <a:cs typeface="+mn-cs"/>
-              </a:rPr>
-              <a:t>ATAM</a:t>
-            </a:r>
-            <a:r>
-              <a:rPr kumimoji="0" lang="fr-FR" sz="1200" i="0" u="none" strike="noStrike" kern="0" cap="none" spc="0" normalizeH="0" baseline="0" noProof="0" dirty="0" smtClean="0">
-                <a:ln>
-                  <a:noFill/>
-                </a:ln>
-                <a:solidFill>
-                  <a:schemeClr val="tx1">
-                    <a:lumMod val="50000"/>
-                    <a:lumOff val="50000"/>
-                  </a:schemeClr>
-                </a:solidFill>
-                <a:effectLst/>
-                <a:uLnTx/>
-                <a:uFillTx/>
-                <a:latin typeface="+mn-lt"/>
-                <a:ea typeface="+mn-ea"/>
-                <a:cs typeface="+mn-cs"/>
-              </a:rPr>
-              <a:t> </a:t>
-            </a:r>
-            <a:r>
-              <a:rPr lang="fr-FR" sz="1200" b="1" u="sng" kern="0" dirty="0" smtClean="0">
-                <a:latin typeface="+mn-lt"/>
-                <a:cs typeface="+mn-cs"/>
-              </a:rPr>
-              <a:t>introduction</a:t>
-            </a:r>
-          </a:p>
-        </p:txBody>
-      </p:sp>
-    </p:spTree>
-  </p:cSld>
-  <p:clrMapOvr>
-    <a:masterClrMapping/>
-  </p:clrMapOvr>
-</p:sld>
-</file>
-
-<file path=ppt/slides/slide6.xml><?xml version="1.0" encoding="utf-8"?>
-<p:sld xmlns:a="http://schemas.openxmlformats.org/drawingml/2006/main" xmlns:r="http://schemas.openxmlformats.org/officeDocument/2006/relationships" xmlns:mc="http://schemas.openxmlformats.org/markup-compatibility/2006" xmlns:mv="urn:schemas-microsoft-com:mac:vml" xmlns:p="http://schemas.openxmlformats.org/presentationml/2006/main" mc:Ignorable="mv" mc:PreserveAttributes="mv:*">
-  <p:cSld>
-    <p:spTree>
-      <p:nvGrpSpPr>
-        <p:cNvPr id="1" name=""/>
-        <p:cNvGrpSpPr/>
-        <p:nvPr/>
-      </p:nvGrpSpPr>
-      <p:grpSpPr>
-        <a:xfrm>
-          <a:off x="0" y="0"/>
-          <a:ext cx="0" cy="0"/>
-          <a:chOff x="0" y="0"/>
-          <a:chExt cx="0" cy="0"/>
-        </a:xfrm>
-      </p:grpSpPr>
-      <p:sp>
-        <p:nvSpPr>
-          <p:cNvPr id="2" name="Titre 1"/>
-          <p:cNvSpPr>
-            <a:spLocks noGrp="1"/>
-          </p:cNvSpPr>
-          <p:nvPr>
-            <p:ph type="ctrTitle"/>
-          </p:nvPr>
-        </p:nvSpPr>
-        <p:spPr/>
-        <p:txBody>
-          <a:bodyPr/>
-          <a:lstStyle/>
-          <a:p>
-            <a:r>
-              <a:rPr lang="en-US" dirty="0" smtClean="0"/>
-              <a:t>1. </a:t>
-            </a:r>
-            <a:r>
-              <a:rPr lang="en-US" dirty="0" err="1" smtClean="0"/>
-              <a:t>Atam</a:t>
-            </a:r>
-            <a:r>
-              <a:rPr lang="en-US" dirty="0" smtClean="0"/>
-              <a:t> assessment steps</a:t>
-            </a:r>
-            <a:endParaRPr lang="en-US" dirty="0"/>
-          </a:p>
-        </p:txBody>
-      </p:sp>
-      <p:sp>
-        <p:nvSpPr>
-          <p:cNvPr id="3" name="Espace réservé du texte 2"/>
-          <p:cNvSpPr>
-            <a:spLocks noGrp="1"/>
-          </p:cNvSpPr>
-          <p:nvPr>
-            <p:ph type="body" sz="quarter" idx="10"/>
-          </p:nvPr>
-        </p:nvSpPr>
-        <p:spPr/>
-        <p:txBody>
-          <a:bodyPr/>
-          <a:lstStyle/>
-          <a:p>
-            <a:endParaRPr smtClean="0"/>
-          </a:p>
-        </p:txBody>
-      </p:sp>
-      <p:graphicFrame>
-        <p:nvGraphicFramePr>
-          <p:cNvPr id="4" name="Diagramme 3"/>
-          <p:cNvGraphicFramePr/>
-          <p:nvPr/>
-        </p:nvGraphicFramePr>
-        <p:xfrm>
-          <a:off x="428596" y="1161135"/>
-          <a:ext cx="8358246" cy="5411137"/>
-        </p:xfrm>
-        <a:graphic>
-          <a:graphicData uri="http://schemas.openxmlformats.org/drawingml/2006/diagram">
-            <a:relIds xmlns:dgm="http://schemas.openxmlformats.org/drawingml/2006/diagram" xmlns:r="http://schemas.openxmlformats.org/officeDocument/2006/relationships" r:dm="rId2" r:lo="rId3" r:qs="rId4" r:cs="rId5"/>
-          </a:graphicData>
-        </a:graphic>
-      </p:graphicFrame>
-      <p:sp>
-        <p:nvSpPr>
-          <p:cNvPr id="5" name="ZoneTexte 4"/>
-          <p:cNvSpPr txBox="1"/>
-          <p:nvPr/>
-        </p:nvSpPr>
-        <p:spPr>
-          <a:xfrm>
-            <a:off x="500034" y="0"/>
-            <a:ext cx="1558440" cy="276999"/>
-          </a:xfrm>
-          <a:prstGeom prst="rect">
-            <a:avLst/>
-          </a:prstGeom>
-          <a:noFill/>
-          <a:ln>
-            <a:noFill/>
-          </a:ln>
-        </p:spPr>
-        <p:txBody>
-          <a:bodyPr wrap="none" rtlCol="0">
-            <a:spAutoFit/>
-          </a:bodyPr>
-          <a:lstStyle/>
-          <a:p>
-            <a:pPr marL="0" marR="0" indent="0" algn="l" defTabSz="914400" rtl="0" eaLnBrk="1" fontAlgn="auto" latinLnBrk="0" hangingPunct="1">
-              <a:lnSpc>
-                <a:spcPct val="100000"/>
-              </a:lnSpc>
-              <a:spcBef>
-                <a:spcPct val="20000"/>
-              </a:spcBef>
-              <a:spcAft>
-                <a:spcPts val="0"/>
-              </a:spcAft>
-              <a:buClrTx/>
-              <a:buSzTx/>
-              <a:buFontTx/>
-              <a:buNone/>
-              <a:tabLst/>
-            </a:pPr>
-            <a:r>
-              <a:rPr lang="fr-FR" sz="1200" kern="0" dirty="0" err="1" smtClean="0">
-                <a:solidFill>
-                  <a:schemeClr val="tx1">
-                    <a:lumMod val="50000"/>
-                    <a:lumOff val="50000"/>
-                  </a:schemeClr>
-                </a:solidFill>
-                <a:latin typeface="+mn-lt"/>
-                <a:cs typeface="+mn-cs"/>
-              </a:rPr>
-              <a:t>Why</a:t>
-            </a:r>
-            <a:r>
-              <a:rPr lang="fr-FR" sz="1200" kern="0" dirty="0" smtClean="0">
-                <a:solidFill>
-                  <a:schemeClr val="tx1">
-                    <a:lumMod val="50000"/>
-                    <a:lumOff val="50000"/>
-                  </a:schemeClr>
-                </a:solidFill>
-                <a:latin typeface="+mn-lt"/>
-                <a:cs typeface="+mn-cs"/>
-              </a:rPr>
-              <a:t> do </a:t>
-            </a:r>
-            <a:r>
-              <a:rPr lang="fr-FR" sz="1200" kern="0" dirty="0" err="1" smtClean="0">
-                <a:solidFill>
-                  <a:schemeClr val="tx1">
-                    <a:lumMod val="50000"/>
-                    <a:lumOff val="50000"/>
-                  </a:schemeClr>
-                </a:solidFill>
-                <a:latin typeface="+mn-lt"/>
-                <a:cs typeface="+mn-cs"/>
-              </a:rPr>
-              <a:t>we</a:t>
-            </a:r>
-            <a:r>
-              <a:rPr lang="fr-FR" sz="1200" kern="0" dirty="0" smtClean="0">
-                <a:solidFill>
-                  <a:schemeClr val="tx1">
-                    <a:lumMod val="50000"/>
-                    <a:lumOff val="50000"/>
-                  </a:schemeClr>
-                </a:solidFill>
-                <a:latin typeface="+mn-lt"/>
-                <a:cs typeface="+mn-cs"/>
-              </a:rPr>
-              <a:t> use </a:t>
-            </a:r>
-            <a:r>
-              <a:rPr lang="fr-FR" sz="1200" kern="0" dirty="0" err="1" smtClean="0">
-                <a:solidFill>
-                  <a:schemeClr val="tx1">
-                    <a:lumMod val="50000"/>
-                    <a:lumOff val="50000"/>
-                  </a:schemeClr>
-                </a:solidFill>
-                <a:latin typeface="+mn-lt"/>
-                <a:cs typeface="+mn-cs"/>
-              </a:rPr>
-              <a:t>ADLs</a:t>
-            </a:r>
-            <a:r>
-              <a:rPr lang="fr-FR" sz="1200" kern="0" dirty="0" smtClean="0">
-                <a:solidFill>
-                  <a:schemeClr val="tx1">
-                    <a:lumMod val="50000"/>
-                    <a:lumOff val="50000"/>
-                  </a:schemeClr>
-                </a:solidFill>
-                <a:latin typeface="+mn-lt"/>
-                <a:cs typeface="+mn-cs"/>
-              </a:rPr>
-              <a:t>?</a:t>
-            </a:r>
-            <a:endParaRPr kumimoji="0" lang="fr-FR" sz="1200" b="1" i="0" u="sng" strike="noStrike" kern="0" cap="none" spc="0" normalizeH="0" baseline="0" noProof="0" dirty="0" smtClean="0">
-              <a:ln>
-                <a:noFill/>
-              </a:ln>
-              <a:effectLst/>
-              <a:uLnTx/>
-              <a:uFillTx/>
-              <a:latin typeface="+mn-lt"/>
-              <a:ea typeface="+mn-ea"/>
-              <a:cs typeface="+mn-cs"/>
-            </a:endParaRPr>
-          </a:p>
-        </p:txBody>
-      </p:sp>
-      <p:sp>
-        <p:nvSpPr>
-          <p:cNvPr id="6" name="ZoneTexte 5"/>
-          <p:cNvSpPr txBox="1"/>
-          <p:nvPr/>
-        </p:nvSpPr>
-        <p:spPr>
-          <a:xfrm>
-            <a:off x="2786050" y="0"/>
-            <a:ext cx="861133" cy="276999"/>
-          </a:xfrm>
-          <a:prstGeom prst="rect">
-            <a:avLst/>
-          </a:prstGeom>
-          <a:noFill/>
-          <a:ln>
-            <a:noFill/>
-          </a:ln>
-        </p:spPr>
-        <p:txBody>
-          <a:bodyPr wrap="none" rtlCol="0">
-            <a:spAutoFit/>
-          </a:bodyPr>
-          <a:lstStyle/>
-          <a:p>
-            <a:pPr fontAlgn="auto">
-              <a:spcBef>
-                <a:spcPct val="20000"/>
-              </a:spcBef>
-              <a:spcAft>
-                <a:spcPts val="0"/>
-              </a:spcAft>
-            </a:pPr>
-            <a:r>
-              <a:rPr lang="fr-FR" sz="1200" kern="0" dirty="0" err="1" smtClean="0">
-                <a:solidFill>
-                  <a:schemeClr val="tx1">
-                    <a:lumMod val="50000"/>
-                    <a:lumOff val="50000"/>
-                  </a:schemeClr>
-                </a:solidFill>
-                <a:latin typeface="+mn-lt"/>
-                <a:cs typeface="+mn-cs"/>
-              </a:rPr>
-              <a:t>ADLChoice</a:t>
-            </a:r>
-            <a:endParaRPr lang="fr-FR" sz="1200" kern="0" dirty="0" smtClean="0">
-              <a:solidFill>
-                <a:schemeClr val="tx1">
-                  <a:lumMod val="50000"/>
-                  <a:lumOff val="50000"/>
-                </a:schemeClr>
-              </a:solidFill>
-              <a:latin typeface="+mn-lt"/>
-              <a:cs typeface="+mn-cs"/>
-            </a:endParaRPr>
-          </a:p>
-        </p:txBody>
-      </p:sp>
-      <p:sp>
-        <p:nvSpPr>
-          <p:cNvPr id="7" name="ZoneTexte 6"/>
-          <p:cNvSpPr txBox="1"/>
-          <p:nvPr/>
-        </p:nvSpPr>
-        <p:spPr>
-          <a:xfrm>
-            <a:off x="4572000" y="0"/>
-            <a:ext cx="1418978" cy="276999"/>
-          </a:xfrm>
-          <a:prstGeom prst="rect">
-            <a:avLst/>
-          </a:prstGeom>
-          <a:noFill/>
-          <a:ln>
-            <a:noFill/>
-          </a:ln>
-        </p:spPr>
-        <p:txBody>
-          <a:bodyPr wrap="none" rtlCol="0">
-            <a:spAutoFit/>
-          </a:bodyPr>
-          <a:lstStyle/>
-          <a:p>
-            <a:pPr marL="0" marR="0" indent="0" algn="l" defTabSz="914400" rtl="0" eaLnBrk="1" fontAlgn="auto" latinLnBrk="0" hangingPunct="1">
-              <a:lnSpc>
-                <a:spcPct val="100000"/>
-              </a:lnSpc>
-              <a:spcBef>
-                <a:spcPct val="20000"/>
-              </a:spcBef>
-              <a:spcAft>
-                <a:spcPts val="0"/>
-              </a:spcAft>
-              <a:buClrTx/>
-              <a:buSzTx/>
-              <a:buFontTx/>
-              <a:buNone/>
-              <a:tabLst/>
-            </a:pPr>
-            <a:r>
-              <a:rPr lang="fr-FR" sz="1200" kern="0" dirty="0" err="1" smtClean="0">
-                <a:solidFill>
-                  <a:schemeClr val="tx1">
-                    <a:lumMod val="50000"/>
-                    <a:lumOff val="50000"/>
-                  </a:schemeClr>
-                </a:solidFill>
-                <a:latin typeface="+mn-lt"/>
-                <a:cs typeface="+mn-cs"/>
-              </a:rPr>
-              <a:t>ACME</a:t>
-            </a:r>
-            <a:r>
-              <a:rPr kumimoji="0" lang="fr-FR" sz="1200" i="0" u="none" strike="noStrike" kern="0" cap="none" spc="0" normalizeH="0" baseline="0" noProof="0" dirty="0" smtClean="0">
-                <a:ln>
-                  <a:noFill/>
-                </a:ln>
-                <a:solidFill>
-                  <a:schemeClr val="tx1">
-                    <a:lumMod val="50000"/>
-                    <a:lumOff val="50000"/>
-                  </a:schemeClr>
-                </a:solidFill>
-                <a:effectLst/>
-                <a:uLnTx/>
-                <a:uFillTx/>
-                <a:latin typeface="+mn-lt"/>
-                <a:ea typeface="+mn-ea"/>
-                <a:cs typeface="+mn-cs"/>
-              </a:rPr>
-              <a:t> </a:t>
-            </a:r>
-            <a:r>
-              <a:rPr lang="fr-FR" sz="1200" kern="0" dirty="0" err="1" smtClean="0">
-                <a:solidFill>
-                  <a:schemeClr val="tx1">
-                    <a:lumMod val="50000"/>
-                    <a:lumOff val="50000"/>
-                  </a:schemeClr>
-                </a:solidFill>
-                <a:latin typeface="+mn-lt"/>
-                <a:cs typeface="+mn-cs"/>
-              </a:rPr>
-              <a:t>Presentation</a:t>
-            </a:r>
-          </a:p>
-        </p:txBody>
-      </p:sp>
-      <p:sp>
-        <p:nvSpPr>
-          <p:cNvPr id="8" name="ZoneTexte 7"/>
-          <p:cNvSpPr txBox="1"/>
-          <p:nvPr/>
-        </p:nvSpPr>
-        <p:spPr>
-          <a:xfrm>
-            <a:off x="6786578" y="0"/>
-            <a:ext cx="1407758" cy="276999"/>
-          </a:xfrm>
-          <a:prstGeom prst="rect">
-            <a:avLst/>
-          </a:prstGeom>
-          <a:noFill/>
-          <a:ln>
-            <a:noFill/>
-          </a:ln>
-        </p:spPr>
-        <p:txBody>
-          <a:bodyPr wrap="none" rtlCol="0">
-            <a:spAutoFit/>
-          </a:bodyPr>
-          <a:lstStyle/>
-          <a:p>
-            <a:pPr marL="0" marR="0" indent="0" algn="l" defTabSz="914400" rtl="0" eaLnBrk="1" fontAlgn="auto" latinLnBrk="0" hangingPunct="1">
-              <a:lnSpc>
-                <a:spcPct val="100000"/>
-              </a:lnSpc>
-              <a:spcBef>
-                <a:spcPct val="20000"/>
-              </a:spcBef>
-              <a:spcAft>
-                <a:spcPts val="0"/>
-              </a:spcAft>
-              <a:buClrTx/>
-              <a:buSzTx/>
-              <a:buFontTx/>
-              <a:buNone/>
-              <a:tabLst/>
-            </a:pPr>
-            <a:r>
-              <a:rPr lang="fr-FR" sz="1200" b="1" u="sng" kern="0" dirty="0" smtClean="0">
-                <a:latin typeface="+mn-lt"/>
-                <a:cs typeface="+mn-cs"/>
-              </a:rPr>
-              <a:t>ATAM</a:t>
-            </a:r>
-            <a:r>
-              <a:rPr kumimoji="0" lang="fr-FR" sz="1200" i="0" u="none" strike="noStrike" kern="0" cap="none" spc="0" normalizeH="0" baseline="0" noProof="0" dirty="0" smtClean="0">
-                <a:ln>
-                  <a:noFill/>
-                </a:ln>
-                <a:solidFill>
-                  <a:schemeClr val="tx1">
-                    <a:lumMod val="50000"/>
-                    <a:lumOff val="50000"/>
-                  </a:schemeClr>
-                </a:solidFill>
-                <a:effectLst/>
-                <a:uLnTx/>
-                <a:uFillTx/>
-                <a:latin typeface="+mn-lt"/>
-                <a:ea typeface="+mn-ea"/>
-                <a:cs typeface="+mn-cs"/>
-              </a:rPr>
-              <a:t> </a:t>
-            </a:r>
-            <a:r>
-              <a:rPr lang="fr-FR" sz="1200" b="1" u="sng" kern="0" dirty="0" smtClean="0">
-                <a:latin typeface="+mn-lt"/>
-                <a:cs typeface="+mn-cs"/>
-              </a:rPr>
-              <a:t>introduction</a:t>
-            </a:r>
-          </a:p>
-        </p:txBody>
-      </p:sp>
-    </p:spTree>
-  </p:cSld>
-  <p:clrMapOvr>
-    <a:masterClrMapping/>
-  </p:clrMapOvr>
-  <p:timing>
-    <p:tnLst>
-      <p:par>
-        <p:cTn id="1" dur="indefinite" restart="never" nodeType="tmRoot"/>
-      </p:par>
-    </p:tnLst>
-  </p:timing>
-</p:sld>
-</file>
-
-<file path=ppt/slides/slide7.xml><?xml version="1.0" encoding="utf-8"?>
-<p:sld xmlns:a="http://schemas.openxmlformats.org/drawingml/2006/main" xmlns:r="http://schemas.openxmlformats.org/officeDocument/2006/relationships" xmlns:mc="http://schemas.openxmlformats.org/markup-compatibility/2006" xmlns:mv="urn:schemas-microsoft-com:mac:vml" xmlns:p="http://schemas.openxmlformats.org/presentationml/2006/main" mc:Ignorable="mv" mc:PreserveAttributes="mv:*">
-  <p:cSld>
-    <p:spTree>
-      <p:nvGrpSpPr>
-        <p:cNvPr id="1" name=""/>
-        <p:cNvGrpSpPr/>
-        <p:nvPr/>
-      </p:nvGrpSpPr>
-      <p:grpSpPr>
-        <a:xfrm>
-          <a:off x="0" y="0"/>
-          <a:ext cx="0" cy="0"/>
-          <a:chOff x="0" y="0"/>
-          <a:chExt cx="0" cy="0"/>
-        </a:xfrm>
-      </p:grpSpPr>
-      <p:sp>
-        <p:nvSpPr>
-          <p:cNvPr id="2" name="Titre 1"/>
-          <p:cNvSpPr>
-            <a:spLocks noGrp="1"/>
-          </p:cNvSpPr>
-          <p:nvPr>
-            <p:ph type="ctrTitle"/>
-          </p:nvPr>
-        </p:nvSpPr>
-        <p:spPr/>
-        <p:txBody>
-          <a:bodyPr/>
-          <a:lstStyle/>
-          <a:p>
-            <a:r>
-              <a:rPr lang="en-US" dirty="0" smtClean="0"/>
-              <a:t>2. Utility tree</a:t>
-            </a:r>
-            <a:endParaRPr lang="en-US" dirty="0"/>
-          </a:p>
-        </p:txBody>
-      </p:sp>
-      <p:sp>
-        <p:nvSpPr>
-          <p:cNvPr id="3" name="Espace réservé du texte 2"/>
-          <p:cNvSpPr>
-            <a:spLocks noGrp="1"/>
-          </p:cNvSpPr>
-          <p:nvPr>
-            <p:ph type="body" sz="quarter" idx="10"/>
-          </p:nvPr>
-        </p:nvSpPr>
-        <p:spPr/>
-        <p:txBody>
-          <a:bodyPr/>
-          <a:lstStyle/>
-          <a:p>
-            <a:endParaRPr lang="en-US" dirty="0"/>
-          </a:p>
-        </p:txBody>
-      </p:sp>
-      <p:graphicFrame>
-        <p:nvGraphicFramePr>
-          <p:cNvPr id="4" name="Diagramme 3"/>
-          <p:cNvGraphicFramePr/>
-          <p:nvPr/>
-        </p:nvGraphicFramePr>
-        <p:xfrm>
-          <a:off x="0" y="1000108"/>
-          <a:ext cx="8929718" cy="5500726"/>
-        </p:xfrm>
-        <a:graphic>
-          <a:graphicData uri="http://schemas.openxmlformats.org/drawingml/2006/diagram">
-            <a:relIds xmlns:dgm="http://schemas.openxmlformats.org/drawingml/2006/diagram" xmlns:r="http://schemas.openxmlformats.org/officeDocument/2006/relationships" r:dm="rId2" r:lo="rId3" r:qs="rId4" r:cs="rId5"/>
-          </a:graphicData>
-        </a:graphic>
-      </p:graphicFrame>
-    </p:spTree>
-  </p:cSld>
-  <p:clrMapOvr>
-    <a:masterClrMapping/>
-  </p:clrMapOvr>
-  <p:timing>
-    <p:tnLst>
-      <p:par>
-        <p:cTn id="1" dur="indefinite" restart="never" nodeType="tmRoot"/>
-      </p:par>
-    </p:tnLst>
-  </p:timing>
-</p:sld>
-</file>
-
-<file path=ppt/slides/slide8.xml><?xml version="1.0" encoding="utf-8"?>
-<p:sld xmlns:a="http://schemas.openxmlformats.org/drawingml/2006/main" xmlns:r="http://schemas.openxmlformats.org/officeDocument/2006/relationships" xmlns:mc="http://schemas.openxmlformats.org/markup-compatibility/2006" xmlns:mv="urn:schemas-microsoft-com:mac:vml" xmlns:p="http://schemas.openxmlformats.org/presentationml/2006/main" mc:Ignorable="mv" mc:PreserveAttributes="mv:*">
-  <p:cSld>
-    <p:spTree>
-      <p:nvGrpSpPr>
-        <p:cNvPr id="1" name=""/>
-        <p:cNvGrpSpPr/>
-        <p:nvPr/>
-      </p:nvGrpSpPr>
-      <p:grpSpPr>
-        <a:xfrm>
-          <a:off x="0" y="0"/>
-          <a:ext cx="0" cy="0"/>
-          <a:chOff x="0" y="0"/>
-          <a:chExt cx="0" cy="0"/>
-        </a:xfrm>
-      </p:grpSpPr>
-      <p:sp>
-        <p:nvSpPr>
-          <p:cNvPr id="2" name="Title 1"/>
-          <p:cNvSpPr>
-            <a:spLocks noGrp="1"/>
-          </p:cNvSpPr>
-          <p:nvPr>
-            <p:ph type="ctrTitle"/>
-          </p:nvPr>
-        </p:nvSpPr>
-        <p:spPr/>
-        <p:txBody>
-          <a:bodyPr/>
-          <a:lstStyle/>
-          <a:p>
-            <a:r>
-              <a:rPr lang="en-US" dirty="0" smtClean="0"/>
-              <a:t>Utility Scenarios</a:t>
-            </a:r>
-            <a:endParaRPr lang="en-US" dirty="0"/>
-          </a:p>
-        </p:txBody>
-      </p:sp>
-      <p:sp>
-        <p:nvSpPr>
-          <p:cNvPr id="3" name="Text Placeholder 2"/>
-          <p:cNvSpPr>
-            <a:spLocks noGrp="1"/>
-          </p:cNvSpPr>
-          <p:nvPr>
-            <p:ph type="body" sz="quarter" idx="10"/>
-          </p:nvPr>
-        </p:nvSpPr>
-        <p:spPr/>
-        <p:txBody>
-          <a:bodyPr/>
-          <a:lstStyle/>
-          <a:p>
-            <a:r>
-              <a:rPr lang="en-US" dirty="0" smtClean="0"/>
-              <a:t>Use case scenarios</a:t>
-            </a:r>
-          </a:p>
-          <a:p>
-            <a:pPr lvl="1"/>
-            <a:r>
-              <a:rPr lang="en-US" dirty="0" smtClean="0"/>
-              <a:t>No operation should be irreversible, and confirmation should be asked to user each </a:t>
-            </a:r>
-            <a:r>
-              <a:rPr lang="en-US" dirty="0" smtClean="0"/>
-              <a:t>time</a:t>
-            </a:r>
-          </a:p>
-          <a:p>
-            <a:pPr lvl="1"/>
-            <a:r>
-              <a:rPr lang="en-US" dirty="0" smtClean="0"/>
-              <a:t>The </a:t>
-            </a:r>
-            <a:r>
-              <a:rPr lang="en-US" dirty="0" smtClean="0"/>
-              <a:t>FDIR interface should provide several views with consistent </a:t>
-            </a:r>
-            <a:r>
-              <a:rPr lang="en-US" dirty="0" smtClean="0"/>
-              <a:t>conventions</a:t>
-            </a:r>
-          </a:p>
-          <a:p>
-            <a:r>
-              <a:rPr lang="en-US" dirty="0" smtClean="0"/>
-              <a:t>Growth scenarios</a:t>
-            </a:r>
-          </a:p>
-          <a:p>
-            <a:pPr lvl="1"/>
-            <a:r>
-              <a:rPr lang="en-US" dirty="0" smtClean="0"/>
-              <a:t>A new sub-system must be able to be installed in to the </a:t>
-            </a:r>
-            <a:r>
-              <a:rPr lang="en-US" smtClean="0"/>
-              <a:t>FDIR in </a:t>
-            </a:r>
-            <a:r>
-              <a:rPr lang="en-US" dirty="0" smtClean="0"/>
-              <a:t>1 person day of work</a:t>
-            </a:r>
-          </a:p>
-          <a:p>
-            <a:r>
-              <a:rPr lang="en-US" dirty="0" smtClean="0"/>
-              <a:t>Exploratory scenarios</a:t>
-            </a:r>
-          </a:p>
-          <a:p>
-            <a:pPr lvl="1"/>
-            <a:r>
-              <a:rPr lang="en-US" dirty="0" smtClean="0"/>
-              <a:t>If </a:t>
-            </a:r>
-            <a:r>
-              <a:rPr lang="en-US" dirty="0" smtClean="0"/>
-              <a:t>the system load doubles from normal response time has to stay within 3 seconds</a:t>
-            </a:r>
-            <a:r>
-              <a:rPr lang="en-US" dirty="0" smtClean="0"/>
-              <a:t>.</a:t>
-            </a:r>
-          </a:p>
-          <a:p>
-            <a:pPr lvl="1"/>
-            <a:r>
-              <a:rPr lang="en-US" dirty="0" smtClean="0"/>
-              <a:t>The system has to be configurable to other spacecrafts in 1 person year of work</a:t>
-            </a:r>
-          </a:p>
-          <a:p>
-            <a:pPr lvl="1">
-              <a:buNone/>
-            </a:pPr>
-            <a:r>
-              <a:rPr lang="en-US" dirty="0" smtClean="0"/>
-              <a:t> </a:t>
-            </a:r>
-            <a:endParaRPr lang="en-US" dirty="0" smtClean="0"/>
-          </a:p>
-          <a:p>
-            <a:pPr lvl="1"/>
-            <a:endParaRPr lang="en-US" dirty="0" smtClean="0"/>
-          </a:p>
-        </p:txBody>
-      </p:sp>
-    </p:spTree>
-  </p:cSld>
-  <p:clrMapOvr>
-    <a:masterClrMapping/>
-  </p:clrMapOvr>
-</p:sld>
-</file>
-
-<file path=ppt/slides/slide9.xml><?xml version="1.0" encoding="utf-8"?>
-<p:sld xmlns:a="http://schemas.openxmlformats.org/drawingml/2006/main" xmlns:r="http://schemas.openxmlformats.org/officeDocument/2006/relationships" xmlns:mc="http://schemas.openxmlformats.org/markup-compatibility/2006" xmlns:mv="urn:schemas-microsoft-com:mac:vml" xmlns:p="http://schemas.openxmlformats.org/presentationml/2006/main" mc:Ignorable="mv" mc:PreserveAttributes="mv:*">
-  <p:cSld>
-    <p:spTree>
-      <p:nvGrpSpPr>
-        <p:cNvPr id="1" name=""/>
-        <p:cNvGrpSpPr/>
-        <p:nvPr/>
-      </p:nvGrpSpPr>
-      <p:grpSpPr>
-        <a:xfrm>
-          <a:off x="0" y="0"/>
-          <a:ext cx="0" cy="0"/>
-          <a:chOff x="0" y="0"/>
-          <a:chExt cx="0" cy="0"/>
-        </a:xfrm>
-      </p:grpSpPr>
-      <p:sp>
-        <p:nvSpPr>
           <p:cNvPr id="10" name="Rectangle à coins arrondis 9"/>
           <p:cNvSpPr/>
           <p:nvPr/>
@@ -15436,6 +12959,2603 @@
       </p:par>
     </p:tnLst>
   </p:timing>
+</p:sld>
+</file>
+
+<file path=ppt/slides/slide11.xml><?xml version="1.0" encoding="utf-8"?>
+<p:sld xmlns:a="http://schemas.openxmlformats.org/drawingml/2006/main" xmlns:r="http://schemas.openxmlformats.org/officeDocument/2006/relationships" xmlns:mc="http://schemas.openxmlformats.org/markup-compatibility/2006" xmlns:mv="urn:schemas-microsoft-com:mac:vml" xmlns:p="http://schemas.openxmlformats.org/presentationml/2006/main" mc:Ignorable="mv" mc:PreserveAttributes="mv:*">
+  <p:cSld>
+    <p:spTree>
+      <p:nvGrpSpPr>
+        <p:cNvPr id="1" name=""/>
+        <p:cNvGrpSpPr/>
+        <p:nvPr/>
+      </p:nvGrpSpPr>
+      <p:grpSpPr>
+        <a:xfrm>
+          <a:off x="0" y="0"/>
+          <a:ext cx="0" cy="0"/>
+          <a:chOff x="0" y="0"/>
+          <a:chExt cx="0" cy="0"/>
+        </a:xfrm>
+      </p:grpSpPr>
+      <p:sp>
+        <p:nvSpPr>
+          <p:cNvPr id="2" name="Titre 1"/>
+          <p:cNvSpPr>
+            <a:spLocks noGrp="1"/>
+          </p:cNvSpPr>
+          <p:nvPr>
+            <p:ph type="ctrTitle"/>
+          </p:nvPr>
+        </p:nvSpPr>
+        <p:spPr>
+          <a:xfrm>
+            <a:off x="300038" y="466708"/>
+            <a:ext cx="8629680" cy="819152"/>
+          </a:xfrm>
+        </p:spPr>
+        <p:txBody>
+          <a:bodyPr/>
+          <a:lstStyle/>
+          <a:p>
+            <a:pPr>
+              <a:defRPr/>
+            </a:pPr>
+            <a:r>
+              <a:rPr lang="en-US" dirty="0" smtClean="0"/>
+              <a:t>references</a:t>
+            </a:r>
+            <a:endParaRPr lang="en-US" dirty="0"/>
+          </a:p>
+        </p:txBody>
+      </p:sp>
+      <p:sp>
+        <p:nvSpPr>
+          <p:cNvPr id="15363" name="Espace réservé du texte 2"/>
+          <p:cNvSpPr>
+            <a:spLocks noGrp="1"/>
+          </p:cNvSpPr>
+          <p:nvPr>
+            <p:ph type="body" sz="quarter" idx="10"/>
+          </p:nvPr>
+        </p:nvSpPr>
+        <p:spPr bwMode="auto">
+          <a:xfrm>
+            <a:off x="285750" y="1857375"/>
+            <a:ext cx="8501063" cy="4714875"/>
+          </a:xfrm>
+          <a:noFill/>
+          <a:ln>
+            <a:miter lim="800000"/>
+            <a:headEnd/>
+            <a:tailEnd/>
+          </a:ln>
+        </p:spPr>
+        <p:txBody>
+          <a:bodyPr vert="horz" wrap="square" lIns="91440" tIns="45720" rIns="91440" bIns="45720" numCol="1" anchor="t" anchorCtr="0" compatLnSpc="1">
+            <a:prstTxWarp prst="textNoShape">
+              <a:avLst/>
+            </a:prstTxWarp>
+          </a:bodyPr>
+          <a:lstStyle/>
+          <a:p>
+            <a:r>
+              <a:rPr sz="1600" b="1" smtClean="0"/>
+              <a:t>David S. Wile, </a:t>
+            </a:r>
+            <a:r>
+              <a:rPr sz="1600" i="1" smtClean="0"/>
+              <a:t>ACME: An Interchange Language for Architecture Representation</a:t>
+            </a:r>
+          </a:p>
+          <a:p>
+            <a:endParaRPr sz="1600" i="1" smtClean="0"/>
+          </a:p>
+          <a:p>
+            <a:r>
+              <a:rPr sz="1600" b="1" smtClean="0">
+                <a:hlinkClick r:id="rId2"/>
+              </a:rPr>
+              <a:t>http://www.cs.cmu.edu/~acme</a:t>
+            </a:r>
+            <a:r>
+              <a:rPr sz="1600" b="1" i="1" smtClean="0">
+                <a:hlinkClick r:id="rId2"/>
+              </a:rPr>
+              <a:t>/</a:t>
+            </a:r>
+            <a:r>
+              <a:rPr sz="1600" i="1" smtClean="0"/>
+              <a:t>, ACME websites</a:t>
+            </a:r>
+          </a:p>
+          <a:p>
+            <a:endParaRPr sz="1600" i="1" smtClean="0"/>
+          </a:p>
+          <a:p>
+            <a:r>
+              <a:rPr sz="1600" b="1" smtClean="0">
+                <a:hlinkClick r:id="rId3"/>
+              </a:rPr>
+              <a:t>http://en.wikipedia.org/wiki/Architecture_description_language</a:t>
+            </a:r>
+            <a:r>
+              <a:rPr sz="1600" i="1" smtClean="0"/>
+              <a:t>, ADL wikipedia page</a:t>
+            </a:r>
+          </a:p>
+          <a:p>
+            <a:endParaRPr sz="1600" i="1" smtClean="0"/>
+          </a:p>
+          <a:p>
+            <a:r>
+              <a:rPr lang="en-US" sz="1600" b="1" dirty="0" smtClean="0"/>
+              <a:t>[KKC00] R. </a:t>
+            </a:r>
+            <a:r>
+              <a:rPr lang="en-US" sz="1600" b="1" dirty="0" err="1" smtClean="0"/>
+              <a:t>Kazman</a:t>
+            </a:r>
+            <a:r>
+              <a:rPr lang="en-US" sz="1600" b="1" dirty="0" smtClean="0"/>
+              <a:t>, M. Klein, P. Clements</a:t>
+            </a:r>
+            <a:r>
+              <a:rPr lang="en-US" sz="1600" i="1" dirty="0" smtClean="0"/>
+              <a:t>, ATAM: A Method for Architecture Evaluation, CMU/SEI-2000-TR-004, Software Engineering Institute, Carnegie Mellon University, 2000. </a:t>
+            </a:r>
+            <a:endParaRPr lang="en-US" altLang="ko-KR" sz="1600" i="1" dirty="0" smtClean="0">
+              <a:ea typeface="굴림" charset="-127"/>
+            </a:endParaRPr>
+          </a:p>
+        </p:txBody>
+      </p:sp>
+    </p:spTree>
+  </p:cSld>
+  <p:clrMapOvr>
+    <a:masterClrMapping/>
+  </p:clrMapOvr>
+  <p:timing>
+    <p:tnLst>
+      <p:par>
+        <p:cTn id="1" dur="indefinite" restart="never" nodeType="tmRoot"/>
+      </p:par>
+    </p:tnLst>
+  </p:timing>
+</p:sld>
+</file>
+
+<file path=ppt/slides/slide2.xml><?xml version="1.0" encoding="utf-8"?>
+<p:sld xmlns:a="http://schemas.openxmlformats.org/drawingml/2006/main" xmlns:r="http://schemas.openxmlformats.org/officeDocument/2006/relationships" xmlns:mc="http://schemas.openxmlformats.org/markup-compatibility/2006" xmlns:mv="urn:schemas-microsoft-com:mac:vml" xmlns:p="http://schemas.openxmlformats.org/presentationml/2006/main" mc:Ignorable="mv" mc:PreserveAttributes="mv:*">
+  <p:cSld>
+    <p:spTree>
+      <p:nvGrpSpPr>
+        <p:cNvPr id="1" name=""/>
+        <p:cNvGrpSpPr/>
+        <p:nvPr/>
+      </p:nvGrpSpPr>
+      <p:grpSpPr>
+        <a:xfrm>
+          <a:off x="0" y="0"/>
+          <a:ext cx="0" cy="0"/>
+          <a:chOff x="0" y="0"/>
+          <a:chExt cx="0" cy="0"/>
+        </a:xfrm>
+      </p:grpSpPr>
+      <p:sp>
+        <p:nvSpPr>
+          <p:cNvPr id="2" name="Titre 1"/>
+          <p:cNvSpPr>
+            <a:spLocks noGrp="1"/>
+          </p:cNvSpPr>
+          <p:nvPr>
+            <p:ph type="ctrTitle"/>
+          </p:nvPr>
+        </p:nvSpPr>
+        <p:spPr>
+          <a:xfrm>
+            <a:off x="300038" y="466708"/>
+            <a:ext cx="8629680" cy="819152"/>
+          </a:xfrm>
+        </p:spPr>
+        <p:txBody>
+          <a:bodyPr/>
+          <a:lstStyle/>
+          <a:p>
+            <a:pPr fontAlgn="auto">
+              <a:spcAft>
+                <a:spcPts val="0"/>
+              </a:spcAft>
+              <a:defRPr/>
+            </a:pPr>
+            <a:r>
+              <a:rPr dirty="0" smtClean="0"/>
+              <a:t>Table of Contents</a:t>
+            </a:r>
+            <a:endParaRPr dirty="0"/>
+          </a:p>
+        </p:txBody>
+      </p:sp>
+      <p:sp>
+        <p:nvSpPr>
+          <p:cNvPr id="6147" name="Espace réservé du texte 2"/>
+          <p:cNvSpPr>
+            <a:spLocks noGrp="1"/>
+          </p:cNvSpPr>
+          <p:nvPr>
+            <p:ph type="body" sz="quarter" idx="10"/>
+          </p:nvPr>
+        </p:nvSpPr>
+        <p:spPr bwMode="auto">
+          <a:xfrm>
+            <a:off x="285750" y="2000240"/>
+            <a:ext cx="8501063" cy="4500594"/>
+          </a:xfrm>
+          <a:noFill/>
+          <a:ln>
+            <a:miter lim="800000"/>
+            <a:headEnd/>
+            <a:tailEnd/>
+          </a:ln>
+        </p:spPr>
+        <p:txBody>
+          <a:bodyPr vert="horz" wrap="square" lIns="91440" tIns="45720" rIns="91440" bIns="45720" numCol="1" anchor="t" anchorCtr="0" compatLnSpc="1">
+            <a:prstTxWarp prst="textNoShape">
+              <a:avLst/>
+            </a:prstTxWarp>
+          </a:bodyPr>
+          <a:lstStyle/>
+          <a:p>
+            <a:pPr eaLnBrk="1" hangingPunct="1">
+              <a:buFont typeface="Calibri" pitchFamily="34" charset="0"/>
+              <a:buAutoNum type="arabicPeriod"/>
+            </a:pPr>
+            <a:r>
+              <a:rPr altLang="ko-KR" smtClean="0">
+                <a:ea typeface="굴림" charset="-127"/>
+              </a:rPr>
+              <a:t>ATAM</a:t>
+            </a:r>
+          </a:p>
+          <a:p>
+            <a:pPr eaLnBrk="1" hangingPunct="1">
+              <a:buFont typeface="Calibri" pitchFamily="34" charset="0"/>
+              <a:buAutoNum type="arabicPeriod"/>
+            </a:pPr>
+            <a:endParaRPr altLang="ko-KR" smtClean="0">
+              <a:ea typeface="굴림" charset="-127"/>
+            </a:endParaRPr>
+          </a:p>
+          <a:p>
+            <a:pPr eaLnBrk="1" hangingPunct="1">
+              <a:buFont typeface="Calibri" pitchFamily="34" charset="0"/>
+              <a:buAutoNum type="arabicPeriod"/>
+            </a:pPr>
+            <a:r>
+              <a:rPr altLang="ko-KR" smtClean="0">
+                <a:ea typeface="굴림" charset="-127"/>
+              </a:rPr>
+              <a:t>Utility tree</a:t>
+            </a:r>
+          </a:p>
+          <a:p>
+            <a:pPr eaLnBrk="1" hangingPunct="1">
+              <a:buFont typeface="Calibri" pitchFamily="34" charset="0"/>
+              <a:buAutoNum type="arabicPeriod"/>
+            </a:pPr>
+            <a:endParaRPr altLang="ko-KR" smtClean="0">
+              <a:ea typeface="굴림" charset="-127"/>
+            </a:endParaRPr>
+          </a:p>
+          <a:p>
+            <a:pPr eaLnBrk="1" hangingPunct="1">
+              <a:buFont typeface="Calibri" pitchFamily="34" charset="0"/>
+              <a:buAutoNum type="arabicPeriod"/>
+            </a:pPr>
+            <a:r>
+              <a:rPr altLang="ko-KR" smtClean="0">
+                <a:ea typeface="굴림" charset="-127"/>
+              </a:rPr>
+              <a:t>Scenario</a:t>
+            </a:r>
+          </a:p>
+          <a:p>
+            <a:pPr eaLnBrk="1" hangingPunct="1">
+              <a:buFont typeface="Calibri" pitchFamily="34" charset="0"/>
+              <a:buAutoNum type="arabicPeriod"/>
+            </a:pPr>
+            <a:endParaRPr altLang="ko-KR" dirty="0" smtClean="0">
+              <a:ea typeface="굴림" charset="-127"/>
+            </a:endParaRPr>
+          </a:p>
+          <a:p>
+            <a:pPr eaLnBrk="1" hangingPunct="1">
+              <a:buFont typeface="Calibri" pitchFamily="34" charset="0"/>
+              <a:buAutoNum type="arabicPeriod"/>
+            </a:pPr>
+            <a:endParaRPr altLang="ko-KR" dirty="0" smtClean="0">
+              <a:ea typeface="굴림" charset="-127"/>
+            </a:endParaRPr>
+          </a:p>
+          <a:p>
+            <a:pPr eaLnBrk="1" hangingPunct="1">
+              <a:buNone/>
+            </a:pPr>
+            <a:endParaRPr altLang="ko-KR" dirty="0" smtClean="0">
+              <a:ea typeface="굴림" charset="-127"/>
+            </a:endParaRPr>
+          </a:p>
+          <a:p>
+            <a:pPr lvl="1" eaLnBrk="1" hangingPunct="1">
+              <a:buNone/>
+            </a:pPr>
+            <a:endParaRPr altLang="ko-KR" dirty="0" smtClean="0">
+              <a:ea typeface="굴림" charset="-127"/>
+            </a:endParaRPr>
+          </a:p>
+        </p:txBody>
+      </p:sp>
+    </p:spTree>
+  </p:cSld>
+  <p:clrMapOvr>
+    <a:masterClrMapping/>
+  </p:clrMapOvr>
+  <p:timing>
+    <p:tnLst>
+      <p:par>
+        <p:cTn id="1" dur="indefinite" restart="never" nodeType="tmRoot"/>
+      </p:par>
+    </p:tnLst>
+  </p:timing>
+</p:sld>
+</file>
+
+<file path=ppt/slides/slide3.xml><?xml version="1.0" encoding="utf-8"?>
+<p:sld xmlns:a="http://schemas.openxmlformats.org/drawingml/2006/main" xmlns:r="http://schemas.openxmlformats.org/officeDocument/2006/relationships" xmlns:mc="http://schemas.openxmlformats.org/markup-compatibility/2006" xmlns:mv="urn:schemas-microsoft-com:mac:vml" xmlns:p="http://schemas.openxmlformats.org/presentationml/2006/main" mc:Ignorable="mv" mc:PreserveAttributes="mv:*">
+  <p:cSld>
+    <p:spTree>
+      <p:nvGrpSpPr>
+        <p:cNvPr id="1" name=""/>
+        <p:cNvGrpSpPr/>
+        <p:nvPr/>
+      </p:nvGrpSpPr>
+      <p:grpSpPr>
+        <a:xfrm>
+          <a:off x="0" y="0"/>
+          <a:ext cx="0" cy="0"/>
+          <a:chOff x="0" y="0"/>
+          <a:chExt cx="0" cy="0"/>
+        </a:xfrm>
+      </p:grpSpPr>
+      <p:sp>
+        <p:nvSpPr>
+          <p:cNvPr id="2" name="Titre 1"/>
+          <p:cNvSpPr>
+            <a:spLocks noGrp="1"/>
+          </p:cNvSpPr>
+          <p:nvPr>
+            <p:ph type="ctrTitle"/>
+          </p:nvPr>
+        </p:nvSpPr>
+        <p:spPr/>
+        <p:txBody>
+          <a:bodyPr/>
+          <a:lstStyle/>
+          <a:p>
+            <a:r>
+              <a:rPr lang="en-US" dirty="0" smtClean="0"/>
+              <a:t>1. ATAM introduction</a:t>
+            </a:r>
+            <a:endParaRPr lang="en-US" dirty="0"/>
+          </a:p>
+        </p:txBody>
+      </p:sp>
+      <p:sp>
+        <p:nvSpPr>
+          <p:cNvPr id="3" name="Espace réservé du texte 2"/>
+          <p:cNvSpPr>
+            <a:spLocks noGrp="1"/>
+          </p:cNvSpPr>
+          <p:nvPr>
+            <p:ph type="body" sz="quarter" idx="10"/>
+          </p:nvPr>
+        </p:nvSpPr>
+        <p:spPr/>
+        <p:txBody>
+          <a:bodyPr/>
+          <a:lstStyle/>
+          <a:p>
+            <a:r>
+              <a:rPr b="1" i="1" smtClean="0"/>
+              <a:t>Architecture Tradeoff Analysis Method</a:t>
+            </a:r>
+          </a:p>
+          <a:p>
+            <a:pPr>
+              <a:buNone/>
+            </a:pPr>
+            <a:endParaRPr b="1" smtClean="0"/>
+          </a:p>
+          <a:p>
+            <a:r>
+              <a:rPr lang="en-US" dirty="0" smtClean="0"/>
+              <a:t>Risk identification method to assess the consequences of architectural decisions in light of quality attribute requirements.</a:t>
+            </a:r>
+            <a:endParaRPr lang="en-US" b="1" dirty="0" smtClean="0"/>
+          </a:p>
+          <a:p>
+            <a:r>
+              <a:rPr lang="en-US" dirty="0" smtClean="0"/>
+              <a:t>The ATAM can be done early in the software development life cycle.</a:t>
+            </a:r>
+            <a:endParaRPr smtClean="0"/>
+          </a:p>
+          <a:p>
+            <a:r>
+              <a:rPr lang="en-US" dirty="0" smtClean="0"/>
+              <a:t>It can be done relatively inexpensively and quickly (because it is assessing architectural design artifacts).</a:t>
+            </a:r>
+            <a:endParaRPr smtClean="0"/>
+          </a:p>
+          <a:p>
+            <a:r>
+              <a:rPr lang="en-US" dirty="0" smtClean="0"/>
+              <a:t>The ATAM will produce analyses commensurate with the level of detail of the architectural specification.</a:t>
+            </a:r>
+            <a:endParaRPr smtClean="0"/>
+          </a:p>
+          <a:p>
+            <a:endParaRPr smtClean="0"/>
+          </a:p>
+          <a:p>
+            <a:endParaRPr lang="en-US" dirty="0"/>
+          </a:p>
+        </p:txBody>
+      </p:sp>
+      <p:sp>
+        <p:nvSpPr>
+          <p:cNvPr id="4" name="ZoneTexte 3"/>
+          <p:cNvSpPr txBox="1"/>
+          <p:nvPr/>
+        </p:nvSpPr>
+        <p:spPr>
+          <a:xfrm>
+            <a:off x="500034" y="0"/>
+            <a:ext cx="1558440" cy="276999"/>
+          </a:xfrm>
+          <a:prstGeom prst="rect">
+            <a:avLst/>
+          </a:prstGeom>
+          <a:noFill/>
+          <a:ln>
+            <a:noFill/>
+          </a:ln>
+        </p:spPr>
+        <p:txBody>
+          <a:bodyPr wrap="none" rtlCol="0">
+            <a:spAutoFit/>
+          </a:bodyPr>
+          <a:lstStyle/>
+          <a:p>
+            <a:pPr marL="0" marR="0" indent="0" algn="l" defTabSz="914400" rtl="0" eaLnBrk="1" fontAlgn="auto" latinLnBrk="0" hangingPunct="1">
+              <a:lnSpc>
+                <a:spcPct val="100000"/>
+              </a:lnSpc>
+              <a:spcBef>
+                <a:spcPct val="20000"/>
+              </a:spcBef>
+              <a:spcAft>
+                <a:spcPts val="0"/>
+              </a:spcAft>
+              <a:buClrTx/>
+              <a:buSzTx/>
+              <a:buFontTx/>
+              <a:buNone/>
+              <a:tabLst/>
+            </a:pPr>
+            <a:r>
+              <a:rPr lang="fr-FR" sz="1200" kern="0" dirty="0" err="1" smtClean="0">
+                <a:solidFill>
+                  <a:schemeClr val="tx1">
+                    <a:lumMod val="50000"/>
+                    <a:lumOff val="50000"/>
+                  </a:schemeClr>
+                </a:solidFill>
+                <a:latin typeface="+mn-lt"/>
+                <a:cs typeface="+mn-cs"/>
+              </a:rPr>
+              <a:t>Why</a:t>
+            </a:r>
+            <a:r>
+              <a:rPr lang="fr-FR" sz="1200" kern="0" dirty="0" smtClean="0">
+                <a:solidFill>
+                  <a:schemeClr val="tx1">
+                    <a:lumMod val="50000"/>
+                    <a:lumOff val="50000"/>
+                  </a:schemeClr>
+                </a:solidFill>
+                <a:latin typeface="+mn-lt"/>
+                <a:cs typeface="+mn-cs"/>
+              </a:rPr>
+              <a:t> do </a:t>
+            </a:r>
+            <a:r>
+              <a:rPr lang="fr-FR" sz="1200" kern="0" dirty="0" err="1" smtClean="0">
+                <a:solidFill>
+                  <a:schemeClr val="tx1">
+                    <a:lumMod val="50000"/>
+                    <a:lumOff val="50000"/>
+                  </a:schemeClr>
+                </a:solidFill>
+                <a:latin typeface="+mn-lt"/>
+                <a:cs typeface="+mn-cs"/>
+              </a:rPr>
+              <a:t>we</a:t>
+            </a:r>
+            <a:r>
+              <a:rPr lang="fr-FR" sz="1200" kern="0" dirty="0" smtClean="0">
+                <a:solidFill>
+                  <a:schemeClr val="tx1">
+                    <a:lumMod val="50000"/>
+                    <a:lumOff val="50000"/>
+                  </a:schemeClr>
+                </a:solidFill>
+                <a:latin typeface="+mn-lt"/>
+                <a:cs typeface="+mn-cs"/>
+              </a:rPr>
+              <a:t> use </a:t>
+            </a:r>
+            <a:r>
+              <a:rPr lang="fr-FR" sz="1200" kern="0" dirty="0" err="1" smtClean="0">
+                <a:solidFill>
+                  <a:schemeClr val="tx1">
+                    <a:lumMod val="50000"/>
+                    <a:lumOff val="50000"/>
+                  </a:schemeClr>
+                </a:solidFill>
+                <a:latin typeface="+mn-lt"/>
+                <a:cs typeface="+mn-cs"/>
+              </a:rPr>
+              <a:t>ADLs</a:t>
+            </a:r>
+            <a:r>
+              <a:rPr lang="fr-FR" sz="1200" kern="0" dirty="0" smtClean="0">
+                <a:solidFill>
+                  <a:schemeClr val="tx1">
+                    <a:lumMod val="50000"/>
+                    <a:lumOff val="50000"/>
+                  </a:schemeClr>
+                </a:solidFill>
+                <a:latin typeface="+mn-lt"/>
+                <a:cs typeface="+mn-cs"/>
+              </a:rPr>
+              <a:t>?</a:t>
+            </a:r>
+            <a:endParaRPr kumimoji="0" lang="fr-FR" sz="1200" b="1" i="0" u="sng" strike="noStrike" kern="0" cap="none" spc="0" normalizeH="0" baseline="0" noProof="0" dirty="0" smtClean="0">
+              <a:ln>
+                <a:noFill/>
+              </a:ln>
+              <a:effectLst/>
+              <a:uLnTx/>
+              <a:uFillTx/>
+              <a:latin typeface="+mn-lt"/>
+              <a:ea typeface="+mn-ea"/>
+              <a:cs typeface="+mn-cs"/>
+            </a:endParaRPr>
+          </a:p>
+        </p:txBody>
+      </p:sp>
+      <p:sp>
+        <p:nvSpPr>
+          <p:cNvPr id="5" name="ZoneTexte 4"/>
+          <p:cNvSpPr txBox="1"/>
+          <p:nvPr/>
+        </p:nvSpPr>
+        <p:spPr>
+          <a:xfrm>
+            <a:off x="2786050" y="0"/>
+            <a:ext cx="861133" cy="276999"/>
+          </a:xfrm>
+          <a:prstGeom prst="rect">
+            <a:avLst/>
+          </a:prstGeom>
+          <a:noFill/>
+          <a:ln>
+            <a:noFill/>
+          </a:ln>
+        </p:spPr>
+        <p:txBody>
+          <a:bodyPr wrap="none" rtlCol="0">
+            <a:spAutoFit/>
+          </a:bodyPr>
+          <a:lstStyle/>
+          <a:p>
+            <a:pPr fontAlgn="auto">
+              <a:spcBef>
+                <a:spcPct val="20000"/>
+              </a:spcBef>
+              <a:spcAft>
+                <a:spcPts val="0"/>
+              </a:spcAft>
+            </a:pPr>
+            <a:r>
+              <a:rPr lang="fr-FR" sz="1200" kern="0" dirty="0" err="1" smtClean="0">
+                <a:solidFill>
+                  <a:schemeClr val="tx1">
+                    <a:lumMod val="50000"/>
+                    <a:lumOff val="50000"/>
+                  </a:schemeClr>
+                </a:solidFill>
+                <a:latin typeface="+mn-lt"/>
+                <a:cs typeface="+mn-cs"/>
+              </a:rPr>
+              <a:t>ADLChoice</a:t>
+            </a:r>
+            <a:endParaRPr lang="fr-FR" sz="1200" kern="0" dirty="0" smtClean="0">
+              <a:solidFill>
+                <a:schemeClr val="tx1">
+                  <a:lumMod val="50000"/>
+                  <a:lumOff val="50000"/>
+                </a:schemeClr>
+              </a:solidFill>
+              <a:latin typeface="+mn-lt"/>
+              <a:cs typeface="+mn-cs"/>
+            </a:endParaRPr>
+          </a:p>
+        </p:txBody>
+      </p:sp>
+      <p:sp>
+        <p:nvSpPr>
+          <p:cNvPr id="6" name="ZoneTexte 5"/>
+          <p:cNvSpPr txBox="1"/>
+          <p:nvPr/>
+        </p:nvSpPr>
+        <p:spPr>
+          <a:xfrm>
+            <a:off x="4572000" y="0"/>
+            <a:ext cx="1418978" cy="276999"/>
+          </a:xfrm>
+          <a:prstGeom prst="rect">
+            <a:avLst/>
+          </a:prstGeom>
+          <a:noFill/>
+          <a:ln>
+            <a:noFill/>
+          </a:ln>
+        </p:spPr>
+        <p:txBody>
+          <a:bodyPr wrap="none" rtlCol="0">
+            <a:spAutoFit/>
+          </a:bodyPr>
+          <a:lstStyle/>
+          <a:p>
+            <a:pPr marL="0" marR="0" indent="0" algn="l" defTabSz="914400" rtl="0" eaLnBrk="1" fontAlgn="auto" latinLnBrk="0" hangingPunct="1">
+              <a:lnSpc>
+                <a:spcPct val="100000"/>
+              </a:lnSpc>
+              <a:spcBef>
+                <a:spcPct val="20000"/>
+              </a:spcBef>
+              <a:spcAft>
+                <a:spcPts val="0"/>
+              </a:spcAft>
+              <a:buClrTx/>
+              <a:buSzTx/>
+              <a:buFontTx/>
+              <a:buNone/>
+              <a:tabLst/>
+            </a:pPr>
+            <a:r>
+              <a:rPr lang="fr-FR" sz="1200" kern="0" dirty="0" err="1" smtClean="0">
+                <a:solidFill>
+                  <a:schemeClr val="tx1">
+                    <a:lumMod val="50000"/>
+                    <a:lumOff val="50000"/>
+                  </a:schemeClr>
+                </a:solidFill>
+                <a:latin typeface="+mn-lt"/>
+                <a:cs typeface="+mn-cs"/>
+              </a:rPr>
+              <a:t>ACME</a:t>
+            </a:r>
+            <a:r>
+              <a:rPr kumimoji="0" lang="fr-FR" sz="1200" i="0" u="none" strike="noStrike" kern="0" cap="none" spc="0" normalizeH="0" baseline="0" noProof="0" dirty="0" smtClean="0">
+                <a:ln>
+                  <a:noFill/>
+                </a:ln>
+                <a:solidFill>
+                  <a:schemeClr val="tx1">
+                    <a:lumMod val="50000"/>
+                    <a:lumOff val="50000"/>
+                  </a:schemeClr>
+                </a:solidFill>
+                <a:effectLst/>
+                <a:uLnTx/>
+                <a:uFillTx/>
+                <a:latin typeface="+mn-lt"/>
+                <a:ea typeface="+mn-ea"/>
+                <a:cs typeface="+mn-cs"/>
+              </a:rPr>
+              <a:t> </a:t>
+            </a:r>
+            <a:r>
+              <a:rPr lang="fr-FR" sz="1200" kern="0" dirty="0" err="1" smtClean="0">
+                <a:solidFill>
+                  <a:schemeClr val="tx1">
+                    <a:lumMod val="50000"/>
+                    <a:lumOff val="50000"/>
+                  </a:schemeClr>
+                </a:solidFill>
+                <a:latin typeface="+mn-lt"/>
+                <a:cs typeface="+mn-cs"/>
+              </a:rPr>
+              <a:t>Presentation</a:t>
+            </a:r>
+          </a:p>
+        </p:txBody>
+      </p:sp>
+      <p:sp>
+        <p:nvSpPr>
+          <p:cNvPr id="7" name="ZoneTexte 6"/>
+          <p:cNvSpPr txBox="1"/>
+          <p:nvPr/>
+        </p:nvSpPr>
+        <p:spPr>
+          <a:xfrm>
+            <a:off x="6786578" y="0"/>
+            <a:ext cx="1407758" cy="276999"/>
+          </a:xfrm>
+          <a:prstGeom prst="rect">
+            <a:avLst/>
+          </a:prstGeom>
+          <a:noFill/>
+          <a:ln>
+            <a:noFill/>
+          </a:ln>
+        </p:spPr>
+        <p:txBody>
+          <a:bodyPr wrap="none" rtlCol="0">
+            <a:spAutoFit/>
+          </a:bodyPr>
+          <a:lstStyle/>
+          <a:p>
+            <a:pPr marL="0" marR="0" indent="0" algn="l" defTabSz="914400" rtl="0" eaLnBrk="1" fontAlgn="auto" latinLnBrk="0" hangingPunct="1">
+              <a:lnSpc>
+                <a:spcPct val="100000"/>
+              </a:lnSpc>
+              <a:spcBef>
+                <a:spcPct val="20000"/>
+              </a:spcBef>
+              <a:spcAft>
+                <a:spcPts val="0"/>
+              </a:spcAft>
+              <a:buClrTx/>
+              <a:buSzTx/>
+              <a:buFontTx/>
+              <a:buNone/>
+              <a:tabLst/>
+            </a:pPr>
+            <a:r>
+              <a:rPr lang="fr-FR" sz="1200" b="1" u="sng" kern="0" dirty="0" smtClean="0">
+                <a:latin typeface="+mn-lt"/>
+                <a:cs typeface="+mn-cs"/>
+              </a:rPr>
+              <a:t>ATAM</a:t>
+            </a:r>
+            <a:r>
+              <a:rPr kumimoji="0" lang="fr-FR" sz="1200" i="0" u="none" strike="noStrike" kern="0" cap="none" spc="0" normalizeH="0" baseline="0" noProof="0" dirty="0" smtClean="0">
+                <a:ln>
+                  <a:noFill/>
+                </a:ln>
+                <a:solidFill>
+                  <a:schemeClr val="tx1">
+                    <a:lumMod val="50000"/>
+                    <a:lumOff val="50000"/>
+                  </a:schemeClr>
+                </a:solidFill>
+                <a:effectLst/>
+                <a:uLnTx/>
+                <a:uFillTx/>
+                <a:latin typeface="+mn-lt"/>
+                <a:ea typeface="+mn-ea"/>
+                <a:cs typeface="+mn-cs"/>
+              </a:rPr>
+              <a:t> </a:t>
+            </a:r>
+            <a:r>
+              <a:rPr lang="fr-FR" sz="1200" b="1" u="sng" kern="0" dirty="0" smtClean="0">
+                <a:latin typeface="+mn-lt"/>
+                <a:cs typeface="+mn-cs"/>
+              </a:rPr>
+              <a:t>introduction</a:t>
+            </a:r>
+          </a:p>
+        </p:txBody>
+      </p:sp>
+    </p:spTree>
+  </p:cSld>
+  <p:clrMapOvr>
+    <a:masterClrMapping/>
+  </p:clrMapOvr>
+  <p:timing>
+    <p:tnLst>
+      <p:par>
+        <p:cTn id="1" dur="indefinite" restart="never" nodeType="tmRoot"/>
+      </p:par>
+    </p:tnLst>
+  </p:timing>
+</p:sld>
+</file>
+
+<file path=ppt/slides/slide4.xml><?xml version="1.0" encoding="utf-8"?>
+<p:sld xmlns:a="http://schemas.openxmlformats.org/drawingml/2006/main" xmlns:r="http://schemas.openxmlformats.org/officeDocument/2006/relationships" xmlns:mc="http://schemas.openxmlformats.org/markup-compatibility/2006" xmlns:mv="urn:schemas-microsoft-com:mac:vml" xmlns:p="http://schemas.openxmlformats.org/presentationml/2006/main" mc:Ignorable="mv" mc:PreserveAttributes="mv:*">
+  <p:cSld>
+    <p:spTree>
+      <p:nvGrpSpPr>
+        <p:cNvPr id="1" name=""/>
+        <p:cNvGrpSpPr/>
+        <p:nvPr/>
+      </p:nvGrpSpPr>
+      <p:grpSpPr>
+        <a:xfrm>
+          <a:off x="0" y="0"/>
+          <a:ext cx="0" cy="0"/>
+          <a:chOff x="0" y="0"/>
+          <a:chExt cx="0" cy="0"/>
+        </a:xfrm>
+      </p:grpSpPr>
+      <p:sp>
+        <p:nvSpPr>
+          <p:cNvPr id="2" name="Titre 1"/>
+          <p:cNvSpPr>
+            <a:spLocks noGrp="1"/>
+          </p:cNvSpPr>
+          <p:nvPr>
+            <p:ph type="ctrTitle"/>
+          </p:nvPr>
+        </p:nvSpPr>
+        <p:spPr/>
+        <p:txBody>
+          <a:bodyPr/>
+          <a:lstStyle/>
+          <a:p>
+            <a:r>
+              <a:rPr lang="en-US" dirty="0" smtClean="0"/>
+              <a:t>1. ATAM goals</a:t>
+            </a:r>
+            <a:endParaRPr lang="en-US" dirty="0"/>
+          </a:p>
+        </p:txBody>
+      </p:sp>
+      <p:sp>
+        <p:nvSpPr>
+          <p:cNvPr id="3" name="Espace réservé du texte 2"/>
+          <p:cNvSpPr>
+            <a:spLocks noGrp="1"/>
+          </p:cNvSpPr>
+          <p:nvPr>
+            <p:ph type="body" sz="quarter" idx="10"/>
+          </p:nvPr>
+        </p:nvSpPr>
+        <p:spPr/>
+        <p:txBody>
+          <a:bodyPr/>
+          <a:lstStyle/>
+          <a:p>
+            <a:r>
+              <a:rPr lang="en-US" sz="2800" dirty="0" smtClean="0"/>
+              <a:t>Three of the major goals of ATAM are to:</a:t>
+            </a:r>
+            <a:endParaRPr sz="2800" smtClean="0"/>
+          </a:p>
+          <a:p>
+            <a:pPr lvl="1"/>
+            <a:r>
+              <a:rPr lang="en-US" sz="2400" dirty="0" smtClean="0"/>
+              <a:t>elicit and refine a precise statement of the architecture’s driving quality attribute requirements</a:t>
+            </a:r>
+            <a:endParaRPr sz="2400" smtClean="0"/>
+          </a:p>
+          <a:p>
+            <a:pPr lvl="1"/>
+            <a:r>
+              <a:rPr lang="en-US" sz="2400" dirty="0" smtClean="0"/>
+              <a:t>elicit and refine a precise statement of the architectural design decisions</a:t>
+            </a:r>
+            <a:endParaRPr sz="2400" smtClean="0"/>
+          </a:p>
+          <a:p>
+            <a:pPr lvl="1"/>
+            <a:r>
+              <a:rPr lang="en-US" sz="2400" dirty="0" smtClean="0"/>
+              <a:t>evaluate the architectural design decisions to determine if they satisfactorily address the quality requirements</a:t>
+            </a:r>
+            <a:endParaRPr sz="2400" smtClean="0"/>
+          </a:p>
+          <a:p>
+            <a:endParaRPr lang="en-US" sz="2800" dirty="0" smtClean="0"/>
+          </a:p>
+          <a:p>
+            <a:endParaRPr lang="en-US" sz="2800" dirty="0"/>
+          </a:p>
+        </p:txBody>
+      </p:sp>
+      <p:sp>
+        <p:nvSpPr>
+          <p:cNvPr id="4" name="ZoneTexte 3"/>
+          <p:cNvSpPr txBox="1"/>
+          <p:nvPr/>
+        </p:nvSpPr>
+        <p:spPr>
+          <a:xfrm>
+            <a:off x="500034" y="0"/>
+            <a:ext cx="1558440" cy="276999"/>
+          </a:xfrm>
+          <a:prstGeom prst="rect">
+            <a:avLst/>
+          </a:prstGeom>
+          <a:noFill/>
+          <a:ln>
+            <a:noFill/>
+          </a:ln>
+        </p:spPr>
+        <p:txBody>
+          <a:bodyPr wrap="none" rtlCol="0">
+            <a:spAutoFit/>
+          </a:bodyPr>
+          <a:lstStyle/>
+          <a:p>
+            <a:pPr marL="0" marR="0" indent="0" algn="l" defTabSz="914400" rtl="0" eaLnBrk="1" fontAlgn="auto" latinLnBrk="0" hangingPunct="1">
+              <a:lnSpc>
+                <a:spcPct val="100000"/>
+              </a:lnSpc>
+              <a:spcBef>
+                <a:spcPct val="20000"/>
+              </a:spcBef>
+              <a:spcAft>
+                <a:spcPts val="0"/>
+              </a:spcAft>
+              <a:buClrTx/>
+              <a:buSzTx/>
+              <a:buFontTx/>
+              <a:buNone/>
+              <a:tabLst/>
+            </a:pPr>
+            <a:r>
+              <a:rPr lang="fr-FR" sz="1200" kern="0" dirty="0" err="1" smtClean="0">
+                <a:solidFill>
+                  <a:schemeClr val="tx1">
+                    <a:lumMod val="50000"/>
+                    <a:lumOff val="50000"/>
+                  </a:schemeClr>
+                </a:solidFill>
+                <a:latin typeface="+mn-lt"/>
+                <a:cs typeface="+mn-cs"/>
+              </a:rPr>
+              <a:t>Why</a:t>
+            </a:r>
+            <a:r>
+              <a:rPr lang="fr-FR" sz="1200" kern="0" dirty="0" smtClean="0">
+                <a:solidFill>
+                  <a:schemeClr val="tx1">
+                    <a:lumMod val="50000"/>
+                    <a:lumOff val="50000"/>
+                  </a:schemeClr>
+                </a:solidFill>
+                <a:latin typeface="+mn-lt"/>
+                <a:cs typeface="+mn-cs"/>
+              </a:rPr>
+              <a:t> do </a:t>
+            </a:r>
+            <a:r>
+              <a:rPr lang="fr-FR" sz="1200" kern="0" dirty="0" err="1" smtClean="0">
+                <a:solidFill>
+                  <a:schemeClr val="tx1">
+                    <a:lumMod val="50000"/>
+                    <a:lumOff val="50000"/>
+                  </a:schemeClr>
+                </a:solidFill>
+                <a:latin typeface="+mn-lt"/>
+                <a:cs typeface="+mn-cs"/>
+              </a:rPr>
+              <a:t>we</a:t>
+            </a:r>
+            <a:r>
+              <a:rPr lang="fr-FR" sz="1200" kern="0" dirty="0" smtClean="0">
+                <a:solidFill>
+                  <a:schemeClr val="tx1">
+                    <a:lumMod val="50000"/>
+                    <a:lumOff val="50000"/>
+                  </a:schemeClr>
+                </a:solidFill>
+                <a:latin typeface="+mn-lt"/>
+                <a:cs typeface="+mn-cs"/>
+              </a:rPr>
+              <a:t> use </a:t>
+            </a:r>
+            <a:r>
+              <a:rPr lang="fr-FR" sz="1200" kern="0" dirty="0" err="1" smtClean="0">
+                <a:solidFill>
+                  <a:schemeClr val="tx1">
+                    <a:lumMod val="50000"/>
+                    <a:lumOff val="50000"/>
+                  </a:schemeClr>
+                </a:solidFill>
+                <a:latin typeface="+mn-lt"/>
+                <a:cs typeface="+mn-cs"/>
+              </a:rPr>
+              <a:t>ADLs</a:t>
+            </a:r>
+            <a:r>
+              <a:rPr lang="fr-FR" sz="1200" kern="0" dirty="0" smtClean="0">
+                <a:solidFill>
+                  <a:schemeClr val="tx1">
+                    <a:lumMod val="50000"/>
+                    <a:lumOff val="50000"/>
+                  </a:schemeClr>
+                </a:solidFill>
+                <a:latin typeface="+mn-lt"/>
+                <a:cs typeface="+mn-cs"/>
+              </a:rPr>
+              <a:t>?</a:t>
+            </a:r>
+            <a:endParaRPr kumimoji="0" lang="fr-FR" sz="1200" b="1" i="0" u="sng" strike="noStrike" kern="0" cap="none" spc="0" normalizeH="0" baseline="0" noProof="0" dirty="0" smtClean="0">
+              <a:ln>
+                <a:noFill/>
+              </a:ln>
+              <a:effectLst/>
+              <a:uLnTx/>
+              <a:uFillTx/>
+              <a:latin typeface="+mn-lt"/>
+              <a:ea typeface="+mn-ea"/>
+              <a:cs typeface="+mn-cs"/>
+            </a:endParaRPr>
+          </a:p>
+        </p:txBody>
+      </p:sp>
+      <p:sp>
+        <p:nvSpPr>
+          <p:cNvPr id="5" name="ZoneTexte 4"/>
+          <p:cNvSpPr txBox="1"/>
+          <p:nvPr/>
+        </p:nvSpPr>
+        <p:spPr>
+          <a:xfrm>
+            <a:off x="2786050" y="0"/>
+            <a:ext cx="861133" cy="276999"/>
+          </a:xfrm>
+          <a:prstGeom prst="rect">
+            <a:avLst/>
+          </a:prstGeom>
+          <a:noFill/>
+          <a:ln>
+            <a:noFill/>
+          </a:ln>
+        </p:spPr>
+        <p:txBody>
+          <a:bodyPr wrap="none" rtlCol="0">
+            <a:spAutoFit/>
+          </a:bodyPr>
+          <a:lstStyle/>
+          <a:p>
+            <a:pPr fontAlgn="auto">
+              <a:spcBef>
+                <a:spcPct val="20000"/>
+              </a:spcBef>
+              <a:spcAft>
+                <a:spcPts val="0"/>
+              </a:spcAft>
+            </a:pPr>
+            <a:r>
+              <a:rPr lang="fr-FR" sz="1200" kern="0" dirty="0" err="1" smtClean="0">
+                <a:solidFill>
+                  <a:schemeClr val="tx1">
+                    <a:lumMod val="50000"/>
+                    <a:lumOff val="50000"/>
+                  </a:schemeClr>
+                </a:solidFill>
+                <a:latin typeface="+mn-lt"/>
+                <a:cs typeface="+mn-cs"/>
+              </a:rPr>
+              <a:t>ADLChoice</a:t>
+            </a:r>
+            <a:endParaRPr lang="fr-FR" sz="1200" kern="0" dirty="0" smtClean="0">
+              <a:solidFill>
+                <a:schemeClr val="tx1">
+                  <a:lumMod val="50000"/>
+                  <a:lumOff val="50000"/>
+                </a:schemeClr>
+              </a:solidFill>
+              <a:latin typeface="+mn-lt"/>
+              <a:cs typeface="+mn-cs"/>
+            </a:endParaRPr>
+          </a:p>
+        </p:txBody>
+      </p:sp>
+      <p:sp>
+        <p:nvSpPr>
+          <p:cNvPr id="6" name="ZoneTexte 5"/>
+          <p:cNvSpPr txBox="1"/>
+          <p:nvPr/>
+        </p:nvSpPr>
+        <p:spPr>
+          <a:xfrm>
+            <a:off x="4572000" y="0"/>
+            <a:ext cx="1418978" cy="276999"/>
+          </a:xfrm>
+          <a:prstGeom prst="rect">
+            <a:avLst/>
+          </a:prstGeom>
+          <a:noFill/>
+          <a:ln>
+            <a:noFill/>
+          </a:ln>
+        </p:spPr>
+        <p:txBody>
+          <a:bodyPr wrap="none" rtlCol="0">
+            <a:spAutoFit/>
+          </a:bodyPr>
+          <a:lstStyle/>
+          <a:p>
+            <a:pPr marL="0" marR="0" indent="0" algn="l" defTabSz="914400" rtl="0" eaLnBrk="1" fontAlgn="auto" latinLnBrk="0" hangingPunct="1">
+              <a:lnSpc>
+                <a:spcPct val="100000"/>
+              </a:lnSpc>
+              <a:spcBef>
+                <a:spcPct val="20000"/>
+              </a:spcBef>
+              <a:spcAft>
+                <a:spcPts val="0"/>
+              </a:spcAft>
+              <a:buClrTx/>
+              <a:buSzTx/>
+              <a:buFontTx/>
+              <a:buNone/>
+              <a:tabLst/>
+            </a:pPr>
+            <a:r>
+              <a:rPr lang="fr-FR" sz="1200" kern="0" dirty="0" err="1" smtClean="0">
+                <a:solidFill>
+                  <a:schemeClr val="tx1">
+                    <a:lumMod val="50000"/>
+                    <a:lumOff val="50000"/>
+                  </a:schemeClr>
+                </a:solidFill>
+                <a:latin typeface="+mn-lt"/>
+                <a:cs typeface="+mn-cs"/>
+              </a:rPr>
+              <a:t>ACME</a:t>
+            </a:r>
+            <a:r>
+              <a:rPr kumimoji="0" lang="fr-FR" sz="1200" i="0" u="none" strike="noStrike" kern="0" cap="none" spc="0" normalizeH="0" baseline="0" noProof="0" dirty="0" smtClean="0">
+                <a:ln>
+                  <a:noFill/>
+                </a:ln>
+                <a:solidFill>
+                  <a:schemeClr val="tx1">
+                    <a:lumMod val="50000"/>
+                    <a:lumOff val="50000"/>
+                  </a:schemeClr>
+                </a:solidFill>
+                <a:effectLst/>
+                <a:uLnTx/>
+                <a:uFillTx/>
+                <a:latin typeface="+mn-lt"/>
+                <a:ea typeface="+mn-ea"/>
+                <a:cs typeface="+mn-cs"/>
+              </a:rPr>
+              <a:t> </a:t>
+            </a:r>
+            <a:r>
+              <a:rPr lang="fr-FR" sz="1200" kern="0" dirty="0" err="1" smtClean="0">
+                <a:solidFill>
+                  <a:schemeClr val="tx1">
+                    <a:lumMod val="50000"/>
+                    <a:lumOff val="50000"/>
+                  </a:schemeClr>
+                </a:solidFill>
+                <a:latin typeface="+mn-lt"/>
+                <a:cs typeface="+mn-cs"/>
+              </a:rPr>
+              <a:t>Presentation</a:t>
+            </a:r>
+          </a:p>
+        </p:txBody>
+      </p:sp>
+      <p:sp>
+        <p:nvSpPr>
+          <p:cNvPr id="7" name="ZoneTexte 6"/>
+          <p:cNvSpPr txBox="1"/>
+          <p:nvPr/>
+        </p:nvSpPr>
+        <p:spPr>
+          <a:xfrm>
+            <a:off x="6786578" y="0"/>
+            <a:ext cx="1407758" cy="276999"/>
+          </a:xfrm>
+          <a:prstGeom prst="rect">
+            <a:avLst/>
+          </a:prstGeom>
+          <a:noFill/>
+          <a:ln>
+            <a:noFill/>
+          </a:ln>
+        </p:spPr>
+        <p:txBody>
+          <a:bodyPr wrap="none" rtlCol="0">
+            <a:spAutoFit/>
+          </a:bodyPr>
+          <a:lstStyle/>
+          <a:p>
+            <a:pPr marL="0" marR="0" indent="0" algn="l" defTabSz="914400" rtl="0" eaLnBrk="1" fontAlgn="auto" latinLnBrk="0" hangingPunct="1">
+              <a:lnSpc>
+                <a:spcPct val="100000"/>
+              </a:lnSpc>
+              <a:spcBef>
+                <a:spcPct val="20000"/>
+              </a:spcBef>
+              <a:spcAft>
+                <a:spcPts val="0"/>
+              </a:spcAft>
+              <a:buClrTx/>
+              <a:buSzTx/>
+              <a:buFontTx/>
+              <a:buNone/>
+              <a:tabLst/>
+            </a:pPr>
+            <a:r>
+              <a:rPr lang="fr-FR" sz="1200" b="1" u="sng" kern="0" dirty="0" smtClean="0">
+                <a:latin typeface="+mn-lt"/>
+                <a:cs typeface="+mn-cs"/>
+              </a:rPr>
+              <a:t>ATAM</a:t>
+            </a:r>
+            <a:r>
+              <a:rPr kumimoji="0" lang="fr-FR" sz="1200" i="0" u="none" strike="noStrike" kern="0" cap="none" spc="0" normalizeH="0" baseline="0" noProof="0" dirty="0" smtClean="0">
+                <a:ln>
+                  <a:noFill/>
+                </a:ln>
+                <a:solidFill>
+                  <a:schemeClr val="tx1">
+                    <a:lumMod val="50000"/>
+                    <a:lumOff val="50000"/>
+                  </a:schemeClr>
+                </a:solidFill>
+                <a:effectLst/>
+                <a:uLnTx/>
+                <a:uFillTx/>
+                <a:latin typeface="+mn-lt"/>
+                <a:ea typeface="+mn-ea"/>
+                <a:cs typeface="+mn-cs"/>
+              </a:rPr>
+              <a:t> </a:t>
+            </a:r>
+            <a:r>
+              <a:rPr lang="fr-FR" sz="1200" b="1" u="sng" kern="0" dirty="0" smtClean="0">
+                <a:latin typeface="+mn-lt"/>
+                <a:cs typeface="+mn-cs"/>
+              </a:rPr>
+              <a:t>introduction</a:t>
+            </a:r>
+          </a:p>
+        </p:txBody>
+      </p:sp>
+    </p:spTree>
+  </p:cSld>
+  <p:clrMapOvr>
+    <a:masterClrMapping/>
+  </p:clrMapOvr>
+</p:sld>
+</file>
+
+<file path=ppt/slides/slide5.xml><?xml version="1.0" encoding="utf-8"?>
+<p:sld xmlns:a="http://schemas.openxmlformats.org/drawingml/2006/main" xmlns:r="http://schemas.openxmlformats.org/officeDocument/2006/relationships" xmlns:mc="http://schemas.openxmlformats.org/markup-compatibility/2006" xmlns:mv="urn:schemas-microsoft-com:mac:vml" xmlns:p="http://schemas.openxmlformats.org/presentationml/2006/main" mc:Ignorable="mv" mc:PreserveAttributes="mv:*">
+  <p:cSld>
+    <p:spTree>
+      <p:nvGrpSpPr>
+        <p:cNvPr id="1" name=""/>
+        <p:cNvGrpSpPr/>
+        <p:nvPr/>
+      </p:nvGrpSpPr>
+      <p:grpSpPr>
+        <a:xfrm>
+          <a:off x="0" y="0"/>
+          <a:ext cx="0" cy="0"/>
+          <a:chOff x="0" y="0"/>
+          <a:chExt cx="0" cy="0"/>
+        </a:xfrm>
+      </p:grpSpPr>
+      <p:sp>
+        <p:nvSpPr>
+          <p:cNvPr id="2" name="Titre 1"/>
+          <p:cNvSpPr>
+            <a:spLocks noGrp="1"/>
+          </p:cNvSpPr>
+          <p:nvPr>
+            <p:ph type="ctrTitle"/>
+          </p:nvPr>
+        </p:nvSpPr>
+        <p:spPr/>
+        <p:txBody>
+          <a:bodyPr/>
+          <a:lstStyle/>
+          <a:p>
+            <a:r>
+              <a:rPr lang="en-US" dirty="0" smtClean="0"/>
+              <a:t>1. ATAM evaluation</a:t>
+            </a:r>
+            <a:endParaRPr lang="en-US" dirty="0"/>
+          </a:p>
+        </p:txBody>
+      </p:sp>
+      <p:sp>
+        <p:nvSpPr>
+          <p:cNvPr id="3" name="Espace réservé du texte 2"/>
+          <p:cNvSpPr>
+            <a:spLocks noGrp="1"/>
+          </p:cNvSpPr>
+          <p:nvPr>
+            <p:ph type="body" sz="quarter" idx="10"/>
+          </p:nvPr>
+        </p:nvSpPr>
+        <p:spPr/>
+        <p:txBody>
+          <a:bodyPr/>
+          <a:lstStyle/>
+          <a:p>
+            <a:r>
+              <a:rPr lang="en-US" dirty="0" smtClean="0"/>
+              <a:t>The output of an ATAM is an out-brief presentation and/or a written report that includes the major findings of the evaluation. </a:t>
+            </a:r>
+          </a:p>
+          <a:p>
+            <a:endParaRPr lang="en-US" dirty="0" smtClean="0"/>
+          </a:p>
+          <a:p>
+            <a:r>
+              <a:rPr lang="en-US" dirty="0" smtClean="0"/>
+              <a:t>These are typically</a:t>
+            </a:r>
+          </a:p>
+          <a:p>
+            <a:pPr lvl="1"/>
+            <a:r>
+              <a:rPr lang="en-US" sz="2400" dirty="0" smtClean="0"/>
+              <a:t>the architectural styles identified</a:t>
+            </a:r>
+          </a:p>
+          <a:p>
+            <a:pPr lvl="1"/>
+            <a:r>
+              <a:rPr lang="en-US" sz="2400" dirty="0" smtClean="0"/>
+              <a:t>a "utility tree" — a hierarchic model of the driving architectural requirements</a:t>
+            </a:r>
+          </a:p>
+          <a:p>
+            <a:pPr lvl="1"/>
+            <a:r>
+              <a:rPr lang="en-US" sz="2400" dirty="0" smtClean="0"/>
+              <a:t>the tradeoff points</a:t>
+            </a:r>
+          </a:p>
+          <a:p>
+            <a:pPr lvl="1"/>
+            <a:r>
+              <a:rPr lang="en-US" sz="2400" dirty="0" smtClean="0"/>
+              <a:t>the sensitivity points</a:t>
+            </a:r>
+          </a:p>
+          <a:p>
+            <a:pPr lvl="1"/>
+            <a:r>
+              <a:rPr lang="en-US" sz="2400" dirty="0" smtClean="0"/>
+              <a:t>a set of identified risks</a:t>
+            </a:r>
+          </a:p>
+          <a:p>
+            <a:pPr lvl="1"/>
+            <a:r>
+              <a:rPr lang="en-US" sz="2400" dirty="0" smtClean="0"/>
+              <a:t>a set of identified non-risks</a:t>
+            </a:r>
+          </a:p>
+          <a:p>
+            <a:endParaRPr lang="en-US" dirty="0"/>
+          </a:p>
+        </p:txBody>
+      </p:sp>
+      <p:sp>
+        <p:nvSpPr>
+          <p:cNvPr id="4" name="ZoneTexte 3"/>
+          <p:cNvSpPr txBox="1"/>
+          <p:nvPr/>
+        </p:nvSpPr>
+        <p:spPr>
+          <a:xfrm>
+            <a:off x="500034" y="0"/>
+            <a:ext cx="1558440" cy="276999"/>
+          </a:xfrm>
+          <a:prstGeom prst="rect">
+            <a:avLst/>
+          </a:prstGeom>
+          <a:noFill/>
+          <a:ln>
+            <a:noFill/>
+          </a:ln>
+        </p:spPr>
+        <p:txBody>
+          <a:bodyPr wrap="none" rtlCol="0">
+            <a:spAutoFit/>
+          </a:bodyPr>
+          <a:lstStyle/>
+          <a:p>
+            <a:pPr marL="0" marR="0" indent="0" algn="l" defTabSz="914400" rtl="0" eaLnBrk="1" fontAlgn="auto" latinLnBrk="0" hangingPunct="1">
+              <a:lnSpc>
+                <a:spcPct val="100000"/>
+              </a:lnSpc>
+              <a:spcBef>
+                <a:spcPct val="20000"/>
+              </a:spcBef>
+              <a:spcAft>
+                <a:spcPts val="0"/>
+              </a:spcAft>
+              <a:buClrTx/>
+              <a:buSzTx/>
+              <a:buFontTx/>
+              <a:buNone/>
+              <a:tabLst/>
+            </a:pPr>
+            <a:r>
+              <a:rPr lang="fr-FR" sz="1200" kern="0" dirty="0" err="1" smtClean="0">
+                <a:solidFill>
+                  <a:schemeClr val="tx1">
+                    <a:lumMod val="50000"/>
+                    <a:lumOff val="50000"/>
+                  </a:schemeClr>
+                </a:solidFill>
+                <a:latin typeface="+mn-lt"/>
+                <a:cs typeface="+mn-cs"/>
+              </a:rPr>
+              <a:t>Why</a:t>
+            </a:r>
+            <a:r>
+              <a:rPr lang="fr-FR" sz="1200" kern="0" dirty="0" smtClean="0">
+                <a:solidFill>
+                  <a:schemeClr val="tx1">
+                    <a:lumMod val="50000"/>
+                    <a:lumOff val="50000"/>
+                  </a:schemeClr>
+                </a:solidFill>
+                <a:latin typeface="+mn-lt"/>
+                <a:cs typeface="+mn-cs"/>
+              </a:rPr>
+              <a:t> do </a:t>
+            </a:r>
+            <a:r>
+              <a:rPr lang="fr-FR" sz="1200" kern="0" dirty="0" err="1" smtClean="0">
+                <a:solidFill>
+                  <a:schemeClr val="tx1">
+                    <a:lumMod val="50000"/>
+                    <a:lumOff val="50000"/>
+                  </a:schemeClr>
+                </a:solidFill>
+                <a:latin typeface="+mn-lt"/>
+                <a:cs typeface="+mn-cs"/>
+              </a:rPr>
+              <a:t>we</a:t>
+            </a:r>
+            <a:r>
+              <a:rPr lang="fr-FR" sz="1200" kern="0" dirty="0" smtClean="0">
+                <a:solidFill>
+                  <a:schemeClr val="tx1">
+                    <a:lumMod val="50000"/>
+                    <a:lumOff val="50000"/>
+                  </a:schemeClr>
+                </a:solidFill>
+                <a:latin typeface="+mn-lt"/>
+                <a:cs typeface="+mn-cs"/>
+              </a:rPr>
+              <a:t> use </a:t>
+            </a:r>
+            <a:r>
+              <a:rPr lang="fr-FR" sz="1200" kern="0" dirty="0" err="1" smtClean="0">
+                <a:solidFill>
+                  <a:schemeClr val="tx1">
+                    <a:lumMod val="50000"/>
+                    <a:lumOff val="50000"/>
+                  </a:schemeClr>
+                </a:solidFill>
+                <a:latin typeface="+mn-lt"/>
+                <a:cs typeface="+mn-cs"/>
+              </a:rPr>
+              <a:t>ADLs</a:t>
+            </a:r>
+            <a:r>
+              <a:rPr lang="fr-FR" sz="1200" kern="0" dirty="0" smtClean="0">
+                <a:solidFill>
+                  <a:schemeClr val="tx1">
+                    <a:lumMod val="50000"/>
+                    <a:lumOff val="50000"/>
+                  </a:schemeClr>
+                </a:solidFill>
+                <a:latin typeface="+mn-lt"/>
+                <a:cs typeface="+mn-cs"/>
+              </a:rPr>
+              <a:t>?</a:t>
+            </a:r>
+            <a:endParaRPr kumimoji="0" lang="fr-FR" sz="1200" b="1" i="0" u="sng" strike="noStrike" kern="0" cap="none" spc="0" normalizeH="0" baseline="0" noProof="0" dirty="0" smtClean="0">
+              <a:ln>
+                <a:noFill/>
+              </a:ln>
+              <a:effectLst/>
+              <a:uLnTx/>
+              <a:uFillTx/>
+              <a:latin typeface="+mn-lt"/>
+              <a:ea typeface="+mn-ea"/>
+              <a:cs typeface="+mn-cs"/>
+            </a:endParaRPr>
+          </a:p>
+        </p:txBody>
+      </p:sp>
+      <p:sp>
+        <p:nvSpPr>
+          <p:cNvPr id="5" name="ZoneTexte 4"/>
+          <p:cNvSpPr txBox="1"/>
+          <p:nvPr/>
+        </p:nvSpPr>
+        <p:spPr>
+          <a:xfrm>
+            <a:off x="2786050" y="0"/>
+            <a:ext cx="861133" cy="276999"/>
+          </a:xfrm>
+          <a:prstGeom prst="rect">
+            <a:avLst/>
+          </a:prstGeom>
+          <a:noFill/>
+          <a:ln>
+            <a:noFill/>
+          </a:ln>
+        </p:spPr>
+        <p:txBody>
+          <a:bodyPr wrap="none" rtlCol="0">
+            <a:spAutoFit/>
+          </a:bodyPr>
+          <a:lstStyle/>
+          <a:p>
+            <a:pPr fontAlgn="auto">
+              <a:spcBef>
+                <a:spcPct val="20000"/>
+              </a:spcBef>
+              <a:spcAft>
+                <a:spcPts val="0"/>
+              </a:spcAft>
+            </a:pPr>
+            <a:r>
+              <a:rPr lang="fr-FR" sz="1200" kern="0" dirty="0" err="1" smtClean="0">
+                <a:solidFill>
+                  <a:schemeClr val="tx1">
+                    <a:lumMod val="50000"/>
+                    <a:lumOff val="50000"/>
+                  </a:schemeClr>
+                </a:solidFill>
+                <a:latin typeface="+mn-lt"/>
+                <a:cs typeface="+mn-cs"/>
+              </a:rPr>
+              <a:t>ADLChoice</a:t>
+            </a:r>
+            <a:endParaRPr lang="fr-FR" sz="1200" kern="0" dirty="0" smtClean="0">
+              <a:solidFill>
+                <a:schemeClr val="tx1">
+                  <a:lumMod val="50000"/>
+                  <a:lumOff val="50000"/>
+                </a:schemeClr>
+              </a:solidFill>
+              <a:latin typeface="+mn-lt"/>
+              <a:cs typeface="+mn-cs"/>
+            </a:endParaRPr>
+          </a:p>
+        </p:txBody>
+      </p:sp>
+      <p:sp>
+        <p:nvSpPr>
+          <p:cNvPr id="6" name="ZoneTexte 5"/>
+          <p:cNvSpPr txBox="1"/>
+          <p:nvPr/>
+        </p:nvSpPr>
+        <p:spPr>
+          <a:xfrm>
+            <a:off x="4572000" y="0"/>
+            <a:ext cx="1418978" cy="276999"/>
+          </a:xfrm>
+          <a:prstGeom prst="rect">
+            <a:avLst/>
+          </a:prstGeom>
+          <a:noFill/>
+          <a:ln>
+            <a:noFill/>
+          </a:ln>
+        </p:spPr>
+        <p:txBody>
+          <a:bodyPr wrap="none" rtlCol="0">
+            <a:spAutoFit/>
+          </a:bodyPr>
+          <a:lstStyle/>
+          <a:p>
+            <a:pPr marL="0" marR="0" indent="0" algn="l" defTabSz="914400" rtl="0" eaLnBrk="1" fontAlgn="auto" latinLnBrk="0" hangingPunct="1">
+              <a:lnSpc>
+                <a:spcPct val="100000"/>
+              </a:lnSpc>
+              <a:spcBef>
+                <a:spcPct val="20000"/>
+              </a:spcBef>
+              <a:spcAft>
+                <a:spcPts val="0"/>
+              </a:spcAft>
+              <a:buClrTx/>
+              <a:buSzTx/>
+              <a:buFontTx/>
+              <a:buNone/>
+              <a:tabLst/>
+            </a:pPr>
+            <a:r>
+              <a:rPr lang="fr-FR" sz="1200" kern="0" dirty="0" err="1" smtClean="0">
+                <a:solidFill>
+                  <a:schemeClr val="tx1">
+                    <a:lumMod val="50000"/>
+                    <a:lumOff val="50000"/>
+                  </a:schemeClr>
+                </a:solidFill>
+                <a:latin typeface="+mn-lt"/>
+                <a:cs typeface="+mn-cs"/>
+              </a:rPr>
+              <a:t>ACME</a:t>
+            </a:r>
+            <a:r>
+              <a:rPr kumimoji="0" lang="fr-FR" sz="1200" i="0" u="none" strike="noStrike" kern="0" cap="none" spc="0" normalizeH="0" baseline="0" noProof="0" dirty="0" smtClean="0">
+                <a:ln>
+                  <a:noFill/>
+                </a:ln>
+                <a:solidFill>
+                  <a:schemeClr val="tx1">
+                    <a:lumMod val="50000"/>
+                    <a:lumOff val="50000"/>
+                  </a:schemeClr>
+                </a:solidFill>
+                <a:effectLst/>
+                <a:uLnTx/>
+                <a:uFillTx/>
+                <a:latin typeface="+mn-lt"/>
+                <a:ea typeface="+mn-ea"/>
+                <a:cs typeface="+mn-cs"/>
+              </a:rPr>
+              <a:t> </a:t>
+            </a:r>
+            <a:r>
+              <a:rPr lang="fr-FR" sz="1200" kern="0" dirty="0" err="1" smtClean="0">
+                <a:solidFill>
+                  <a:schemeClr val="tx1">
+                    <a:lumMod val="50000"/>
+                    <a:lumOff val="50000"/>
+                  </a:schemeClr>
+                </a:solidFill>
+                <a:latin typeface="+mn-lt"/>
+                <a:cs typeface="+mn-cs"/>
+              </a:rPr>
+              <a:t>Presentation</a:t>
+            </a:r>
+          </a:p>
+        </p:txBody>
+      </p:sp>
+      <p:sp>
+        <p:nvSpPr>
+          <p:cNvPr id="7" name="ZoneTexte 6"/>
+          <p:cNvSpPr txBox="1"/>
+          <p:nvPr/>
+        </p:nvSpPr>
+        <p:spPr>
+          <a:xfrm>
+            <a:off x="6786578" y="0"/>
+            <a:ext cx="1407758" cy="276999"/>
+          </a:xfrm>
+          <a:prstGeom prst="rect">
+            <a:avLst/>
+          </a:prstGeom>
+          <a:noFill/>
+          <a:ln>
+            <a:noFill/>
+          </a:ln>
+        </p:spPr>
+        <p:txBody>
+          <a:bodyPr wrap="none" rtlCol="0">
+            <a:spAutoFit/>
+          </a:bodyPr>
+          <a:lstStyle/>
+          <a:p>
+            <a:pPr marL="0" marR="0" indent="0" algn="l" defTabSz="914400" rtl="0" eaLnBrk="1" fontAlgn="auto" latinLnBrk="0" hangingPunct="1">
+              <a:lnSpc>
+                <a:spcPct val="100000"/>
+              </a:lnSpc>
+              <a:spcBef>
+                <a:spcPct val="20000"/>
+              </a:spcBef>
+              <a:spcAft>
+                <a:spcPts val="0"/>
+              </a:spcAft>
+              <a:buClrTx/>
+              <a:buSzTx/>
+              <a:buFontTx/>
+              <a:buNone/>
+              <a:tabLst/>
+            </a:pPr>
+            <a:r>
+              <a:rPr lang="fr-FR" sz="1200" b="1" u="sng" kern="0" dirty="0" smtClean="0">
+                <a:latin typeface="+mn-lt"/>
+                <a:cs typeface="+mn-cs"/>
+              </a:rPr>
+              <a:t>ATAM</a:t>
+            </a:r>
+            <a:r>
+              <a:rPr kumimoji="0" lang="fr-FR" sz="1200" i="0" u="none" strike="noStrike" kern="0" cap="none" spc="0" normalizeH="0" baseline="0" noProof="0" dirty="0" smtClean="0">
+                <a:ln>
+                  <a:noFill/>
+                </a:ln>
+                <a:solidFill>
+                  <a:schemeClr val="tx1">
+                    <a:lumMod val="50000"/>
+                    <a:lumOff val="50000"/>
+                  </a:schemeClr>
+                </a:solidFill>
+                <a:effectLst/>
+                <a:uLnTx/>
+                <a:uFillTx/>
+                <a:latin typeface="+mn-lt"/>
+                <a:ea typeface="+mn-ea"/>
+                <a:cs typeface="+mn-cs"/>
+              </a:rPr>
+              <a:t> </a:t>
+            </a:r>
+            <a:r>
+              <a:rPr lang="fr-FR" sz="1200" b="1" u="sng" kern="0" dirty="0" smtClean="0">
+                <a:latin typeface="+mn-lt"/>
+                <a:cs typeface="+mn-cs"/>
+              </a:rPr>
+              <a:t>introduction</a:t>
+            </a:r>
+          </a:p>
+        </p:txBody>
+      </p:sp>
+    </p:spTree>
+  </p:cSld>
+  <p:clrMapOvr>
+    <a:masterClrMapping/>
+  </p:clrMapOvr>
+</p:sld>
+</file>
+
+<file path=ppt/slides/slide6.xml><?xml version="1.0" encoding="utf-8"?>
+<p:sld xmlns:a="http://schemas.openxmlformats.org/drawingml/2006/main" xmlns:r="http://schemas.openxmlformats.org/officeDocument/2006/relationships" xmlns:mc="http://schemas.openxmlformats.org/markup-compatibility/2006" xmlns:mv="urn:schemas-microsoft-com:mac:vml" xmlns:p="http://schemas.openxmlformats.org/presentationml/2006/main" mc:Ignorable="mv" mc:PreserveAttributes="mv:*">
+  <p:cSld>
+    <p:spTree>
+      <p:nvGrpSpPr>
+        <p:cNvPr id="1" name=""/>
+        <p:cNvGrpSpPr/>
+        <p:nvPr/>
+      </p:nvGrpSpPr>
+      <p:grpSpPr>
+        <a:xfrm>
+          <a:off x="0" y="0"/>
+          <a:ext cx="0" cy="0"/>
+          <a:chOff x="0" y="0"/>
+          <a:chExt cx="0" cy="0"/>
+        </a:xfrm>
+      </p:grpSpPr>
+      <p:sp>
+        <p:nvSpPr>
+          <p:cNvPr id="2" name="Titre 1"/>
+          <p:cNvSpPr>
+            <a:spLocks noGrp="1"/>
+          </p:cNvSpPr>
+          <p:nvPr>
+            <p:ph type="ctrTitle"/>
+          </p:nvPr>
+        </p:nvSpPr>
+        <p:spPr/>
+        <p:txBody>
+          <a:bodyPr/>
+          <a:lstStyle/>
+          <a:p>
+            <a:r>
+              <a:rPr lang="en-US" dirty="0" smtClean="0"/>
+              <a:t>1. </a:t>
+            </a:r>
+            <a:r>
+              <a:rPr lang="en-US" dirty="0" err="1" smtClean="0"/>
+              <a:t>Atam</a:t>
+            </a:r>
+            <a:r>
+              <a:rPr lang="en-US" dirty="0" smtClean="0"/>
+              <a:t> assessment steps</a:t>
+            </a:r>
+            <a:endParaRPr lang="en-US" dirty="0"/>
+          </a:p>
+        </p:txBody>
+      </p:sp>
+      <p:sp>
+        <p:nvSpPr>
+          <p:cNvPr id="3" name="Espace réservé du texte 2"/>
+          <p:cNvSpPr>
+            <a:spLocks noGrp="1"/>
+          </p:cNvSpPr>
+          <p:nvPr>
+            <p:ph type="body" sz="quarter" idx="10"/>
+          </p:nvPr>
+        </p:nvSpPr>
+        <p:spPr/>
+        <p:txBody>
+          <a:bodyPr/>
+          <a:lstStyle/>
+          <a:p>
+            <a:endParaRPr smtClean="0"/>
+          </a:p>
+        </p:txBody>
+      </p:sp>
+      <p:graphicFrame>
+        <p:nvGraphicFramePr>
+          <p:cNvPr id="4" name="Diagramme 3"/>
+          <p:cNvGraphicFramePr/>
+          <p:nvPr/>
+        </p:nvGraphicFramePr>
+        <p:xfrm>
+          <a:off x="428596" y="1161135"/>
+          <a:ext cx="8358246" cy="5411137"/>
+        </p:xfrm>
+        <a:graphic>
+          <a:graphicData uri="http://schemas.openxmlformats.org/drawingml/2006/diagram">
+            <a:relIds xmlns:dgm="http://schemas.openxmlformats.org/drawingml/2006/diagram" xmlns:r="http://schemas.openxmlformats.org/officeDocument/2006/relationships" r:dm="rId2" r:lo="rId3" r:qs="rId4" r:cs="rId5"/>
+          </a:graphicData>
+        </a:graphic>
+      </p:graphicFrame>
+      <p:sp>
+        <p:nvSpPr>
+          <p:cNvPr id="5" name="ZoneTexte 4"/>
+          <p:cNvSpPr txBox="1"/>
+          <p:nvPr/>
+        </p:nvSpPr>
+        <p:spPr>
+          <a:xfrm>
+            <a:off x="500034" y="0"/>
+            <a:ext cx="1558440" cy="276999"/>
+          </a:xfrm>
+          <a:prstGeom prst="rect">
+            <a:avLst/>
+          </a:prstGeom>
+          <a:noFill/>
+          <a:ln>
+            <a:noFill/>
+          </a:ln>
+        </p:spPr>
+        <p:txBody>
+          <a:bodyPr wrap="none" rtlCol="0">
+            <a:spAutoFit/>
+          </a:bodyPr>
+          <a:lstStyle/>
+          <a:p>
+            <a:pPr marL="0" marR="0" indent="0" algn="l" defTabSz="914400" rtl="0" eaLnBrk="1" fontAlgn="auto" latinLnBrk="0" hangingPunct="1">
+              <a:lnSpc>
+                <a:spcPct val="100000"/>
+              </a:lnSpc>
+              <a:spcBef>
+                <a:spcPct val="20000"/>
+              </a:spcBef>
+              <a:spcAft>
+                <a:spcPts val="0"/>
+              </a:spcAft>
+              <a:buClrTx/>
+              <a:buSzTx/>
+              <a:buFontTx/>
+              <a:buNone/>
+              <a:tabLst/>
+            </a:pPr>
+            <a:r>
+              <a:rPr lang="fr-FR" sz="1200" kern="0" dirty="0" err="1" smtClean="0">
+                <a:solidFill>
+                  <a:schemeClr val="tx1">
+                    <a:lumMod val="50000"/>
+                    <a:lumOff val="50000"/>
+                  </a:schemeClr>
+                </a:solidFill>
+                <a:latin typeface="+mn-lt"/>
+                <a:cs typeface="+mn-cs"/>
+              </a:rPr>
+              <a:t>Why</a:t>
+            </a:r>
+            <a:r>
+              <a:rPr lang="fr-FR" sz="1200" kern="0" dirty="0" smtClean="0">
+                <a:solidFill>
+                  <a:schemeClr val="tx1">
+                    <a:lumMod val="50000"/>
+                    <a:lumOff val="50000"/>
+                  </a:schemeClr>
+                </a:solidFill>
+                <a:latin typeface="+mn-lt"/>
+                <a:cs typeface="+mn-cs"/>
+              </a:rPr>
+              <a:t> do </a:t>
+            </a:r>
+            <a:r>
+              <a:rPr lang="fr-FR" sz="1200" kern="0" dirty="0" err="1" smtClean="0">
+                <a:solidFill>
+                  <a:schemeClr val="tx1">
+                    <a:lumMod val="50000"/>
+                    <a:lumOff val="50000"/>
+                  </a:schemeClr>
+                </a:solidFill>
+                <a:latin typeface="+mn-lt"/>
+                <a:cs typeface="+mn-cs"/>
+              </a:rPr>
+              <a:t>we</a:t>
+            </a:r>
+            <a:r>
+              <a:rPr lang="fr-FR" sz="1200" kern="0" dirty="0" smtClean="0">
+                <a:solidFill>
+                  <a:schemeClr val="tx1">
+                    <a:lumMod val="50000"/>
+                    <a:lumOff val="50000"/>
+                  </a:schemeClr>
+                </a:solidFill>
+                <a:latin typeface="+mn-lt"/>
+                <a:cs typeface="+mn-cs"/>
+              </a:rPr>
+              <a:t> use </a:t>
+            </a:r>
+            <a:r>
+              <a:rPr lang="fr-FR" sz="1200" kern="0" dirty="0" err="1" smtClean="0">
+                <a:solidFill>
+                  <a:schemeClr val="tx1">
+                    <a:lumMod val="50000"/>
+                    <a:lumOff val="50000"/>
+                  </a:schemeClr>
+                </a:solidFill>
+                <a:latin typeface="+mn-lt"/>
+                <a:cs typeface="+mn-cs"/>
+              </a:rPr>
+              <a:t>ADLs</a:t>
+            </a:r>
+            <a:r>
+              <a:rPr lang="fr-FR" sz="1200" kern="0" dirty="0" smtClean="0">
+                <a:solidFill>
+                  <a:schemeClr val="tx1">
+                    <a:lumMod val="50000"/>
+                    <a:lumOff val="50000"/>
+                  </a:schemeClr>
+                </a:solidFill>
+                <a:latin typeface="+mn-lt"/>
+                <a:cs typeface="+mn-cs"/>
+              </a:rPr>
+              <a:t>?</a:t>
+            </a:r>
+            <a:endParaRPr kumimoji="0" lang="fr-FR" sz="1200" b="1" i="0" u="sng" strike="noStrike" kern="0" cap="none" spc="0" normalizeH="0" baseline="0" noProof="0" dirty="0" smtClean="0">
+              <a:ln>
+                <a:noFill/>
+              </a:ln>
+              <a:effectLst/>
+              <a:uLnTx/>
+              <a:uFillTx/>
+              <a:latin typeface="+mn-lt"/>
+              <a:ea typeface="+mn-ea"/>
+              <a:cs typeface="+mn-cs"/>
+            </a:endParaRPr>
+          </a:p>
+        </p:txBody>
+      </p:sp>
+      <p:sp>
+        <p:nvSpPr>
+          <p:cNvPr id="6" name="ZoneTexte 5"/>
+          <p:cNvSpPr txBox="1"/>
+          <p:nvPr/>
+        </p:nvSpPr>
+        <p:spPr>
+          <a:xfrm>
+            <a:off x="2786050" y="0"/>
+            <a:ext cx="861133" cy="276999"/>
+          </a:xfrm>
+          <a:prstGeom prst="rect">
+            <a:avLst/>
+          </a:prstGeom>
+          <a:noFill/>
+          <a:ln>
+            <a:noFill/>
+          </a:ln>
+        </p:spPr>
+        <p:txBody>
+          <a:bodyPr wrap="none" rtlCol="0">
+            <a:spAutoFit/>
+          </a:bodyPr>
+          <a:lstStyle/>
+          <a:p>
+            <a:pPr fontAlgn="auto">
+              <a:spcBef>
+                <a:spcPct val="20000"/>
+              </a:spcBef>
+              <a:spcAft>
+                <a:spcPts val="0"/>
+              </a:spcAft>
+            </a:pPr>
+            <a:r>
+              <a:rPr lang="fr-FR" sz="1200" kern="0" dirty="0" err="1" smtClean="0">
+                <a:solidFill>
+                  <a:schemeClr val="tx1">
+                    <a:lumMod val="50000"/>
+                    <a:lumOff val="50000"/>
+                  </a:schemeClr>
+                </a:solidFill>
+                <a:latin typeface="+mn-lt"/>
+                <a:cs typeface="+mn-cs"/>
+              </a:rPr>
+              <a:t>ADLChoice</a:t>
+            </a:r>
+            <a:endParaRPr lang="fr-FR" sz="1200" kern="0" dirty="0" smtClean="0">
+              <a:solidFill>
+                <a:schemeClr val="tx1">
+                  <a:lumMod val="50000"/>
+                  <a:lumOff val="50000"/>
+                </a:schemeClr>
+              </a:solidFill>
+              <a:latin typeface="+mn-lt"/>
+              <a:cs typeface="+mn-cs"/>
+            </a:endParaRPr>
+          </a:p>
+        </p:txBody>
+      </p:sp>
+      <p:sp>
+        <p:nvSpPr>
+          <p:cNvPr id="7" name="ZoneTexte 6"/>
+          <p:cNvSpPr txBox="1"/>
+          <p:nvPr/>
+        </p:nvSpPr>
+        <p:spPr>
+          <a:xfrm>
+            <a:off x="4572000" y="0"/>
+            <a:ext cx="1418978" cy="276999"/>
+          </a:xfrm>
+          <a:prstGeom prst="rect">
+            <a:avLst/>
+          </a:prstGeom>
+          <a:noFill/>
+          <a:ln>
+            <a:noFill/>
+          </a:ln>
+        </p:spPr>
+        <p:txBody>
+          <a:bodyPr wrap="none" rtlCol="0">
+            <a:spAutoFit/>
+          </a:bodyPr>
+          <a:lstStyle/>
+          <a:p>
+            <a:pPr marL="0" marR="0" indent="0" algn="l" defTabSz="914400" rtl="0" eaLnBrk="1" fontAlgn="auto" latinLnBrk="0" hangingPunct="1">
+              <a:lnSpc>
+                <a:spcPct val="100000"/>
+              </a:lnSpc>
+              <a:spcBef>
+                <a:spcPct val="20000"/>
+              </a:spcBef>
+              <a:spcAft>
+                <a:spcPts val="0"/>
+              </a:spcAft>
+              <a:buClrTx/>
+              <a:buSzTx/>
+              <a:buFontTx/>
+              <a:buNone/>
+              <a:tabLst/>
+            </a:pPr>
+            <a:r>
+              <a:rPr lang="fr-FR" sz="1200" kern="0" dirty="0" err="1" smtClean="0">
+                <a:solidFill>
+                  <a:schemeClr val="tx1">
+                    <a:lumMod val="50000"/>
+                    <a:lumOff val="50000"/>
+                  </a:schemeClr>
+                </a:solidFill>
+                <a:latin typeface="+mn-lt"/>
+                <a:cs typeface="+mn-cs"/>
+              </a:rPr>
+              <a:t>ACME</a:t>
+            </a:r>
+            <a:r>
+              <a:rPr kumimoji="0" lang="fr-FR" sz="1200" i="0" u="none" strike="noStrike" kern="0" cap="none" spc="0" normalizeH="0" baseline="0" noProof="0" dirty="0" smtClean="0">
+                <a:ln>
+                  <a:noFill/>
+                </a:ln>
+                <a:solidFill>
+                  <a:schemeClr val="tx1">
+                    <a:lumMod val="50000"/>
+                    <a:lumOff val="50000"/>
+                  </a:schemeClr>
+                </a:solidFill>
+                <a:effectLst/>
+                <a:uLnTx/>
+                <a:uFillTx/>
+                <a:latin typeface="+mn-lt"/>
+                <a:ea typeface="+mn-ea"/>
+                <a:cs typeface="+mn-cs"/>
+              </a:rPr>
+              <a:t> </a:t>
+            </a:r>
+            <a:r>
+              <a:rPr lang="fr-FR" sz="1200" kern="0" dirty="0" err="1" smtClean="0">
+                <a:solidFill>
+                  <a:schemeClr val="tx1">
+                    <a:lumMod val="50000"/>
+                    <a:lumOff val="50000"/>
+                  </a:schemeClr>
+                </a:solidFill>
+                <a:latin typeface="+mn-lt"/>
+                <a:cs typeface="+mn-cs"/>
+              </a:rPr>
+              <a:t>Presentation</a:t>
+            </a:r>
+          </a:p>
+        </p:txBody>
+      </p:sp>
+      <p:sp>
+        <p:nvSpPr>
+          <p:cNvPr id="8" name="ZoneTexte 7"/>
+          <p:cNvSpPr txBox="1"/>
+          <p:nvPr/>
+        </p:nvSpPr>
+        <p:spPr>
+          <a:xfrm>
+            <a:off x="6786578" y="0"/>
+            <a:ext cx="1407758" cy="276999"/>
+          </a:xfrm>
+          <a:prstGeom prst="rect">
+            <a:avLst/>
+          </a:prstGeom>
+          <a:noFill/>
+          <a:ln>
+            <a:noFill/>
+          </a:ln>
+        </p:spPr>
+        <p:txBody>
+          <a:bodyPr wrap="none" rtlCol="0">
+            <a:spAutoFit/>
+          </a:bodyPr>
+          <a:lstStyle/>
+          <a:p>
+            <a:pPr marL="0" marR="0" indent="0" algn="l" defTabSz="914400" rtl="0" eaLnBrk="1" fontAlgn="auto" latinLnBrk="0" hangingPunct="1">
+              <a:lnSpc>
+                <a:spcPct val="100000"/>
+              </a:lnSpc>
+              <a:spcBef>
+                <a:spcPct val="20000"/>
+              </a:spcBef>
+              <a:spcAft>
+                <a:spcPts val="0"/>
+              </a:spcAft>
+              <a:buClrTx/>
+              <a:buSzTx/>
+              <a:buFontTx/>
+              <a:buNone/>
+              <a:tabLst/>
+            </a:pPr>
+            <a:r>
+              <a:rPr lang="fr-FR" sz="1200" b="1" u="sng" kern="0" dirty="0" smtClean="0">
+                <a:latin typeface="+mn-lt"/>
+                <a:cs typeface="+mn-cs"/>
+              </a:rPr>
+              <a:t>ATAM</a:t>
+            </a:r>
+            <a:r>
+              <a:rPr kumimoji="0" lang="fr-FR" sz="1200" i="0" u="none" strike="noStrike" kern="0" cap="none" spc="0" normalizeH="0" baseline="0" noProof="0" dirty="0" smtClean="0">
+                <a:ln>
+                  <a:noFill/>
+                </a:ln>
+                <a:solidFill>
+                  <a:schemeClr val="tx1">
+                    <a:lumMod val="50000"/>
+                    <a:lumOff val="50000"/>
+                  </a:schemeClr>
+                </a:solidFill>
+                <a:effectLst/>
+                <a:uLnTx/>
+                <a:uFillTx/>
+                <a:latin typeface="+mn-lt"/>
+                <a:ea typeface="+mn-ea"/>
+                <a:cs typeface="+mn-cs"/>
+              </a:rPr>
+              <a:t> </a:t>
+            </a:r>
+            <a:r>
+              <a:rPr lang="fr-FR" sz="1200" b="1" u="sng" kern="0" dirty="0" smtClean="0">
+                <a:latin typeface="+mn-lt"/>
+                <a:cs typeface="+mn-cs"/>
+              </a:rPr>
+              <a:t>introduction</a:t>
+            </a:r>
+          </a:p>
+        </p:txBody>
+      </p:sp>
+    </p:spTree>
+  </p:cSld>
+  <p:clrMapOvr>
+    <a:masterClrMapping/>
+  </p:clrMapOvr>
+  <p:timing>
+    <p:tnLst>
+      <p:par>
+        <p:cTn id="1" dur="indefinite" restart="never" nodeType="tmRoot"/>
+      </p:par>
+    </p:tnLst>
+  </p:timing>
+</p:sld>
+</file>
+
+<file path=ppt/slides/slide7.xml><?xml version="1.0" encoding="utf-8"?>
+<p:sld xmlns:a="http://schemas.openxmlformats.org/drawingml/2006/main" xmlns:r="http://schemas.openxmlformats.org/officeDocument/2006/relationships" xmlns:mc="http://schemas.openxmlformats.org/markup-compatibility/2006" xmlns:mv="urn:schemas-microsoft-com:mac:vml" xmlns:p="http://schemas.openxmlformats.org/presentationml/2006/main" mc:Ignorable="mv" mc:PreserveAttributes="mv:*">
+  <p:cSld>
+    <p:spTree>
+      <p:nvGrpSpPr>
+        <p:cNvPr id="1" name=""/>
+        <p:cNvGrpSpPr/>
+        <p:nvPr/>
+      </p:nvGrpSpPr>
+      <p:grpSpPr>
+        <a:xfrm>
+          <a:off x="0" y="0"/>
+          <a:ext cx="0" cy="0"/>
+          <a:chOff x="0" y="0"/>
+          <a:chExt cx="0" cy="0"/>
+        </a:xfrm>
+      </p:grpSpPr>
+      <p:sp>
+        <p:nvSpPr>
+          <p:cNvPr id="2" name="Titre 1"/>
+          <p:cNvSpPr>
+            <a:spLocks noGrp="1"/>
+          </p:cNvSpPr>
+          <p:nvPr>
+            <p:ph type="ctrTitle"/>
+          </p:nvPr>
+        </p:nvSpPr>
+        <p:spPr/>
+        <p:txBody>
+          <a:bodyPr/>
+          <a:lstStyle/>
+          <a:p>
+            <a:r>
+              <a:rPr lang="en-US" dirty="0" smtClean="0"/>
+              <a:t>2. Utility tree</a:t>
+            </a:r>
+            <a:endParaRPr lang="en-US" dirty="0"/>
+          </a:p>
+        </p:txBody>
+      </p:sp>
+      <p:sp>
+        <p:nvSpPr>
+          <p:cNvPr id="3" name="Espace réservé du texte 2"/>
+          <p:cNvSpPr>
+            <a:spLocks noGrp="1"/>
+          </p:cNvSpPr>
+          <p:nvPr>
+            <p:ph type="body" sz="quarter" idx="10"/>
+          </p:nvPr>
+        </p:nvSpPr>
+        <p:spPr/>
+        <p:txBody>
+          <a:bodyPr/>
+          <a:lstStyle/>
+          <a:p>
+            <a:endParaRPr lang="en-US" dirty="0"/>
+          </a:p>
+        </p:txBody>
+      </p:sp>
+      <p:graphicFrame>
+        <p:nvGraphicFramePr>
+          <p:cNvPr id="4" name="Diagramme 3"/>
+          <p:cNvGraphicFramePr/>
+          <p:nvPr/>
+        </p:nvGraphicFramePr>
+        <p:xfrm>
+          <a:off x="0" y="1000108"/>
+          <a:ext cx="8929718" cy="5500726"/>
+        </p:xfrm>
+        <a:graphic>
+          <a:graphicData uri="http://schemas.openxmlformats.org/drawingml/2006/diagram">
+            <a:relIds xmlns:dgm="http://schemas.openxmlformats.org/drawingml/2006/diagram" xmlns:r="http://schemas.openxmlformats.org/officeDocument/2006/relationships" r:dm="rId2" r:lo="rId3" r:qs="rId4" r:cs="rId5"/>
+          </a:graphicData>
+        </a:graphic>
+      </p:graphicFrame>
+    </p:spTree>
+  </p:cSld>
+  <p:clrMapOvr>
+    <a:masterClrMapping/>
+  </p:clrMapOvr>
+  <p:timing>
+    <p:tnLst>
+      <p:par>
+        <p:cTn id="1" dur="indefinite" restart="never" nodeType="tmRoot"/>
+      </p:par>
+    </p:tnLst>
+  </p:timing>
+</p:sld>
+</file>
+
+<file path=ppt/slides/slide8.xml><?xml version="1.0" encoding="utf-8"?>
+<p:sld xmlns:a="http://schemas.openxmlformats.org/drawingml/2006/main" xmlns:r="http://schemas.openxmlformats.org/officeDocument/2006/relationships" xmlns:mc="http://schemas.openxmlformats.org/markup-compatibility/2006" xmlns:mv="urn:schemas-microsoft-com:mac:vml" xmlns:p="http://schemas.openxmlformats.org/presentationml/2006/main" mc:Ignorable="mv" mc:PreserveAttributes="mv:*">
+  <p:cSld>
+    <p:spTree>
+      <p:nvGrpSpPr>
+        <p:cNvPr id="1" name=""/>
+        <p:cNvGrpSpPr/>
+        <p:nvPr/>
+      </p:nvGrpSpPr>
+      <p:grpSpPr>
+        <a:xfrm>
+          <a:off x="0" y="0"/>
+          <a:ext cx="0" cy="0"/>
+          <a:chOff x="0" y="0"/>
+          <a:chExt cx="0" cy="0"/>
+        </a:xfrm>
+      </p:grpSpPr>
+      <p:sp>
+        <p:nvSpPr>
+          <p:cNvPr id="2" name="Title 1"/>
+          <p:cNvSpPr>
+            <a:spLocks noGrp="1"/>
+          </p:cNvSpPr>
+          <p:nvPr>
+            <p:ph type="ctrTitle"/>
+          </p:nvPr>
+        </p:nvSpPr>
+        <p:spPr/>
+        <p:txBody>
+          <a:bodyPr/>
+          <a:lstStyle/>
+          <a:p>
+            <a:r>
+              <a:rPr lang="en-US" dirty="0" smtClean="0"/>
+              <a:t>Utility Scenarios</a:t>
+            </a:r>
+            <a:endParaRPr lang="en-US" dirty="0"/>
+          </a:p>
+        </p:txBody>
+      </p:sp>
+      <p:sp>
+        <p:nvSpPr>
+          <p:cNvPr id="3" name="Text Placeholder 2"/>
+          <p:cNvSpPr>
+            <a:spLocks noGrp="1"/>
+          </p:cNvSpPr>
+          <p:nvPr>
+            <p:ph type="body" sz="quarter" idx="10"/>
+          </p:nvPr>
+        </p:nvSpPr>
+        <p:spPr/>
+        <p:txBody>
+          <a:bodyPr/>
+          <a:lstStyle/>
+          <a:p>
+            <a:r>
+              <a:rPr lang="en-US" dirty="0" smtClean="0"/>
+              <a:t>Use case scenarios</a:t>
+            </a:r>
+          </a:p>
+          <a:p>
+            <a:pPr lvl="1"/>
+            <a:r>
+              <a:rPr lang="en-US" dirty="0" smtClean="0"/>
+              <a:t>No operation should be irreversible, and confirmation should be asked to user each </a:t>
+            </a:r>
+            <a:r>
+              <a:rPr lang="en-US" dirty="0" smtClean="0"/>
+              <a:t>time</a:t>
+            </a:r>
+          </a:p>
+          <a:p>
+            <a:pPr lvl="1"/>
+            <a:r>
+              <a:rPr lang="en-US" dirty="0" smtClean="0"/>
+              <a:t>The </a:t>
+            </a:r>
+            <a:r>
+              <a:rPr lang="en-US" dirty="0" smtClean="0"/>
+              <a:t>FDIR interface should provide several views with consistent </a:t>
+            </a:r>
+            <a:r>
+              <a:rPr lang="en-US" dirty="0" smtClean="0"/>
+              <a:t>conventions</a:t>
+            </a:r>
+          </a:p>
+          <a:p>
+            <a:r>
+              <a:rPr lang="en-US" dirty="0" smtClean="0"/>
+              <a:t>Growth scenarios</a:t>
+            </a:r>
+          </a:p>
+          <a:p>
+            <a:pPr lvl="1"/>
+            <a:r>
+              <a:rPr lang="en-US" dirty="0" smtClean="0"/>
+              <a:t>A new sub-system must be able to be installed in to the FDIR in 1 person day of work</a:t>
+            </a:r>
+          </a:p>
+          <a:p>
+            <a:r>
+              <a:rPr lang="en-US" dirty="0" smtClean="0"/>
+              <a:t>Exploratory scenarios</a:t>
+            </a:r>
+          </a:p>
+          <a:p>
+            <a:pPr lvl="1"/>
+            <a:r>
+              <a:rPr lang="en-US" dirty="0" smtClean="0"/>
+              <a:t>If </a:t>
+            </a:r>
+            <a:r>
+              <a:rPr lang="en-US" dirty="0" smtClean="0"/>
+              <a:t>the system load doubles from normal response time has to stay within 3 seconds</a:t>
+            </a:r>
+            <a:r>
+              <a:rPr lang="en-US" dirty="0" smtClean="0"/>
+              <a:t>.</a:t>
+            </a:r>
+          </a:p>
+          <a:p>
+            <a:pPr lvl="1"/>
+            <a:r>
+              <a:rPr lang="en-US" dirty="0" smtClean="0"/>
+              <a:t>The system has to be configurable to other spacecrafts in 1 person year of work</a:t>
+            </a:r>
+          </a:p>
+          <a:p>
+            <a:pPr lvl="1">
+              <a:buNone/>
+            </a:pPr>
+            <a:r>
+              <a:rPr lang="en-US" dirty="0" smtClean="0"/>
+              <a:t> </a:t>
+            </a:r>
+            <a:endParaRPr lang="en-US" dirty="0" smtClean="0"/>
+          </a:p>
+          <a:p>
+            <a:pPr lvl="1"/>
+            <a:endParaRPr lang="en-US" dirty="0" smtClean="0"/>
+          </a:p>
+        </p:txBody>
+      </p:sp>
+    </p:spTree>
+  </p:cSld>
+  <p:clrMapOvr>
+    <a:masterClrMapping/>
+  </p:clrMapOvr>
+</p:sld>
+</file>
+
+<file path=ppt/slides/slide9.xml><?xml version="1.0" encoding="utf-8"?>
+<p:sld xmlns:a="http://schemas.openxmlformats.org/drawingml/2006/main" xmlns:r="http://schemas.openxmlformats.org/officeDocument/2006/relationships" xmlns:mc="http://schemas.openxmlformats.org/markup-compatibility/2006" xmlns:mv="urn:schemas-microsoft-com:mac:vml" xmlns:p="http://schemas.openxmlformats.org/presentationml/2006/main" mc:Ignorable="mv" mc:PreserveAttributes="mv:*">
+  <p:cSld>
+    <p:spTree>
+      <p:nvGrpSpPr>
+        <p:cNvPr id="1" name=""/>
+        <p:cNvGrpSpPr/>
+        <p:nvPr/>
+      </p:nvGrpSpPr>
+      <p:grpSpPr>
+        <a:xfrm>
+          <a:off x="0" y="0"/>
+          <a:ext cx="0" cy="0"/>
+          <a:chOff x="0" y="0"/>
+          <a:chExt cx="0" cy="0"/>
+        </a:xfrm>
+      </p:grpSpPr>
+      <p:sp>
+        <p:nvSpPr>
+          <p:cNvPr id="2" name="Title 1"/>
+          <p:cNvSpPr>
+            <a:spLocks noGrp="1"/>
+          </p:cNvSpPr>
+          <p:nvPr>
+            <p:ph type="ctrTitle"/>
+          </p:nvPr>
+        </p:nvSpPr>
+        <p:spPr/>
+        <p:txBody>
+          <a:bodyPr/>
+          <a:lstStyle/>
+          <a:p>
+            <a:r>
+              <a:rPr lang="en-US" dirty="0" smtClean="0"/>
+              <a:t>Architectural approach</a:t>
+            </a:r>
+            <a:endParaRPr lang="en-US" dirty="0"/>
+          </a:p>
+        </p:txBody>
+      </p:sp>
+      <p:sp>
+        <p:nvSpPr>
+          <p:cNvPr id="3" name="Text Placeholder 2"/>
+          <p:cNvSpPr>
+            <a:spLocks noGrp="1"/>
+          </p:cNvSpPr>
+          <p:nvPr>
+            <p:ph type="body" sz="quarter" idx="10"/>
+          </p:nvPr>
+        </p:nvSpPr>
+        <p:spPr/>
+        <p:txBody>
+          <a:bodyPr/>
+          <a:lstStyle/>
+          <a:p>
+            <a:r>
+              <a:rPr lang="en-US" sz="3200" dirty="0" smtClean="0"/>
+              <a:t>Event driven architecture</a:t>
+            </a:r>
+          </a:p>
+          <a:p>
+            <a:pPr lvl="1"/>
+            <a:r>
+              <a:rPr lang="en-US" sz="2800" dirty="0" smtClean="0"/>
+              <a:t>Devices subscribe to sub-systems which in turn listen to events broadcasted by the devices.</a:t>
+            </a:r>
+          </a:p>
+          <a:p>
+            <a:pPr lvl="1"/>
+            <a:r>
+              <a:rPr lang="en-US" sz="2800" dirty="0" smtClean="0"/>
+              <a:t>Such events can be for example “announce value” event</a:t>
+            </a:r>
+          </a:p>
+          <a:p>
+            <a:pPr lvl="1"/>
+            <a:r>
+              <a:rPr lang="en-US" sz="2800" dirty="0" smtClean="0"/>
+              <a:t>Choice based on identified quality attributes</a:t>
+            </a:r>
+          </a:p>
+          <a:p>
+            <a:pPr lvl="2"/>
+            <a:r>
+              <a:rPr lang="en-US" sz="2000" dirty="0" smtClean="0"/>
+              <a:t>Enables asynchronous processing</a:t>
+            </a:r>
+          </a:p>
+          <a:p>
+            <a:pPr lvl="2"/>
+            <a:r>
+              <a:rPr lang="en-US" sz="2000" dirty="0" smtClean="0"/>
+              <a:t>High potential for resilience in case of failure</a:t>
+            </a:r>
+          </a:p>
+          <a:p>
+            <a:pPr lvl="2"/>
+            <a:r>
+              <a:rPr lang="en-US" sz="2000" dirty="0" smtClean="0"/>
+              <a:t>Load can be balanced efficiently between systems</a:t>
+            </a:r>
+          </a:p>
+          <a:p>
+            <a:pPr lvl="1"/>
+            <a:r>
+              <a:rPr lang="en-US" sz="2800" dirty="0" smtClean="0"/>
+              <a:t>Architectural approach follows logically from system architecture</a:t>
+            </a:r>
+          </a:p>
+          <a:p>
+            <a:pPr lvl="1"/>
+            <a:endParaRPr lang="en-US" dirty="0" smtClean="0"/>
+          </a:p>
+          <a:p>
+            <a:pPr lvl="2"/>
+            <a:endParaRPr lang="en-US" dirty="0" smtClean="0"/>
+          </a:p>
+        </p:txBody>
+      </p:sp>
+    </p:spTree>
+  </p:cSld>
+  <p:clrMapOvr>
+    <a:masterClrMapping/>
+  </p:clrMapOvr>
 </p:sld>
 </file>
 
